--- a/début zonig.pptx
+++ b/début zonig.pptx
@@ -2,25 +2,26 @@
 <file path=ppt/presentation.xml><?xml version="1.0" encoding="utf-8"?>
 <p:presentation xmlns:a="http://schemas.openxmlformats.org/drawingml/2006/main" xmlns:r="http://schemas.openxmlformats.org/officeDocument/2006/relationships" xmlns:p="http://schemas.openxmlformats.org/presentationml/2006/main" saveSubsetFonts="1">
   <p:sldMasterIdLst>
-    <p:sldMasterId id="2147483648" r:id="rId1"/>
+    <p:sldMasterId id="2147483660" r:id="rId1"/>
   </p:sldMasterIdLst>
   <p:notesMasterIdLst>
-    <p:notesMasterId r:id="rId7"/>
+    <p:notesMasterId r:id="rId8"/>
   </p:notesMasterIdLst>
   <p:sldIdLst>
     <p:sldId id="260" r:id="rId2"/>
-    <p:sldId id="256" r:id="rId3"/>
-    <p:sldId id="257" r:id="rId4"/>
-    <p:sldId id="258" r:id="rId5"/>
-    <p:sldId id="259" r:id="rId6"/>
+    <p:sldId id="261" r:id="rId3"/>
+    <p:sldId id="256" r:id="rId4"/>
+    <p:sldId id="257" r:id="rId5"/>
+    <p:sldId id="258" r:id="rId6"/>
+    <p:sldId id="259" r:id="rId7"/>
   </p:sldIdLst>
-  <p:sldSz cx="12192000" cy="6858000"/>
+  <p:sldSz cx="12192000" cy="12599988"/>
   <p:notesSz cx="6858000" cy="9144000"/>
   <p:defaultTextStyle>
     <a:defPPr>
-      <a:defRPr lang="fr-FR"/>
+      <a:defRPr lang="en-US"/>
     </a:defPPr>
-    <a:lvl1pPr marL="0" algn="l" defTabSz="914400" rtl="0" eaLnBrk="1" latinLnBrk="0" hangingPunct="1">
+    <a:lvl1pPr marL="0" algn="l" defTabSz="457200" rtl="0" eaLnBrk="1" latinLnBrk="0" hangingPunct="1">
       <a:defRPr sz="1800" kern="1200">
         <a:solidFill>
           <a:schemeClr val="tx1"/>
@@ -30,7 +31,7 @@
         <a:cs typeface="+mn-cs"/>
       </a:defRPr>
     </a:lvl1pPr>
-    <a:lvl2pPr marL="457200" algn="l" defTabSz="914400" rtl="0" eaLnBrk="1" latinLnBrk="0" hangingPunct="1">
+    <a:lvl2pPr marL="457200" algn="l" defTabSz="457200" rtl="0" eaLnBrk="1" latinLnBrk="0" hangingPunct="1">
       <a:defRPr sz="1800" kern="1200">
         <a:solidFill>
           <a:schemeClr val="tx1"/>
@@ -40,7 +41,7 @@
         <a:cs typeface="+mn-cs"/>
       </a:defRPr>
     </a:lvl2pPr>
-    <a:lvl3pPr marL="914400" algn="l" defTabSz="914400" rtl="0" eaLnBrk="1" latinLnBrk="0" hangingPunct="1">
+    <a:lvl3pPr marL="914400" algn="l" defTabSz="457200" rtl="0" eaLnBrk="1" latinLnBrk="0" hangingPunct="1">
       <a:defRPr sz="1800" kern="1200">
         <a:solidFill>
           <a:schemeClr val="tx1"/>
@@ -50,7 +51,7 @@
         <a:cs typeface="+mn-cs"/>
       </a:defRPr>
     </a:lvl3pPr>
-    <a:lvl4pPr marL="1371600" algn="l" defTabSz="914400" rtl="0" eaLnBrk="1" latinLnBrk="0" hangingPunct="1">
+    <a:lvl4pPr marL="1371600" algn="l" defTabSz="457200" rtl="0" eaLnBrk="1" latinLnBrk="0" hangingPunct="1">
       <a:defRPr sz="1800" kern="1200">
         <a:solidFill>
           <a:schemeClr val="tx1"/>
@@ -60,7 +61,7 @@
         <a:cs typeface="+mn-cs"/>
       </a:defRPr>
     </a:lvl4pPr>
-    <a:lvl5pPr marL="1828800" algn="l" defTabSz="914400" rtl="0" eaLnBrk="1" latinLnBrk="0" hangingPunct="1">
+    <a:lvl5pPr marL="1828800" algn="l" defTabSz="457200" rtl="0" eaLnBrk="1" latinLnBrk="0" hangingPunct="1">
       <a:defRPr sz="1800" kern="1200">
         <a:solidFill>
           <a:schemeClr val="tx1"/>
@@ -70,7 +71,7 @@
         <a:cs typeface="+mn-cs"/>
       </a:defRPr>
     </a:lvl5pPr>
-    <a:lvl6pPr marL="2286000" algn="l" defTabSz="914400" rtl="0" eaLnBrk="1" latinLnBrk="0" hangingPunct="1">
+    <a:lvl6pPr marL="2286000" algn="l" defTabSz="457200" rtl="0" eaLnBrk="1" latinLnBrk="0" hangingPunct="1">
       <a:defRPr sz="1800" kern="1200">
         <a:solidFill>
           <a:schemeClr val="tx1"/>
@@ -80,7 +81,7 @@
         <a:cs typeface="+mn-cs"/>
       </a:defRPr>
     </a:lvl6pPr>
-    <a:lvl7pPr marL="2743200" algn="l" defTabSz="914400" rtl="0" eaLnBrk="1" latinLnBrk="0" hangingPunct="1">
+    <a:lvl7pPr marL="2743200" algn="l" defTabSz="457200" rtl="0" eaLnBrk="1" latinLnBrk="0" hangingPunct="1">
       <a:defRPr sz="1800" kern="1200">
         <a:solidFill>
           <a:schemeClr val="tx1"/>
@@ -90,7 +91,7 @@
         <a:cs typeface="+mn-cs"/>
       </a:defRPr>
     </a:lvl7pPr>
-    <a:lvl8pPr marL="3200400" algn="l" defTabSz="914400" rtl="0" eaLnBrk="1" latinLnBrk="0" hangingPunct="1">
+    <a:lvl8pPr marL="3200400" algn="l" defTabSz="457200" rtl="0" eaLnBrk="1" latinLnBrk="0" hangingPunct="1">
       <a:defRPr sz="1800" kern="1200">
         <a:solidFill>
           <a:schemeClr val="tx1"/>
@@ -100,7 +101,7 @@
         <a:cs typeface="+mn-cs"/>
       </a:defRPr>
     </a:lvl8pPr>
-    <a:lvl9pPr marL="3657600" algn="l" defTabSz="914400" rtl="0" eaLnBrk="1" latinLnBrk="0" hangingPunct="1">
+    <a:lvl9pPr marL="3657600" algn="l" defTabSz="457200" rtl="0" eaLnBrk="1" latinLnBrk="0" hangingPunct="1">
       <a:defRPr sz="1800" kern="1200">
         <a:solidFill>
           <a:schemeClr val="tx1"/>
@@ -111,6 +112,11 @@
       </a:defRPr>
     </a:lvl9pPr>
   </p:defaultTextStyle>
+  <p:extLst>
+    <p:ext uri="{EFAFB233-063F-42B5-8137-9DF3F51BA10A}">
+      <p15:sldGuideLst xmlns:p15="http://schemas.microsoft.com/office/powerpoint/2012/main"/>
+    </p:ext>
+  </p:extLst>
 </p:presentation>
 </file>
 
@@ -196,7 +202,7 @@
           <a:p>
             <a:fld id="{85C527A3-6C79-457D-A0EE-40195EE30A57}" type="datetimeFigureOut">
               <a:rPr lang="fr-FR" smtClean="0"/>
-              <a:t>29/07/2025</a:t>
+              <a:t>30/07/2025</a:t>
             </a:fld>
             <a:endParaRPr lang="fr-FR"/>
           </a:p>
@@ -214,8 +220,8 @@
         </p:nvSpPr>
         <p:spPr>
           <a:xfrm>
-            <a:off x="685800" y="1143000"/>
-            <a:ext cx="5486400" cy="3086100"/>
+            <a:off x="1935163" y="1143000"/>
+            <a:ext cx="2987675" cy="3086100"/>
           </a:xfrm>
           <a:prstGeom prst="rect">
             <a:avLst/>
@@ -490,7 +496,12 @@
             <p:ph type="sldImg"/>
           </p:nvPr>
         </p:nvSpPr>
-        <p:spPr/>
+        <p:spPr>
+          <a:xfrm>
+            <a:off x="1935163" y="1143000"/>
+            <a:ext cx="2987675" cy="3086100"/>
+          </a:xfrm>
+        </p:spPr>
       </p:sp>
       <p:sp>
         <p:nvSpPr>
@@ -566,13 +577,7 @@
       </p:grpSpPr>
       <p:sp>
         <p:nvSpPr>
-          <p:cNvPr id="2" name="Titre 1">
-            <a:extLst>
-              <a:ext uri="{FF2B5EF4-FFF2-40B4-BE49-F238E27FC236}">
-                <a16:creationId xmlns:a16="http://schemas.microsoft.com/office/drawing/2014/main" id="{92B6494A-7D15-6348-1917-5B80DCA5B46A}"/>
-              </a:ext>
-            </a:extLst>
-          </p:cNvPr>
+          <p:cNvPr id="2" name="Title 1"/>
           <p:cNvSpPr>
             <a:spLocks noGrp="1"/>
           </p:cNvSpPr>
@@ -582,15 +587,15 @@
         </p:nvSpPr>
         <p:spPr>
           <a:xfrm>
-            <a:off x="1524000" y="1122363"/>
-            <a:ext cx="9144000" cy="2387600"/>
+            <a:off x="914400" y="2062083"/>
+            <a:ext cx="10363200" cy="4386662"/>
           </a:xfrm>
         </p:spPr>
         <p:txBody>
           <a:bodyPr anchor="b"/>
           <a:lstStyle>
             <a:lvl1pPr algn="ctr">
-              <a:defRPr sz="6000"/>
+              <a:defRPr sz="8000"/>
             </a:lvl1pPr>
           </a:lstStyle>
           <a:p>
@@ -598,18 +603,13 @@
               <a:rPr lang="fr-FR"/>
               <a:t>Modifiez le style du titre</a:t>
             </a:r>
-          </a:p>
-        </p:txBody>
-      </p:sp>
-      <p:sp>
-        <p:nvSpPr>
-          <p:cNvPr id="3" name="Sous-titre 2">
-            <a:extLst>
-              <a:ext uri="{FF2B5EF4-FFF2-40B4-BE49-F238E27FC236}">
-                <a16:creationId xmlns:a16="http://schemas.microsoft.com/office/drawing/2014/main" id="{D5F201A1-09FA-234A-A352-78CB8033D73A}"/>
-              </a:ext>
-            </a:extLst>
-          </p:cNvPr>
+            <a:endParaRPr lang="en-US" dirty="0"/>
+          </a:p>
+        </p:txBody>
+      </p:sp>
+      <p:sp>
+        <p:nvSpPr>
+          <p:cNvPr id="3" name="Subtitle 2"/>
           <p:cNvSpPr>
             <a:spLocks noGrp="1"/>
           </p:cNvSpPr>
@@ -619,8 +619,8 @@
         </p:nvSpPr>
         <p:spPr>
           <a:xfrm>
-            <a:off x="1524000" y="3602038"/>
-            <a:ext cx="9144000" cy="1655762"/>
+            <a:off x="1524000" y="6617911"/>
+            <a:ext cx="9144000" cy="3042080"/>
           </a:xfrm>
         </p:spPr>
         <p:txBody>
@@ -628,39 +628,39 @@
           <a:lstStyle>
             <a:lvl1pPr marL="0" indent="0" algn="ctr">
               <a:buNone/>
+              <a:defRPr sz="3200"/>
+            </a:lvl1pPr>
+            <a:lvl2pPr marL="609585" indent="0" algn="ctr">
+              <a:buNone/>
+              <a:defRPr sz="2667"/>
+            </a:lvl2pPr>
+            <a:lvl3pPr marL="1219170" indent="0" algn="ctr">
+              <a:buNone/>
               <a:defRPr sz="2400"/>
-            </a:lvl1pPr>
-            <a:lvl2pPr marL="457200" indent="0" algn="ctr">
+            </a:lvl3pPr>
+            <a:lvl4pPr marL="1828754" indent="0" algn="ctr">
               <a:buNone/>
-              <a:defRPr sz="2000"/>
-            </a:lvl2pPr>
-            <a:lvl3pPr marL="914400" indent="0" algn="ctr">
+              <a:defRPr sz="2133"/>
+            </a:lvl4pPr>
+            <a:lvl5pPr marL="2438339" indent="0" algn="ctr">
               <a:buNone/>
-              <a:defRPr sz="1800"/>
-            </a:lvl3pPr>
-            <a:lvl4pPr marL="1371600" indent="0" algn="ctr">
+              <a:defRPr sz="2133"/>
+            </a:lvl5pPr>
+            <a:lvl6pPr marL="3047924" indent="0" algn="ctr">
               <a:buNone/>
-              <a:defRPr sz="1600"/>
-            </a:lvl4pPr>
-            <a:lvl5pPr marL="1828800" indent="0" algn="ctr">
+              <a:defRPr sz="2133"/>
+            </a:lvl6pPr>
+            <a:lvl7pPr marL="3657509" indent="0" algn="ctr">
               <a:buNone/>
-              <a:defRPr sz="1600"/>
-            </a:lvl5pPr>
-            <a:lvl6pPr marL="2286000" indent="0" algn="ctr">
+              <a:defRPr sz="2133"/>
+            </a:lvl7pPr>
+            <a:lvl8pPr marL="4267093" indent="0" algn="ctr">
               <a:buNone/>
-              <a:defRPr sz="1600"/>
-            </a:lvl6pPr>
-            <a:lvl7pPr marL="2743200" indent="0" algn="ctr">
+              <a:defRPr sz="2133"/>
+            </a:lvl8pPr>
+            <a:lvl9pPr marL="4876678" indent="0" algn="ctr">
               <a:buNone/>
-              <a:defRPr sz="1600"/>
-            </a:lvl7pPr>
-            <a:lvl8pPr marL="3200400" indent="0" algn="ctr">
-              <a:buNone/>
-              <a:defRPr sz="1600"/>
-            </a:lvl8pPr>
-            <a:lvl9pPr marL="3657600" indent="0" algn="ctr">
-              <a:buNone/>
-              <a:defRPr sz="1600"/>
+              <a:defRPr sz="2133"/>
             </a:lvl9pPr>
           </a:lstStyle>
           <a:p>
@@ -668,18 +668,13 @@
               <a:rPr lang="fr-FR"/>
               <a:t>Modifiez le style des sous-titres du masque</a:t>
             </a:r>
-          </a:p>
-        </p:txBody>
-      </p:sp>
-      <p:sp>
-        <p:nvSpPr>
-          <p:cNvPr id="4" name="Espace réservé de la date 3">
-            <a:extLst>
-              <a:ext uri="{FF2B5EF4-FFF2-40B4-BE49-F238E27FC236}">
-                <a16:creationId xmlns:a16="http://schemas.microsoft.com/office/drawing/2014/main" id="{5D57D746-E4ED-A239-3778-82E499EF0D7E}"/>
-              </a:ext>
-            </a:extLst>
-          </p:cNvPr>
+            <a:endParaRPr lang="en-US" dirty="0"/>
+          </a:p>
+        </p:txBody>
+      </p:sp>
+      <p:sp>
+        <p:nvSpPr>
+          <p:cNvPr id="4" name="Date Placeholder 3"/>
           <p:cNvSpPr>
             <a:spLocks noGrp="1"/>
           </p:cNvSpPr>
@@ -694,7 +689,7 @@
           <a:p>
             <a:fld id="{275C4363-086D-4FE8-A7DC-CDDA1B0D8DEC}" type="datetimeFigureOut">
               <a:rPr lang="fr-FR" smtClean="0"/>
-              <a:t>29/07/2025</a:t>
+              <a:t>30/07/2025</a:t>
             </a:fld>
             <a:endParaRPr lang="fr-FR"/>
           </a:p>
@@ -702,13 +697,7 @@
       </p:sp>
       <p:sp>
         <p:nvSpPr>
-          <p:cNvPr id="5" name="Espace réservé du pied de page 4">
-            <a:extLst>
-              <a:ext uri="{FF2B5EF4-FFF2-40B4-BE49-F238E27FC236}">
-                <a16:creationId xmlns:a16="http://schemas.microsoft.com/office/drawing/2014/main" id="{9D58AA00-0F84-C0E3-6A5D-3AAF5FF1E81F}"/>
-              </a:ext>
-            </a:extLst>
-          </p:cNvPr>
+          <p:cNvPr id="5" name="Footer Placeholder 4"/>
           <p:cNvSpPr>
             <a:spLocks noGrp="1"/>
           </p:cNvSpPr>
@@ -727,13 +716,7 @@
       </p:sp>
       <p:sp>
         <p:nvSpPr>
-          <p:cNvPr id="6" name="Espace réservé du numéro de diapositive 5">
-            <a:extLst>
-              <a:ext uri="{FF2B5EF4-FFF2-40B4-BE49-F238E27FC236}">
-                <a16:creationId xmlns:a16="http://schemas.microsoft.com/office/drawing/2014/main" id="{F36805E2-E9A9-FD66-9D42-212BEB463C5A}"/>
-              </a:ext>
-            </a:extLst>
-          </p:cNvPr>
+          <p:cNvPr id="6" name="Slide Number Placeholder 5"/>
           <p:cNvSpPr>
             <a:spLocks noGrp="1"/>
           </p:cNvSpPr>
@@ -757,7 +740,7 @@
     </p:spTree>
     <p:extLst>
       <p:ext uri="{BB962C8B-B14F-4D97-AF65-F5344CB8AC3E}">
-        <p14:creationId xmlns:p14="http://schemas.microsoft.com/office/powerpoint/2010/main" val="3391779531"/>
+        <p14:creationId xmlns:p14="http://schemas.microsoft.com/office/powerpoint/2010/main" val="1483824352"/>
       </p:ext>
     </p:extLst>
   </p:cSld>
@@ -786,13 +769,7 @@
       </p:grpSpPr>
       <p:sp>
         <p:nvSpPr>
-          <p:cNvPr id="2" name="Titre 1">
-            <a:extLst>
-              <a:ext uri="{FF2B5EF4-FFF2-40B4-BE49-F238E27FC236}">
-                <a16:creationId xmlns:a16="http://schemas.microsoft.com/office/drawing/2014/main" id="{232B823F-4B62-4E63-AA5E-6C623D32111A}"/>
-              </a:ext>
-            </a:extLst>
-          </p:cNvPr>
+          <p:cNvPr id="2" name="Title 1"/>
           <p:cNvSpPr>
             <a:spLocks noGrp="1"/>
           </p:cNvSpPr>
@@ -809,18 +786,13 @@
               <a:rPr lang="fr-FR"/>
               <a:t>Modifiez le style du titre</a:t>
             </a:r>
-          </a:p>
-        </p:txBody>
-      </p:sp>
-      <p:sp>
-        <p:nvSpPr>
-          <p:cNvPr id="3" name="Espace réservé du texte vertical 2">
-            <a:extLst>
-              <a:ext uri="{FF2B5EF4-FFF2-40B4-BE49-F238E27FC236}">
-                <a16:creationId xmlns:a16="http://schemas.microsoft.com/office/drawing/2014/main" id="{66157B94-53A9-561F-EB0F-963E1003AE9A}"/>
-              </a:ext>
-            </a:extLst>
-          </p:cNvPr>
+            <a:endParaRPr lang="en-US" dirty="0"/>
+          </a:p>
+        </p:txBody>
+      </p:sp>
+      <p:sp>
+        <p:nvSpPr>
+          <p:cNvPr id="3" name="Vertical Text Placeholder 2"/>
           <p:cNvSpPr>
             <a:spLocks noGrp="1"/>
           </p:cNvSpPr>
@@ -866,18 +838,13 @@
               <a:rPr lang="fr-FR"/>
               <a:t>Cinquième niveau</a:t>
             </a:r>
-          </a:p>
-        </p:txBody>
-      </p:sp>
-      <p:sp>
-        <p:nvSpPr>
-          <p:cNvPr id="4" name="Espace réservé de la date 3">
-            <a:extLst>
-              <a:ext uri="{FF2B5EF4-FFF2-40B4-BE49-F238E27FC236}">
-                <a16:creationId xmlns:a16="http://schemas.microsoft.com/office/drawing/2014/main" id="{ECDB33FB-21B6-2AFD-6F7D-1BB7BFCD3E96}"/>
-              </a:ext>
-            </a:extLst>
-          </p:cNvPr>
+            <a:endParaRPr lang="en-US" dirty="0"/>
+          </a:p>
+        </p:txBody>
+      </p:sp>
+      <p:sp>
+        <p:nvSpPr>
+          <p:cNvPr id="4" name="Date Placeholder 3"/>
           <p:cNvSpPr>
             <a:spLocks noGrp="1"/>
           </p:cNvSpPr>
@@ -892,7 +859,7 @@
           <a:p>
             <a:fld id="{275C4363-086D-4FE8-A7DC-CDDA1B0D8DEC}" type="datetimeFigureOut">
               <a:rPr lang="fr-FR" smtClean="0"/>
-              <a:t>29/07/2025</a:t>
+              <a:t>30/07/2025</a:t>
             </a:fld>
             <a:endParaRPr lang="fr-FR"/>
           </a:p>
@@ -900,13 +867,7 @@
       </p:sp>
       <p:sp>
         <p:nvSpPr>
-          <p:cNvPr id="5" name="Espace réservé du pied de page 4">
-            <a:extLst>
-              <a:ext uri="{FF2B5EF4-FFF2-40B4-BE49-F238E27FC236}">
-                <a16:creationId xmlns:a16="http://schemas.microsoft.com/office/drawing/2014/main" id="{5BD40C1E-FE35-046D-E498-DFCC912FBF5B}"/>
-              </a:ext>
-            </a:extLst>
-          </p:cNvPr>
+          <p:cNvPr id="5" name="Footer Placeholder 4"/>
           <p:cNvSpPr>
             <a:spLocks noGrp="1"/>
           </p:cNvSpPr>
@@ -925,13 +886,7 @@
       </p:sp>
       <p:sp>
         <p:nvSpPr>
-          <p:cNvPr id="6" name="Espace réservé du numéro de diapositive 5">
-            <a:extLst>
-              <a:ext uri="{FF2B5EF4-FFF2-40B4-BE49-F238E27FC236}">
-                <a16:creationId xmlns:a16="http://schemas.microsoft.com/office/drawing/2014/main" id="{0F55A305-837C-C621-6132-DEB2925380D6}"/>
-              </a:ext>
-            </a:extLst>
-          </p:cNvPr>
+          <p:cNvPr id="6" name="Slide Number Placeholder 5"/>
           <p:cNvSpPr>
             <a:spLocks noGrp="1"/>
           </p:cNvSpPr>
@@ -955,7 +910,7 @@
     </p:spTree>
     <p:extLst>
       <p:ext uri="{BB962C8B-B14F-4D97-AF65-F5344CB8AC3E}">
-        <p14:creationId xmlns:p14="http://schemas.microsoft.com/office/powerpoint/2010/main" val="136881828"/>
+        <p14:creationId xmlns:p14="http://schemas.microsoft.com/office/powerpoint/2010/main" val="2534210810"/>
       </p:ext>
     </p:extLst>
   </p:cSld>
@@ -984,13 +939,7 @@
       </p:grpSpPr>
       <p:sp>
         <p:nvSpPr>
-          <p:cNvPr id="2" name="Titre vertical 1">
-            <a:extLst>
-              <a:ext uri="{FF2B5EF4-FFF2-40B4-BE49-F238E27FC236}">
-                <a16:creationId xmlns:a16="http://schemas.microsoft.com/office/drawing/2014/main" id="{55FBBBE4-7EDB-8CC3-0286-05B94BCA5F7F}"/>
-              </a:ext>
-            </a:extLst>
-          </p:cNvPr>
+          <p:cNvPr id="2" name="Vertical Title 1"/>
           <p:cNvSpPr>
             <a:spLocks noGrp="1"/>
           </p:cNvSpPr>
@@ -1000,8 +949,8 @@
         </p:nvSpPr>
         <p:spPr>
           <a:xfrm>
-            <a:off x="8724900" y="365125"/>
-            <a:ext cx="2628900" cy="5811838"/>
+            <a:off x="8724901" y="670833"/>
+            <a:ext cx="2628900" cy="10677907"/>
           </a:xfrm>
         </p:spPr>
         <p:txBody>
@@ -1012,18 +961,13 @@
               <a:rPr lang="fr-FR"/>
               <a:t>Modifiez le style du titre</a:t>
             </a:r>
-          </a:p>
-        </p:txBody>
-      </p:sp>
-      <p:sp>
-        <p:nvSpPr>
-          <p:cNvPr id="3" name="Espace réservé du texte vertical 2">
-            <a:extLst>
-              <a:ext uri="{FF2B5EF4-FFF2-40B4-BE49-F238E27FC236}">
-                <a16:creationId xmlns:a16="http://schemas.microsoft.com/office/drawing/2014/main" id="{10A47BF8-1E27-E991-4785-5F2699753A9C}"/>
-              </a:ext>
-            </a:extLst>
-          </p:cNvPr>
+            <a:endParaRPr lang="en-US" dirty="0"/>
+          </a:p>
+        </p:txBody>
+      </p:sp>
+      <p:sp>
+        <p:nvSpPr>
+          <p:cNvPr id="3" name="Vertical Text Placeholder 2"/>
           <p:cNvSpPr>
             <a:spLocks noGrp="1"/>
           </p:cNvSpPr>
@@ -1033,8 +977,8 @@
         </p:nvSpPr>
         <p:spPr>
           <a:xfrm>
-            <a:off x="838200" y="365125"/>
-            <a:ext cx="7734300" cy="5811838"/>
+            <a:off x="838201" y="670833"/>
+            <a:ext cx="7734300" cy="10677907"/>
           </a:xfrm>
         </p:spPr>
         <p:txBody>
@@ -1074,18 +1018,13 @@
               <a:rPr lang="fr-FR"/>
               <a:t>Cinquième niveau</a:t>
             </a:r>
-          </a:p>
-        </p:txBody>
-      </p:sp>
-      <p:sp>
-        <p:nvSpPr>
-          <p:cNvPr id="4" name="Espace réservé de la date 3">
-            <a:extLst>
-              <a:ext uri="{FF2B5EF4-FFF2-40B4-BE49-F238E27FC236}">
-                <a16:creationId xmlns:a16="http://schemas.microsoft.com/office/drawing/2014/main" id="{AEC79AB8-E727-4288-F528-5A0F21A15F4C}"/>
-              </a:ext>
-            </a:extLst>
-          </p:cNvPr>
+            <a:endParaRPr lang="en-US" dirty="0"/>
+          </a:p>
+        </p:txBody>
+      </p:sp>
+      <p:sp>
+        <p:nvSpPr>
+          <p:cNvPr id="4" name="Date Placeholder 3"/>
           <p:cNvSpPr>
             <a:spLocks noGrp="1"/>
           </p:cNvSpPr>
@@ -1100,7 +1039,7 @@
           <a:p>
             <a:fld id="{275C4363-086D-4FE8-A7DC-CDDA1B0D8DEC}" type="datetimeFigureOut">
               <a:rPr lang="fr-FR" smtClean="0"/>
-              <a:t>29/07/2025</a:t>
+              <a:t>30/07/2025</a:t>
             </a:fld>
             <a:endParaRPr lang="fr-FR"/>
           </a:p>
@@ -1108,13 +1047,7 @@
       </p:sp>
       <p:sp>
         <p:nvSpPr>
-          <p:cNvPr id="5" name="Espace réservé du pied de page 4">
-            <a:extLst>
-              <a:ext uri="{FF2B5EF4-FFF2-40B4-BE49-F238E27FC236}">
-                <a16:creationId xmlns:a16="http://schemas.microsoft.com/office/drawing/2014/main" id="{E49AFA1F-093D-A75D-D78B-F0ED8AB2FC24}"/>
-              </a:ext>
-            </a:extLst>
-          </p:cNvPr>
+          <p:cNvPr id="5" name="Footer Placeholder 4"/>
           <p:cNvSpPr>
             <a:spLocks noGrp="1"/>
           </p:cNvSpPr>
@@ -1133,13 +1066,7 @@
       </p:sp>
       <p:sp>
         <p:nvSpPr>
-          <p:cNvPr id="6" name="Espace réservé du numéro de diapositive 5">
-            <a:extLst>
-              <a:ext uri="{FF2B5EF4-FFF2-40B4-BE49-F238E27FC236}">
-                <a16:creationId xmlns:a16="http://schemas.microsoft.com/office/drawing/2014/main" id="{62393214-9C67-1928-825F-23C36DFB945C}"/>
-              </a:ext>
-            </a:extLst>
-          </p:cNvPr>
+          <p:cNvPr id="6" name="Slide Number Placeholder 5"/>
           <p:cNvSpPr>
             <a:spLocks noGrp="1"/>
           </p:cNvSpPr>
@@ -1163,7 +1090,7 @@
     </p:spTree>
     <p:extLst>
       <p:ext uri="{BB962C8B-B14F-4D97-AF65-F5344CB8AC3E}">
-        <p14:creationId xmlns:p14="http://schemas.microsoft.com/office/powerpoint/2010/main" val="2260813210"/>
+        <p14:creationId xmlns:p14="http://schemas.microsoft.com/office/powerpoint/2010/main" val="122872326"/>
       </p:ext>
     </p:extLst>
   </p:cSld>
@@ -1192,13 +1119,7 @@
       </p:grpSpPr>
       <p:sp>
         <p:nvSpPr>
-          <p:cNvPr id="2" name="Titre 1">
-            <a:extLst>
-              <a:ext uri="{FF2B5EF4-FFF2-40B4-BE49-F238E27FC236}">
-                <a16:creationId xmlns:a16="http://schemas.microsoft.com/office/drawing/2014/main" id="{2D938AF5-1411-8A92-4EFA-4AF0B9498424}"/>
-              </a:ext>
-            </a:extLst>
-          </p:cNvPr>
+          <p:cNvPr id="2" name="Title 1"/>
           <p:cNvSpPr>
             <a:spLocks noGrp="1"/>
           </p:cNvSpPr>
@@ -1215,18 +1136,13 @@
               <a:rPr lang="fr-FR"/>
               <a:t>Modifiez le style du titre</a:t>
             </a:r>
-          </a:p>
-        </p:txBody>
-      </p:sp>
-      <p:sp>
-        <p:nvSpPr>
-          <p:cNvPr id="3" name="Espace réservé du contenu 2">
-            <a:extLst>
-              <a:ext uri="{FF2B5EF4-FFF2-40B4-BE49-F238E27FC236}">
-                <a16:creationId xmlns:a16="http://schemas.microsoft.com/office/drawing/2014/main" id="{D63B49C6-A433-A255-0C49-291709581C5C}"/>
-              </a:ext>
-            </a:extLst>
-          </p:cNvPr>
+            <a:endParaRPr lang="en-US" dirty="0"/>
+          </a:p>
+        </p:txBody>
+      </p:sp>
+      <p:sp>
+        <p:nvSpPr>
+          <p:cNvPr id="3" name="Content Placeholder 2"/>
           <p:cNvSpPr>
             <a:spLocks noGrp="1"/>
           </p:cNvSpPr>
@@ -1272,18 +1188,13 @@
               <a:rPr lang="fr-FR"/>
               <a:t>Cinquième niveau</a:t>
             </a:r>
-          </a:p>
-        </p:txBody>
-      </p:sp>
-      <p:sp>
-        <p:nvSpPr>
-          <p:cNvPr id="4" name="Espace réservé de la date 3">
-            <a:extLst>
-              <a:ext uri="{FF2B5EF4-FFF2-40B4-BE49-F238E27FC236}">
-                <a16:creationId xmlns:a16="http://schemas.microsoft.com/office/drawing/2014/main" id="{54E7A4A4-62A8-F0C3-1EF1-434223D30273}"/>
-              </a:ext>
-            </a:extLst>
-          </p:cNvPr>
+            <a:endParaRPr lang="en-US" dirty="0"/>
+          </a:p>
+        </p:txBody>
+      </p:sp>
+      <p:sp>
+        <p:nvSpPr>
+          <p:cNvPr id="4" name="Date Placeholder 3"/>
           <p:cNvSpPr>
             <a:spLocks noGrp="1"/>
           </p:cNvSpPr>
@@ -1298,7 +1209,7 @@
           <a:p>
             <a:fld id="{275C4363-086D-4FE8-A7DC-CDDA1B0D8DEC}" type="datetimeFigureOut">
               <a:rPr lang="fr-FR" smtClean="0"/>
-              <a:t>29/07/2025</a:t>
+              <a:t>30/07/2025</a:t>
             </a:fld>
             <a:endParaRPr lang="fr-FR"/>
           </a:p>
@@ -1306,13 +1217,7 @@
       </p:sp>
       <p:sp>
         <p:nvSpPr>
-          <p:cNvPr id="5" name="Espace réservé du pied de page 4">
-            <a:extLst>
-              <a:ext uri="{FF2B5EF4-FFF2-40B4-BE49-F238E27FC236}">
-                <a16:creationId xmlns:a16="http://schemas.microsoft.com/office/drawing/2014/main" id="{910ED72E-5B4C-F707-CB72-7EA20D807C2D}"/>
-              </a:ext>
-            </a:extLst>
-          </p:cNvPr>
+          <p:cNvPr id="5" name="Footer Placeholder 4"/>
           <p:cNvSpPr>
             <a:spLocks noGrp="1"/>
           </p:cNvSpPr>
@@ -1331,13 +1236,7 @@
       </p:sp>
       <p:sp>
         <p:nvSpPr>
-          <p:cNvPr id="6" name="Espace réservé du numéro de diapositive 5">
-            <a:extLst>
-              <a:ext uri="{FF2B5EF4-FFF2-40B4-BE49-F238E27FC236}">
-                <a16:creationId xmlns:a16="http://schemas.microsoft.com/office/drawing/2014/main" id="{A335814C-406C-8EF4-5E42-A6B2497FCD5B}"/>
-              </a:ext>
-            </a:extLst>
-          </p:cNvPr>
+          <p:cNvPr id="6" name="Slide Number Placeholder 5"/>
           <p:cNvSpPr>
             <a:spLocks noGrp="1"/>
           </p:cNvSpPr>
@@ -1361,7 +1260,7 @@
     </p:spTree>
     <p:extLst>
       <p:ext uri="{BB962C8B-B14F-4D97-AF65-F5344CB8AC3E}">
-        <p14:creationId xmlns:p14="http://schemas.microsoft.com/office/powerpoint/2010/main" val="3497516789"/>
+        <p14:creationId xmlns:p14="http://schemas.microsoft.com/office/powerpoint/2010/main" val="2914591778"/>
       </p:ext>
     </p:extLst>
   </p:cSld>
@@ -1390,13 +1289,7 @@
       </p:grpSpPr>
       <p:sp>
         <p:nvSpPr>
-          <p:cNvPr id="2" name="Titre 1">
-            <a:extLst>
-              <a:ext uri="{FF2B5EF4-FFF2-40B4-BE49-F238E27FC236}">
-                <a16:creationId xmlns:a16="http://schemas.microsoft.com/office/drawing/2014/main" id="{F91F19A0-5CF9-4236-0F67-7118F3915E47}"/>
-              </a:ext>
-            </a:extLst>
-          </p:cNvPr>
+          <p:cNvPr id="2" name="Title 1"/>
           <p:cNvSpPr>
             <a:spLocks noGrp="1"/>
           </p:cNvSpPr>
@@ -1406,15 +1299,15 @@
         </p:nvSpPr>
         <p:spPr>
           <a:xfrm>
-            <a:off x="831850" y="1709738"/>
-            <a:ext cx="10515600" cy="2852737"/>
+            <a:off x="831851" y="3141251"/>
+            <a:ext cx="10515600" cy="5241244"/>
           </a:xfrm>
         </p:spPr>
         <p:txBody>
           <a:bodyPr anchor="b"/>
           <a:lstStyle>
             <a:lvl1pPr>
-              <a:defRPr sz="6000"/>
+              <a:defRPr sz="8000"/>
             </a:lvl1pPr>
           </a:lstStyle>
           <a:p>
@@ -1422,18 +1315,13 @@
               <a:rPr lang="fr-FR"/>
               <a:t>Modifiez le style du titre</a:t>
             </a:r>
-          </a:p>
-        </p:txBody>
-      </p:sp>
-      <p:sp>
-        <p:nvSpPr>
-          <p:cNvPr id="3" name="Espace réservé du texte 2">
-            <a:extLst>
-              <a:ext uri="{FF2B5EF4-FFF2-40B4-BE49-F238E27FC236}">
-                <a16:creationId xmlns:a16="http://schemas.microsoft.com/office/drawing/2014/main" id="{147EDD0C-C49E-7B9A-74E9-41F5DC0DE938}"/>
-              </a:ext>
-            </a:extLst>
-          </p:cNvPr>
+            <a:endParaRPr lang="en-US" dirty="0"/>
+          </a:p>
+        </p:txBody>
+      </p:sp>
+      <p:sp>
+        <p:nvSpPr>
+          <p:cNvPr id="3" name="Text Placeholder 2"/>
           <p:cNvSpPr>
             <a:spLocks noGrp="1"/>
           </p:cNvSpPr>
@@ -1443,14 +1331,32 @@
         </p:nvSpPr>
         <p:spPr>
           <a:xfrm>
-            <a:off x="831850" y="4589463"/>
-            <a:ext cx="10515600" cy="1500187"/>
+            <a:off x="831851" y="8432079"/>
+            <a:ext cx="10515600" cy="2756246"/>
           </a:xfrm>
         </p:spPr>
         <p:txBody>
           <a:bodyPr/>
           <a:lstStyle>
             <a:lvl1pPr marL="0" indent="0">
+              <a:buNone/>
+              <a:defRPr sz="3200">
+                <a:solidFill>
+                  <a:schemeClr val="tx1"/>
+                </a:solidFill>
+              </a:defRPr>
+            </a:lvl1pPr>
+            <a:lvl2pPr marL="609585" indent="0">
+              <a:buNone/>
+              <a:defRPr sz="2667">
+                <a:solidFill>
+                  <a:schemeClr val="tx1">
+                    <a:tint val="75000"/>
+                  </a:schemeClr>
+                </a:solidFill>
+              </a:defRPr>
+            </a:lvl2pPr>
+            <a:lvl3pPr marL="1219170" indent="0">
               <a:buNone/>
               <a:defRPr sz="2400">
                 <a:solidFill>
@@ -1459,30 +1365,10 @@
                   </a:schemeClr>
                 </a:solidFill>
               </a:defRPr>
-            </a:lvl1pPr>
-            <a:lvl2pPr marL="457200" indent="0">
+            </a:lvl3pPr>
+            <a:lvl4pPr marL="1828754" indent="0">
               <a:buNone/>
-              <a:defRPr sz="2000">
-                <a:solidFill>
-                  <a:schemeClr val="tx1">
-                    <a:tint val="75000"/>
-                  </a:schemeClr>
-                </a:solidFill>
-              </a:defRPr>
-            </a:lvl2pPr>
-            <a:lvl3pPr marL="914400" indent="0">
-              <a:buNone/>
-              <a:defRPr sz="1800">
-                <a:solidFill>
-                  <a:schemeClr val="tx1">
-                    <a:tint val="75000"/>
-                  </a:schemeClr>
-                </a:solidFill>
-              </a:defRPr>
-            </a:lvl3pPr>
-            <a:lvl4pPr marL="1371600" indent="0">
-              <a:buNone/>
-              <a:defRPr sz="1600">
+              <a:defRPr sz="2133">
                 <a:solidFill>
                   <a:schemeClr val="tx1">
                     <a:tint val="75000"/>
@@ -1490,9 +1376,9 @@
                 </a:solidFill>
               </a:defRPr>
             </a:lvl4pPr>
-            <a:lvl5pPr marL="1828800" indent="0">
+            <a:lvl5pPr marL="2438339" indent="0">
               <a:buNone/>
-              <a:defRPr sz="1600">
+              <a:defRPr sz="2133">
                 <a:solidFill>
                   <a:schemeClr val="tx1">
                     <a:tint val="75000"/>
@@ -1500,9 +1386,9 @@
                 </a:solidFill>
               </a:defRPr>
             </a:lvl5pPr>
-            <a:lvl6pPr marL="2286000" indent="0">
+            <a:lvl6pPr marL="3047924" indent="0">
               <a:buNone/>
-              <a:defRPr sz="1600">
+              <a:defRPr sz="2133">
                 <a:solidFill>
                   <a:schemeClr val="tx1">
                     <a:tint val="75000"/>
@@ -1510,9 +1396,9 @@
                 </a:solidFill>
               </a:defRPr>
             </a:lvl6pPr>
-            <a:lvl7pPr marL="2743200" indent="0">
+            <a:lvl7pPr marL="3657509" indent="0">
               <a:buNone/>
-              <a:defRPr sz="1600">
+              <a:defRPr sz="2133">
                 <a:solidFill>
                   <a:schemeClr val="tx1">
                     <a:tint val="75000"/>
@@ -1520,9 +1406,9 @@
                 </a:solidFill>
               </a:defRPr>
             </a:lvl7pPr>
-            <a:lvl8pPr marL="3200400" indent="0">
+            <a:lvl8pPr marL="4267093" indent="0">
               <a:buNone/>
-              <a:defRPr sz="1600">
+              <a:defRPr sz="2133">
                 <a:solidFill>
                   <a:schemeClr val="tx1">
                     <a:tint val="75000"/>
@@ -1530,9 +1416,9 @@
                 </a:solidFill>
               </a:defRPr>
             </a:lvl8pPr>
-            <a:lvl9pPr marL="3657600" indent="0">
+            <a:lvl9pPr marL="4876678" indent="0">
               <a:buNone/>
-              <a:defRPr sz="1600">
+              <a:defRPr sz="2133">
                 <a:solidFill>
                   <a:schemeClr val="tx1">
                     <a:tint val="75000"/>
@@ -1552,13 +1438,7 @@
       </p:sp>
       <p:sp>
         <p:nvSpPr>
-          <p:cNvPr id="4" name="Espace réservé de la date 3">
-            <a:extLst>
-              <a:ext uri="{FF2B5EF4-FFF2-40B4-BE49-F238E27FC236}">
-                <a16:creationId xmlns:a16="http://schemas.microsoft.com/office/drawing/2014/main" id="{89914142-DBE2-0097-8BDD-07CE796A329C}"/>
-              </a:ext>
-            </a:extLst>
-          </p:cNvPr>
+          <p:cNvPr id="4" name="Date Placeholder 3"/>
           <p:cNvSpPr>
             <a:spLocks noGrp="1"/>
           </p:cNvSpPr>
@@ -1573,7 +1453,7 @@
           <a:p>
             <a:fld id="{275C4363-086D-4FE8-A7DC-CDDA1B0D8DEC}" type="datetimeFigureOut">
               <a:rPr lang="fr-FR" smtClean="0"/>
-              <a:t>29/07/2025</a:t>
+              <a:t>30/07/2025</a:t>
             </a:fld>
             <a:endParaRPr lang="fr-FR"/>
           </a:p>
@@ -1581,13 +1461,7 @@
       </p:sp>
       <p:sp>
         <p:nvSpPr>
-          <p:cNvPr id="5" name="Espace réservé du pied de page 4">
-            <a:extLst>
-              <a:ext uri="{FF2B5EF4-FFF2-40B4-BE49-F238E27FC236}">
-                <a16:creationId xmlns:a16="http://schemas.microsoft.com/office/drawing/2014/main" id="{FC7035D5-59A8-FB0D-34FA-56F25F2E25F5}"/>
-              </a:ext>
-            </a:extLst>
-          </p:cNvPr>
+          <p:cNvPr id="5" name="Footer Placeholder 4"/>
           <p:cNvSpPr>
             <a:spLocks noGrp="1"/>
           </p:cNvSpPr>
@@ -1606,13 +1480,7 @@
       </p:sp>
       <p:sp>
         <p:nvSpPr>
-          <p:cNvPr id="6" name="Espace réservé du numéro de diapositive 5">
-            <a:extLst>
-              <a:ext uri="{FF2B5EF4-FFF2-40B4-BE49-F238E27FC236}">
-                <a16:creationId xmlns:a16="http://schemas.microsoft.com/office/drawing/2014/main" id="{174D1B64-3C24-BA65-80A9-C0BE6E644324}"/>
-              </a:ext>
-            </a:extLst>
-          </p:cNvPr>
+          <p:cNvPr id="6" name="Slide Number Placeholder 5"/>
           <p:cNvSpPr>
             <a:spLocks noGrp="1"/>
           </p:cNvSpPr>
@@ -1636,7 +1504,7 @@
     </p:spTree>
     <p:extLst>
       <p:ext uri="{BB962C8B-B14F-4D97-AF65-F5344CB8AC3E}">
-        <p14:creationId xmlns:p14="http://schemas.microsoft.com/office/powerpoint/2010/main" val="2297052589"/>
+        <p14:creationId xmlns:p14="http://schemas.microsoft.com/office/powerpoint/2010/main" val="1205716256"/>
       </p:ext>
     </p:extLst>
   </p:cSld>
@@ -1665,13 +1533,7 @@
       </p:grpSpPr>
       <p:sp>
         <p:nvSpPr>
-          <p:cNvPr id="2" name="Titre 1">
-            <a:extLst>
-              <a:ext uri="{FF2B5EF4-FFF2-40B4-BE49-F238E27FC236}">
-                <a16:creationId xmlns:a16="http://schemas.microsoft.com/office/drawing/2014/main" id="{3B7A09F1-FF51-CD4E-E34C-D91D4B177492}"/>
-              </a:ext>
-            </a:extLst>
-          </p:cNvPr>
+          <p:cNvPr id="2" name="Title 1"/>
           <p:cNvSpPr>
             <a:spLocks noGrp="1"/>
           </p:cNvSpPr>
@@ -1688,18 +1550,13 @@
               <a:rPr lang="fr-FR"/>
               <a:t>Modifiez le style du titre</a:t>
             </a:r>
-          </a:p>
-        </p:txBody>
-      </p:sp>
-      <p:sp>
-        <p:nvSpPr>
-          <p:cNvPr id="3" name="Espace réservé du contenu 2">
-            <a:extLst>
-              <a:ext uri="{FF2B5EF4-FFF2-40B4-BE49-F238E27FC236}">
-                <a16:creationId xmlns:a16="http://schemas.microsoft.com/office/drawing/2014/main" id="{6BACA839-B1DF-4C77-5B11-10AC39D25D70}"/>
-              </a:ext>
-            </a:extLst>
-          </p:cNvPr>
+            <a:endParaRPr lang="en-US" dirty="0"/>
+          </a:p>
+        </p:txBody>
+      </p:sp>
+      <p:sp>
+        <p:nvSpPr>
+          <p:cNvPr id="3" name="Content Placeholder 2"/>
           <p:cNvSpPr>
             <a:spLocks noGrp="1"/>
           </p:cNvSpPr>
@@ -1709,8 +1566,8 @@
         </p:nvSpPr>
         <p:spPr>
           <a:xfrm>
-            <a:off x="838200" y="1825625"/>
-            <a:ext cx="5181600" cy="4351338"/>
+            <a:off x="838200" y="3354163"/>
+            <a:ext cx="5181600" cy="7994577"/>
           </a:xfrm>
         </p:spPr>
         <p:txBody>
@@ -1750,18 +1607,13 @@
               <a:rPr lang="fr-FR"/>
               <a:t>Cinquième niveau</a:t>
             </a:r>
-          </a:p>
-        </p:txBody>
-      </p:sp>
-      <p:sp>
-        <p:nvSpPr>
-          <p:cNvPr id="4" name="Espace réservé du contenu 3">
-            <a:extLst>
-              <a:ext uri="{FF2B5EF4-FFF2-40B4-BE49-F238E27FC236}">
-                <a16:creationId xmlns:a16="http://schemas.microsoft.com/office/drawing/2014/main" id="{AD46E694-ECD8-B6B3-1393-93DD349EFA05}"/>
-              </a:ext>
-            </a:extLst>
-          </p:cNvPr>
+            <a:endParaRPr lang="en-US" dirty="0"/>
+          </a:p>
+        </p:txBody>
+      </p:sp>
+      <p:sp>
+        <p:nvSpPr>
+          <p:cNvPr id="4" name="Content Placeholder 3"/>
           <p:cNvSpPr>
             <a:spLocks noGrp="1"/>
           </p:cNvSpPr>
@@ -1771,8 +1623,8 @@
         </p:nvSpPr>
         <p:spPr>
           <a:xfrm>
-            <a:off x="6172200" y="1825625"/>
-            <a:ext cx="5181600" cy="4351338"/>
+            <a:off x="6172200" y="3354163"/>
+            <a:ext cx="5181600" cy="7994577"/>
           </a:xfrm>
         </p:spPr>
         <p:txBody>
@@ -1812,18 +1664,13 @@
               <a:rPr lang="fr-FR"/>
               <a:t>Cinquième niveau</a:t>
             </a:r>
-          </a:p>
-        </p:txBody>
-      </p:sp>
-      <p:sp>
-        <p:nvSpPr>
-          <p:cNvPr id="5" name="Espace réservé de la date 4">
-            <a:extLst>
-              <a:ext uri="{FF2B5EF4-FFF2-40B4-BE49-F238E27FC236}">
-                <a16:creationId xmlns:a16="http://schemas.microsoft.com/office/drawing/2014/main" id="{70906CF1-9C9D-934D-D2E6-3725C76DC72A}"/>
-              </a:ext>
-            </a:extLst>
-          </p:cNvPr>
+            <a:endParaRPr lang="en-US" dirty="0"/>
+          </a:p>
+        </p:txBody>
+      </p:sp>
+      <p:sp>
+        <p:nvSpPr>
+          <p:cNvPr id="5" name="Date Placeholder 4"/>
           <p:cNvSpPr>
             <a:spLocks noGrp="1"/>
           </p:cNvSpPr>
@@ -1838,7 +1685,7 @@
           <a:p>
             <a:fld id="{275C4363-086D-4FE8-A7DC-CDDA1B0D8DEC}" type="datetimeFigureOut">
               <a:rPr lang="fr-FR" smtClean="0"/>
-              <a:t>29/07/2025</a:t>
+              <a:t>30/07/2025</a:t>
             </a:fld>
             <a:endParaRPr lang="fr-FR"/>
           </a:p>
@@ -1846,13 +1693,7 @@
       </p:sp>
       <p:sp>
         <p:nvSpPr>
-          <p:cNvPr id="6" name="Espace réservé du pied de page 5">
-            <a:extLst>
-              <a:ext uri="{FF2B5EF4-FFF2-40B4-BE49-F238E27FC236}">
-                <a16:creationId xmlns:a16="http://schemas.microsoft.com/office/drawing/2014/main" id="{2C8BEADB-7456-0581-6C56-8521A5DC3CDF}"/>
-              </a:ext>
-            </a:extLst>
-          </p:cNvPr>
+          <p:cNvPr id="6" name="Footer Placeholder 5"/>
           <p:cNvSpPr>
             <a:spLocks noGrp="1"/>
           </p:cNvSpPr>
@@ -1871,13 +1712,7 @@
       </p:sp>
       <p:sp>
         <p:nvSpPr>
-          <p:cNvPr id="7" name="Espace réservé du numéro de diapositive 6">
-            <a:extLst>
-              <a:ext uri="{FF2B5EF4-FFF2-40B4-BE49-F238E27FC236}">
-                <a16:creationId xmlns:a16="http://schemas.microsoft.com/office/drawing/2014/main" id="{06A172E7-45B1-57AA-7AD1-77DA015B5143}"/>
-              </a:ext>
-            </a:extLst>
-          </p:cNvPr>
+          <p:cNvPr id="7" name="Slide Number Placeholder 6"/>
           <p:cNvSpPr>
             <a:spLocks noGrp="1"/>
           </p:cNvSpPr>
@@ -1901,7 +1736,7 @@
     </p:spTree>
     <p:extLst>
       <p:ext uri="{BB962C8B-B14F-4D97-AF65-F5344CB8AC3E}">
-        <p14:creationId xmlns:p14="http://schemas.microsoft.com/office/powerpoint/2010/main" val="855011410"/>
+        <p14:creationId xmlns:p14="http://schemas.microsoft.com/office/powerpoint/2010/main" val="2666768903"/>
       </p:ext>
     </p:extLst>
   </p:cSld>
@@ -1930,13 +1765,7 @@
       </p:grpSpPr>
       <p:sp>
         <p:nvSpPr>
-          <p:cNvPr id="2" name="Titre 1">
-            <a:extLst>
-              <a:ext uri="{FF2B5EF4-FFF2-40B4-BE49-F238E27FC236}">
-                <a16:creationId xmlns:a16="http://schemas.microsoft.com/office/drawing/2014/main" id="{372B3A5F-E2D3-DE57-04F1-72D8E67BD0E5}"/>
-              </a:ext>
-            </a:extLst>
-          </p:cNvPr>
+          <p:cNvPr id="2" name="Title 1"/>
           <p:cNvSpPr>
             <a:spLocks noGrp="1"/>
           </p:cNvSpPr>
@@ -1946,8 +1775,8 @@
         </p:nvSpPr>
         <p:spPr>
           <a:xfrm>
-            <a:off x="839788" y="365125"/>
-            <a:ext cx="10515600" cy="1325563"/>
+            <a:off x="839788" y="670836"/>
+            <a:ext cx="10515600" cy="2435415"/>
           </a:xfrm>
         </p:spPr>
         <p:txBody>
@@ -1958,18 +1787,13 @@
               <a:rPr lang="fr-FR"/>
               <a:t>Modifiez le style du titre</a:t>
             </a:r>
-          </a:p>
-        </p:txBody>
-      </p:sp>
-      <p:sp>
-        <p:nvSpPr>
-          <p:cNvPr id="3" name="Espace réservé du texte 2">
-            <a:extLst>
-              <a:ext uri="{FF2B5EF4-FFF2-40B4-BE49-F238E27FC236}">
-                <a16:creationId xmlns:a16="http://schemas.microsoft.com/office/drawing/2014/main" id="{53ED3667-AC0C-841F-4629-6418666827C4}"/>
-              </a:ext>
-            </a:extLst>
-          </p:cNvPr>
+            <a:endParaRPr lang="en-US" dirty="0"/>
+          </a:p>
+        </p:txBody>
+      </p:sp>
+      <p:sp>
+        <p:nvSpPr>
+          <p:cNvPr id="3" name="Text Placeholder 2"/>
           <p:cNvSpPr>
             <a:spLocks noGrp="1"/>
           </p:cNvSpPr>
@@ -1979,8 +1803,8 @@
         </p:nvSpPr>
         <p:spPr>
           <a:xfrm>
-            <a:off x="839788" y="1681163"/>
-            <a:ext cx="5157787" cy="823912"/>
+            <a:off x="839789" y="3088748"/>
+            <a:ext cx="5157787" cy="1513748"/>
           </a:xfrm>
         </p:spPr>
         <p:txBody>
@@ -1988,39 +1812,39 @@
           <a:lstStyle>
             <a:lvl1pPr marL="0" indent="0">
               <a:buNone/>
+              <a:defRPr sz="3200" b="1"/>
+            </a:lvl1pPr>
+            <a:lvl2pPr marL="609585" indent="0">
+              <a:buNone/>
+              <a:defRPr sz="2667" b="1"/>
+            </a:lvl2pPr>
+            <a:lvl3pPr marL="1219170" indent="0">
+              <a:buNone/>
               <a:defRPr sz="2400" b="1"/>
-            </a:lvl1pPr>
-            <a:lvl2pPr marL="457200" indent="0">
+            </a:lvl3pPr>
+            <a:lvl4pPr marL="1828754" indent="0">
               <a:buNone/>
-              <a:defRPr sz="2000" b="1"/>
-            </a:lvl2pPr>
-            <a:lvl3pPr marL="914400" indent="0">
+              <a:defRPr sz="2133" b="1"/>
+            </a:lvl4pPr>
+            <a:lvl5pPr marL="2438339" indent="0">
               <a:buNone/>
-              <a:defRPr sz="1800" b="1"/>
-            </a:lvl3pPr>
-            <a:lvl4pPr marL="1371600" indent="0">
+              <a:defRPr sz="2133" b="1"/>
+            </a:lvl5pPr>
+            <a:lvl6pPr marL="3047924" indent="0">
               <a:buNone/>
-              <a:defRPr sz="1600" b="1"/>
-            </a:lvl4pPr>
-            <a:lvl5pPr marL="1828800" indent="0">
+              <a:defRPr sz="2133" b="1"/>
+            </a:lvl6pPr>
+            <a:lvl7pPr marL="3657509" indent="0">
               <a:buNone/>
-              <a:defRPr sz="1600" b="1"/>
-            </a:lvl5pPr>
-            <a:lvl6pPr marL="2286000" indent="0">
+              <a:defRPr sz="2133" b="1"/>
+            </a:lvl7pPr>
+            <a:lvl8pPr marL="4267093" indent="0">
               <a:buNone/>
-              <a:defRPr sz="1600" b="1"/>
-            </a:lvl6pPr>
-            <a:lvl7pPr marL="2743200" indent="0">
+              <a:defRPr sz="2133" b="1"/>
+            </a:lvl8pPr>
+            <a:lvl9pPr marL="4876678" indent="0">
               <a:buNone/>
-              <a:defRPr sz="1600" b="1"/>
-            </a:lvl7pPr>
-            <a:lvl8pPr marL="3200400" indent="0">
-              <a:buNone/>
-              <a:defRPr sz="1600" b="1"/>
-            </a:lvl8pPr>
-            <a:lvl9pPr marL="3657600" indent="0">
-              <a:buNone/>
-              <a:defRPr sz="1600" b="1"/>
+              <a:defRPr sz="2133" b="1"/>
             </a:lvl9pPr>
           </a:lstStyle>
           <a:p>
@@ -2034,13 +1858,7 @@
       </p:sp>
       <p:sp>
         <p:nvSpPr>
-          <p:cNvPr id="4" name="Espace réservé du contenu 3">
-            <a:extLst>
-              <a:ext uri="{FF2B5EF4-FFF2-40B4-BE49-F238E27FC236}">
-                <a16:creationId xmlns:a16="http://schemas.microsoft.com/office/drawing/2014/main" id="{91A597FD-53C5-375F-42EF-B2A25F1DD8C8}"/>
-              </a:ext>
-            </a:extLst>
-          </p:cNvPr>
+          <p:cNvPr id="4" name="Content Placeholder 3"/>
           <p:cNvSpPr>
             <a:spLocks noGrp="1"/>
           </p:cNvSpPr>
@@ -2050,8 +1868,8 @@
         </p:nvSpPr>
         <p:spPr>
           <a:xfrm>
-            <a:off x="839788" y="2505075"/>
-            <a:ext cx="5157787" cy="3684588"/>
+            <a:off x="839789" y="4602496"/>
+            <a:ext cx="5157787" cy="6769578"/>
           </a:xfrm>
         </p:spPr>
         <p:txBody>
@@ -2091,18 +1909,13 @@
               <a:rPr lang="fr-FR"/>
               <a:t>Cinquième niveau</a:t>
             </a:r>
-          </a:p>
-        </p:txBody>
-      </p:sp>
-      <p:sp>
-        <p:nvSpPr>
-          <p:cNvPr id="5" name="Espace réservé du texte 4">
-            <a:extLst>
-              <a:ext uri="{FF2B5EF4-FFF2-40B4-BE49-F238E27FC236}">
-                <a16:creationId xmlns:a16="http://schemas.microsoft.com/office/drawing/2014/main" id="{BDE8AB48-2EAE-D2F8-3012-8FCCDA2496A5}"/>
-              </a:ext>
-            </a:extLst>
-          </p:cNvPr>
+            <a:endParaRPr lang="en-US" dirty="0"/>
+          </a:p>
+        </p:txBody>
+      </p:sp>
+      <p:sp>
+        <p:nvSpPr>
+          <p:cNvPr id="5" name="Text Placeholder 4"/>
           <p:cNvSpPr>
             <a:spLocks noGrp="1"/>
           </p:cNvSpPr>
@@ -2112,8 +1925,8 @@
         </p:nvSpPr>
         <p:spPr>
           <a:xfrm>
-            <a:off x="6172200" y="1681163"/>
-            <a:ext cx="5183188" cy="823912"/>
+            <a:off x="6172201" y="3088748"/>
+            <a:ext cx="5183188" cy="1513748"/>
           </a:xfrm>
         </p:spPr>
         <p:txBody>
@@ -2121,39 +1934,39 @@
           <a:lstStyle>
             <a:lvl1pPr marL="0" indent="0">
               <a:buNone/>
+              <a:defRPr sz="3200" b="1"/>
+            </a:lvl1pPr>
+            <a:lvl2pPr marL="609585" indent="0">
+              <a:buNone/>
+              <a:defRPr sz="2667" b="1"/>
+            </a:lvl2pPr>
+            <a:lvl3pPr marL="1219170" indent="0">
+              <a:buNone/>
               <a:defRPr sz="2400" b="1"/>
-            </a:lvl1pPr>
-            <a:lvl2pPr marL="457200" indent="0">
+            </a:lvl3pPr>
+            <a:lvl4pPr marL="1828754" indent="0">
               <a:buNone/>
-              <a:defRPr sz="2000" b="1"/>
-            </a:lvl2pPr>
-            <a:lvl3pPr marL="914400" indent="0">
+              <a:defRPr sz="2133" b="1"/>
+            </a:lvl4pPr>
+            <a:lvl5pPr marL="2438339" indent="0">
               <a:buNone/>
-              <a:defRPr sz="1800" b="1"/>
-            </a:lvl3pPr>
-            <a:lvl4pPr marL="1371600" indent="0">
+              <a:defRPr sz="2133" b="1"/>
+            </a:lvl5pPr>
+            <a:lvl6pPr marL="3047924" indent="0">
               <a:buNone/>
-              <a:defRPr sz="1600" b="1"/>
-            </a:lvl4pPr>
-            <a:lvl5pPr marL="1828800" indent="0">
+              <a:defRPr sz="2133" b="1"/>
+            </a:lvl6pPr>
+            <a:lvl7pPr marL="3657509" indent="0">
               <a:buNone/>
-              <a:defRPr sz="1600" b="1"/>
-            </a:lvl5pPr>
-            <a:lvl6pPr marL="2286000" indent="0">
+              <a:defRPr sz="2133" b="1"/>
+            </a:lvl7pPr>
+            <a:lvl8pPr marL="4267093" indent="0">
               <a:buNone/>
-              <a:defRPr sz="1600" b="1"/>
-            </a:lvl6pPr>
-            <a:lvl7pPr marL="2743200" indent="0">
+              <a:defRPr sz="2133" b="1"/>
+            </a:lvl8pPr>
+            <a:lvl9pPr marL="4876678" indent="0">
               <a:buNone/>
-              <a:defRPr sz="1600" b="1"/>
-            </a:lvl7pPr>
-            <a:lvl8pPr marL="3200400" indent="0">
-              <a:buNone/>
-              <a:defRPr sz="1600" b="1"/>
-            </a:lvl8pPr>
-            <a:lvl9pPr marL="3657600" indent="0">
-              <a:buNone/>
-              <a:defRPr sz="1600" b="1"/>
+              <a:defRPr sz="2133" b="1"/>
             </a:lvl9pPr>
           </a:lstStyle>
           <a:p>
@@ -2167,13 +1980,7 @@
       </p:sp>
       <p:sp>
         <p:nvSpPr>
-          <p:cNvPr id="6" name="Espace réservé du contenu 5">
-            <a:extLst>
-              <a:ext uri="{FF2B5EF4-FFF2-40B4-BE49-F238E27FC236}">
-                <a16:creationId xmlns:a16="http://schemas.microsoft.com/office/drawing/2014/main" id="{EF5E7D82-328B-8A16-905D-83AF0EA00C20}"/>
-              </a:ext>
-            </a:extLst>
-          </p:cNvPr>
+          <p:cNvPr id="6" name="Content Placeholder 5"/>
           <p:cNvSpPr>
             <a:spLocks noGrp="1"/>
           </p:cNvSpPr>
@@ -2183,8 +1990,8 @@
         </p:nvSpPr>
         <p:spPr>
           <a:xfrm>
-            <a:off x="6172200" y="2505075"/>
-            <a:ext cx="5183188" cy="3684588"/>
+            <a:off x="6172201" y="4602496"/>
+            <a:ext cx="5183188" cy="6769578"/>
           </a:xfrm>
         </p:spPr>
         <p:txBody>
@@ -2224,18 +2031,13 @@
               <a:rPr lang="fr-FR"/>
               <a:t>Cinquième niveau</a:t>
             </a:r>
-          </a:p>
-        </p:txBody>
-      </p:sp>
-      <p:sp>
-        <p:nvSpPr>
-          <p:cNvPr id="7" name="Espace réservé de la date 6">
-            <a:extLst>
-              <a:ext uri="{FF2B5EF4-FFF2-40B4-BE49-F238E27FC236}">
-                <a16:creationId xmlns:a16="http://schemas.microsoft.com/office/drawing/2014/main" id="{75BCE78E-6CF2-608F-12E9-1BE0CE250167}"/>
-              </a:ext>
-            </a:extLst>
-          </p:cNvPr>
+            <a:endParaRPr lang="en-US" dirty="0"/>
+          </a:p>
+        </p:txBody>
+      </p:sp>
+      <p:sp>
+        <p:nvSpPr>
+          <p:cNvPr id="7" name="Date Placeholder 6"/>
           <p:cNvSpPr>
             <a:spLocks noGrp="1"/>
           </p:cNvSpPr>
@@ -2250,7 +2052,7 @@
           <a:p>
             <a:fld id="{275C4363-086D-4FE8-A7DC-CDDA1B0D8DEC}" type="datetimeFigureOut">
               <a:rPr lang="fr-FR" smtClean="0"/>
-              <a:t>29/07/2025</a:t>
+              <a:t>30/07/2025</a:t>
             </a:fld>
             <a:endParaRPr lang="fr-FR"/>
           </a:p>
@@ -2258,13 +2060,7 @@
       </p:sp>
       <p:sp>
         <p:nvSpPr>
-          <p:cNvPr id="8" name="Espace réservé du pied de page 7">
-            <a:extLst>
-              <a:ext uri="{FF2B5EF4-FFF2-40B4-BE49-F238E27FC236}">
-                <a16:creationId xmlns:a16="http://schemas.microsoft.com/office/drawing/2014/main" id="{EE2E6125-E6E0-358E-2663-6D51F0326C96}"/>
-              </a:ext>
-            </a:extLst>
-          </p:cNvPr>
+          <p:cNvPr id="8" name="Footer Placeholder 7"/>
           <p:cNvSpPr>
             <a:spLocks noGrp="1"/>
           </p:cNvSpPr>
@@ -2283,13 +2079,7 @@
       </p:sp>
       <p:sp>
         <p:nvSpPr>
-          <p:cNvPr id="9" name="Espace réservé du numéro de diapositive 8">
-            <a:extLst>
-              <a:ext uri="{FF2B5EF4-FFF2-40B4-BE49-F238E27FC236}">
-                <a16:creationId xmlns:a16="http://schemas.microsoft.com/office/drawing/2014/main" id="{FADBDCD9-10C8-CA7C-A513-51FBACEB60DD}"/>
-              </a:ext>
-            </a:extLst>
-          </p:cNvPr>
+          <p:cNvPr id="9" name="Slide Number Placeholder 8"/>
           <p:cNvSpPr>
             <a:spLocks noGrp="1"/>
           </p:cNvSpPr>
@@ -2313,7 +2103,7 @@
     </p:spTree>
     <p:extLst>
       <p:ext uri="{BB962C8B-B14F-4D97-AF65-F5344CB8AC3E}">
-        <p14:creationId xmlns:p14="http://schemas.microsoft.com/office/powerpoint/2010/main" val="1471709331"/>
+        <p14:creationId xmlns:p14="http://schemas.microsoft.com/office/powerpoint/2010/main" val="3037560197"/>
       </p:ext>
     </p:extLst>
   </p:cSld>
@@ -2342,13 +2132,7 @@
       </p:grpSpPr>
       <p:sp>
         <p:nvSpPr>
-          <p:cNvPr id="2" name="Titre 1">
-            <a:extLst>
-              <a:ext uri="{FF2B5EF4-FFF2-40B4-BE49-F238E27FC236}">
-                <a16:creationId xmlns:a16="http://schemas.microsoft.com/office/drawing/2014/main" id="{1EDB9A26-8F80-8CD1-42FF-31E45BEC0C93}"/>
-              </a:ext>
-            </a:extLst>
-          </p:cNvPr>
+          <p:cNvPr id="2" name="Title 1"/>
           <p:cNvSpPr>
             <a:spLocks noGrp="1"/>
           </p:cNvSpPr>
@@ -2365,18 +2149,13 @@
               <a:rPr lang="fr-FR"/>
               <a:t>Modifiez le style du titre</a:t>
             </a:r>
-          </a:p>
-        </p:txBody>
-      </p:sp>
-      <p:sp>
-        <p:nvSpPr>
-          <p:cNvPr id="3" name="Espace réservé de la date 2">
-            <a:extLst>
-              <a:ext uri="{FF2B5EF4-FFF2-40B4-BE49-F238E27FC236}">
-                <a16:creationId xmlns:a16="http://schemas.microsoft.com/office/drawing/2014/main" id="{2E4C9634-56E3-7D2D-ACFD-E1A3860E74DA}"/>
-              </a:ext>
-            </a:extLst>
-          </p:cNvPr>
+            <a:endParaRPr lang="en-US" dirty="0"/>
+          </a:p>
+        </p:txBody>
+      </p:sp>
+      <p:sp>
+        <p:nvSpPr>
+          <p:cNvPr id="3" name="Date Placeholder 2"/>
           <p:cNvSpPr>
             <a:spLocks noGrp="1"/>
           </p:cNvSpPr>
@@ -2391,7 +2170,7 @@
           <a:p>
             <a:fld id="{275C4363-086D-4FE8-A7DC-CDDA1B0D8DEC}" type="datetimeFigureOut">
               <a:rPr lang="fr-FR" smtClean="0"/>
-              <a:t>29/07/2025</a:t>
+              <a:t>30/07/2025</a:t>
             </a:fld>
             <a:endParaRPr lang="fr-FR"/>
           </a:p>
@@ -2399,13 +2178,7 @@
       </p:sp>
       <p:sp>
         <p:nvSpPr>
-          <p:cNvPr id="4" name="Espace réservé du pied de page 3">
-            <a:extLst>
-              <a:ext uri="{FF2B5EF4-FFF2-40B4-BE49-F238E27FC236}">
-                <a16:creationId xmlns:a16="http://schemas.microsoft.com/office/drawing/2014/main" id="{AA1AB937-5448-B45C-1C8C-CDCE95B787F3}"/>
-              </a:ext>
-            </a:extLst>
-          </p:cNvPr>
+          <p:cNvPr id="4" name="Footer Placeholder 3"/>
           <p:cNvSpPr>
             <a:spLocks noGrp="1"/>
           </p:cNvSpPr>
@@ -2424,13 +2197,7 @@
       </p:sp>
       <p:sp>
         <p:nvSpPr>
-          <p:cNvPr id="5" name="Espace réservé du numéro de diapositive 4">
-            <a:extLst>
-              <a:ext uri="{FF2B5EF4-FFF2-40B4-BE49-F238E27FC236}">
-                <a16:creationId xmlns:a16="http://schemas.microsoft.com/office/drawing/2014/main" id="{8BEC0004-CC18-D17D-8ADA-702F088D219C}"/>
-              </a:ext>
-            </a:extLst>
-          </p:cNvPr>
+          <p:cNvPr id="5" name="Slide Number Placeholder 4"/>
           <p:cNvSpPr>
             <a:spLocks noGrp="1"/>
           </p:cNvSpPr>
@@ -2454,7 +2221,7 @@
     </p:spTree>
     <p:extLst>
       <p:ext uri="{BB962C8B-B14F-4D97-AF65-F5344CB8AC3E}">
-        <p14:creationId xmlns:p14="http://schemas.microsoft.com/office/powerpoint/2010/main" val="3246319227"/>
+        <p14:creationId xmlns:p14="http://schemas.microsoft.com/office/powerpoint/2010/main" val="2717863651"/>
       </p:ext>
     </p:extLst>
   </p:cSld>
@@ -2483,13 +2250,7 @@
       </p:grpSpPr>
       <p:sp>
         <p:nvSpPr>
-          <p:cNvPr id="2" name="Espace réservé de la date 1">
-            <a:extLst>
-              <a:ext uri="{FF2B5EF4-FFF2-40B4-BE49-F238E27FC236}">
-                <a16:creationId xmlns:a16="http://schemas.microsoft.com/office/drawing/2014/main" id="{AAF3C7DC-22B8-9FB2-A2FC-A8F5F5B21562}"/>
-              </a:ext>
-            </a:extLst>
-          </p:cNvPr>
+          <p:cNvPr id="2" name="Date Placeholder 1"/>
           <p:cNvSpPr>
             <a:spLocks noGrp="1"/>
           </p:cNvSpPr>
@@ -2504,7 +2265,7 @@
           <a:p>
             <a:fld id="{275C4363-086D-4FE8-A7DC-CDDA1B0D8DEC}" type="datetimeFigureOut">
               <a:rPr lang="fr-FR" smtClean="0"/>
-              <a:t>29/07/2025</a:t>
+              <a:t>30/07/2025</a:t>
             </a:fld>
             <a:endParaRPr lang="fr-FR"/>
           </a:p>
@@ -2512,13 +2273,7 @@
       </p:sp>
       <p:sp>
         <p:nvSpPr>
-          <p:cNvPr id="3" name="Espace réservé du pied de page 2">
-            <a:extLst>
-              <a:ext uri="{FF2B5EF4-FFF2-40B4-BE49-F238E27FC236}">
-                <a16:creationId xmlns:a16="http://schemas.microsoft.com/office/drawing/2014/main" id="{53AB337F-3394-E54F-254E-C6A23C1928D2}"/>
-              </a:ext>
-            </a:extLst>
-          </p:cNvPr>
+          <p:cNvPr id="3" name="Footer Placeholder 2"/>
           <p:cNvSpPr>
             <a:spLocks noGrp="1"/>
           </p:cNvSpPr>
@@ -2537,13 +2292,7 @@
       </p:sp>
       <p:sp>
         <p:nvSpPr>
-          <p:cNvPr id="4" name="Espace réservé du numéro de diapositive 3">
-            <a:extLst>
-              <a:ext uri="{FF2B5EF4-FFF2-40B4-BE49-F238E27FC236}">
-                <a16:creationId xmlns:a16="http://schemas.microsoft.com/office/drawing/2014/main" id="{6712ADCC-2876-F198-1257-E67287E0497D}"/>
-              </a:ext>
-            </a:extLst>
-          </p:cNvPr>
+          <p:cNvPr id="4" name="Slide Number Placeholder 3"/>
           <p:cNvSpPr>
             <a:spLocks noGrp="1"/>
           </p:cNvSpPr>
@@ -2567,7 +2316,7 @@
     </p:spTree>
     <p:extLst>
       <p:ext uri="{BB962C8B-B14F-4D97-AF65-F5344CB8AC3E}">
-        <p14:creationId xmlns:p14="http://schemas.microsoft.com/office/powerpoint/2010/main" val="3730134989"/>
+        <p14:creationId xmlns:p14="http://schemas.microsoft.com/office/powerpoint/2010/main" val="400298837"/>
       </p:ext>
     </p:extLst>
   </p:cSld>
@@ -2596,13 +2345,7 @@
       </p:grpSpPr>
       <p:sp>
         <p:nvSpPr>
-          <p:cNvPr id="2" name="Titre 1">
-            <a:extLst>
-              <a:ext uri="{FF2B5EF4-FFF2-40B4-BE49-F238E27FC236}">
-                <a16:creationId xmlns:a16="http://schemas.microsoft.com/office/drawing/2014/main" id="{EDA18350-0EDB-B176-FF66-00017946B2C8}"/>
-              </a:ext>
-            </a:extLst>
-          </p:cNvPr>
+          <p:cNvPr id="2" name="Title 1"/>
           <p:cNvSpPr>
             <a:spLocks noGrp="1"/>
           </p:cNvSpPr>
@@ -2612,15 +2355,15 @@
         </p:nvSpPr>
         <p:spPr>
           <a:xfrm>
-            <a:off x="839788" y="457200"/>
-            <a:ext cx="3932237" cy="1600200"/>
+            <a:off x="839788" y="839999"/>
+            <a:ext cx="3932237" cy="2939997"/>
           </a:xfrm>
         </p:spPr>
         <p:txBody>
           <a:bodyPr anchor="b"/>
           <a:lstStyle>
             <a:lvl1pPr>
-              <a:defRPr sz="3200"/>
+              <a:defRPr sz="4267"/>
             </a:lvl1pPr>
           </a:lstStyle>
           <a:p>
@@ -2628,18 +2371,13 @@
               <a:rPr lang="fr-FR"/>
               <a:t>Modifiez le style du titre</a:t>
             </a:r>
-          </a:p>
-        </p:txBody>
-      </p:sp>
-      <p:sp>
-        <p:nvSpPr>
-          <p:cNvPr id="3" name="Espace réservé du contenu 2">
-            <a:extLst>
-              <a:ext uri="{FF2B5EF4-FFF2-40B4-BE49-F238E27FC236}">
-                <a16:creationId xmlns:a16="http://schemas.microsoft.com/office/drawing/2014/main" id="{2BDE1E63-99FC-F96E-FDD4-D19EF827EA37}"/>
-              </a:ext>
-            </a:extLst>
-          </p:cNvPr>
+            <a:endParaRPr lang="en-US" dirty="0"/>
+          </a:p>
+        </p:txBody>
+      </p:sp>
+      <p:sp>
+        <p:nvSpPr>
+          <p:cNvPr id="3" name="Content Placeholder 2"/>
           <p:cNvSpPr>
             <a:spLocks noGrp="1"/>
           </p:cNvSpPr>
@@ -2649,39 +2387,39 @@
         </p:nvSpPr>
         <p:spPr>
           <a:xfrm>
-            <a:off x="5183188" y="987425"/>
-            <a:ext cx="6172200" cy="4873625"/>
+            <a:off x="5183188" y="1814168"/>
+            <a:ext cx="6172200" cy="8954158"/>
           </a:xfrm>
         </p:spPr>
         <p:txBody>
           <a:bodyPr/>
           <a:lstStyle>
             <a:lvl1pPr>
-              <a:defRPr sz="3200"/>
+              <a:defRPr sz="4267"/>
             </a:lvl1pPr>
             <a:lvl2pPr>
-              <a:defRPr sz="2800"/>
+              <a:defRPr sz="3733"/>
             </a:lvl2pPr>
             <a:lvl3pPr>
-              <a:defRPr sz="2400"/>
+              <a:defRPr sz="3200"/>
             </a:lvl3pPr>
             <a:lvl4pPr>
-              <a:defRPr sz="2000"/>
+              <a:defRPr sz="2667"/>
             </a:lvl4pPr>
             <a:lvl5pPr>
-              <a:defRPr sz="2000"/>
+              <a:defRPr sz="2667"/>
             </a:lvl5pPr>
             <a:lvl6pPr>
-              <a:defRPr sz="2000"/>
+              <a:defRPr sz="2667"/>
             </a:lvl6pPr>
             <a:lvl7pPr>
-              <a:defRPr sz="2000"/>
+              <a:defRPr sz="2667"/>
             </a:lvl7pPr>
             <a:lvl8pPr>
-              <a:defRPr sz="2000"/>
+              <a:defRPr sz="2667"/>
             </a:lvl8pPr>
             <a:lvl9pPr>
-              <a:defRPr sz="2000"/>
+              <a:defRPr sz="2667"/>
             </a:lvl9pPr>
           </a:lstStyle>
           <a:p>
@@ -2718,18 +2456,13 @@
               <a:rPr lang="fr-FR"/>
               <a:t>Cinquième niveau</a:t>
             </a:r>
-          </a:p>
-        </p:txBody>
-      </p:sp>
-      <p:sp>
-        <p:nvSpPr>
-          <p:cNvPr id="4" name="Espace réservé du texte 3">
-            <a:extLst>
-              <a:ext uri="{FF2B5EF4-FFF2-40B4-BE49-F238E27FC236}">
-                <a16:creationId xmlns:a16="http://schemas.microsoft.com/office/drawing/2014/main" id="{296C72FB-71DF-CA59-5A09-AC7366E3B204}"/>
-              </a:ext>
-            </a:extLst>
-          </p:cNvPr>
+            <a:endParaRPr lang="en-US" dirty="0"/>
+          </a:p>
+        </p:txBody>
+      </p:sp>
+      <p:sp>
+        <p:nvSpPr>
+          <p:cNvPr id="4" name="Text Placeholder 3"/>
           <p:cNvSpPr>
             <a:spLocks noGrp="1"/>
           </p:cNvSpPr>
@@ -2739,8 +2472,8 @@
         </p:nvSpPr>
         <p:spPr>
           <a:xfrm>
-            <a:off x="839788" y="2057400"/>
-            <a:ext cx="3932237" cy="3811588"/>
+            <a:off x="839788" y="3779996"/>
+            <a:ext cx="3932237" cy="7002911"/>
           </a:xfrm>
         </p:spPr>
         <p:txBody>
@@ -2748,39 +2481,39 @@
           <a:lstStyle>
             <a:lvl1pPr marL="0" indent="0">
               <a:buNone/>
+              <a:defRPr sz="2133"/>
+            </a:lvl1pPr>
+            <a:lvl2pPr marL="609585" indent="0">
+              <a:buNone/>
+              <a:defRPr sz="1867"/>
+            </a:lvl2pPr>
+            <a:lvl3pPr marL="1219170" indent="0">
+              <a:buNone/>
               <a:defRPr sz="1600"/>
-            </a:lvl1pPr>
-            <a:lvl2pPr marL="457200" indent="0">
+            </a:lvl3pPr>
+            <a:lvl4pPr marL="1828754" indent="0">
               <a:buNone/>
-              <a:defRPr sz="1400"/>
-            </a:lvl2pPr>
-            <a:lvl3pPr marL="914400" indent="0">
+              <a:defRPr sz="1333"/>
+            </a:lvl4pPr>
+            <a:lvl5pPr marL="2438339" indent="0">
               <a:buNone/>
-              <a:defRPr sz="1200"/>
-            </a:lvl3pPr>
-            <a:lvl4pPr marL="1371600" indent="0">
+              <a:defRPr sz="1333"/>
+            </a:lvl5pPr>
+            <a:lvl6pPr marL="3047924" indent="0">
               <a:buNone/>
-              <a:defRPr sz="1000"/>
-            </a:lvl4pPr>
-            <a:lvl5pPr marL="1828800" indent="0">
+              <a:defRPr sz="1333"/>
+            </a:lvl6pPr>
+            <a:lvl7pPr marL="3657509" indent="0">
               <a:buNone/>
-              <a:defRPr sz="1000"/>
-            </a:lvl5pPr>
-            <a:lvl6pPr marL="2286000" indent="0">
+              <a:defRPr sz="1333"/>
+            </a:lvl7pPr>
+            <a:lvl8pPr marL="4267093" indent="0">
               <a:buNone/>
-              <a:defRPr sz="1000"/>
-            </a:lvl6pPr>
-            <a:lvl7pPr marL="2743200" indent="0">
+              <a:defRPr sz="1333"/>
+            </a:lvl8pPr>
+            <a:lvl9pPr marL="4876678" indent="0">
               <a:buNone/>
-              <a:defRPr sz="1000"/>
-            </a:lvl7pPr>
-            <a:lvl8pPr marL="3200400" indent="0">
-              <a:buNone/>
-              <a:defRPr sz="1000"/>
-            </a:lvl8pPr>
-            <a:lvl9pPr marL="3657600" indent="0">
-              <a:buNone/>
-              <a:defRPr sz="1000"/>
+              <a:defRPr sz="1333"/>
             </a:lvl9pPr>
           </a:lstStyle>
           <a:p>
@@ -2794,13 +2527,7 @@
       </p:sp>
       <p:sp>
         <p:nvSpPr>
-          <p:cNvPr id="5" name="Espace réservé de la date 4">
-            <a:extLst>
-              <a:ext uri="{FF2B5EF4-FFF2-40B4-BE49-F238E27FC236}">
-                <a16:creationId xmlns:a16="http://schemas.microsoft.com/office/drawing/2014/main" id="{1CE166CA-8135-6FA0-A413-0DC17CC3CA01}"/>
-              </a:ext>
-            </a:extLst>
-          </p:cNvPr>
+          <p:cNvPr id="5" name="Date Placeholder 4"/>
           <p:cNvSpPr>
             <a:spLocks noGrp="1"/>
           </p:cNvSpPr>
@@ -2815,7 +2542,7 @@
           <a:p>
             <a:fld id="{275C4363-086D-4FE8-A7DC-CDDA1B0D8DEC}" type="datetimeFigureOut">
               <a:rPr lang="fr-FR" smtClean="0"/>
-              <a:t>29/07/2025</a:t>
+              <a:t>30/07/2025</a:t>
             </a:fld>
             <a:endParaRPr lang="fr-FR"/>
           </a:p>
@@ -2823,13 +2550,7 @@
       </p:sp>
       <p:sp>
         <p:nvSpPr>
-          <p:cNvPr id="6" name="Espace réservé du pied de page 5">
-            <a:extLst>
-              <a:ext uri="{FF2B5EF4-FFF2-40B4-BE49-F238E27FC236}">
-                <a16:creationId xmlns:a16="http://schemas.microsoft.com/office/drawing/2014/main" id="{7D2F25EF-FCF1-0414-E17F-4F0F1E5A53C9}"/>
-              </a:ext>
-            </a:extLst>
-          </p:cNvPr>
+          <p:cNvPr id="6" name="Footer Placeholder 5"/>
           <p:cNvSpPr>
             <a:spLocks noGrp="1"/>
           </p:cNvSpPr>
@@ -2848,13 +2569,7 @@
       </p:sp>
       <p:sp>
         <p:nvSpPr>
-          <p:cNvPr id="7" name="Espace réservé du numéro de diapositive 6">
-            <a:extLst>
-              <a:ext uri="{FF2B5EF4-FFF2-40B4-BE49-F238E27FC236}">
-                <a16:creationId xmlns:a16="http://schemas.microsoft.com/office/drawing/2014/main" id="{C495FB71-B3AE-6754-B2DD-D4E7DE5C928A}"/>
-              </a:ext>
-            </a:extLst>
-          </p:cNvPr>
+          <p:cNvPr id="7" name="Slide Number Placeholder 6"/>
           <p:cNvSpPr>
             <a:spLocks noGrp="1"/>
           </p:cNvSpPr>
@@ -2878,7 +2593,7 @@
     </p:spTree>
     <p:extLst>
       <p:ext uri="{BB962C8B-B14F-4D97-AF65-F5344CB8AC3E}">
-        <p14:creationId xmlns:p14="http://schemas.microsoft.com/office/powerpoint/2010/main" val="2712972009"/>
+        <p14:creationId xmlns:p14="http://schemas.microsoft.com/office/powerpoint/2010/main" val="883812996"/>
       </p:ext>
     </p:extLst>
   </p:cSld>
@@ -2907,13 +2622,7 @@
       </p:grpSpPr>
       <p:sp>
         <p:nvSpPr>
-          <p:cNvPr id="2" name="Titre 1">
-            <a:extLst>
-              <a:ext uri="{FF2B5EF4-FFF2-40B4-BE49-F238E27FC236}">
-                <a16:creationId xmlns:a16="http://schemas.microsoft.com/office/drawing/2014/main" id="{975C9711-1DB3-8F67-E514-3876E9C89B81}"/>
-              </a:ext>
-            </a:extLst>
-          </p:cNvPr>
+          <p:cNvPr id="2" name="Title 1"/>
           <p:cNvSpPr>
             <a:spLocks noGrp="1"/>
           </p:cNvSpPr>
@@ -2923,15 +2632,15 @@
         </p:nvSpPr>
         <p:spPr>
           <a:xfrm>
-            <a:off x="839788" y="457200"/>
-            <a:ext cx="3932237" cy="1600200"/>
+            <a:off x="839788" y="839999"/>
+            <a:ext cx="3932237" cy="2939997"/>
           </a:xfrm>
         </p:spPr>
         <p:txBody>
           <a:bodyPr anchor="b"/>
           <a:lstStyle>
             <a:lvl1pPr>
-              <a:defRPr sz="3200"/>
+              <a:defRPr sz="4267"/>
             </a:lvl1pPr>
           </a:lstStyle>
           <a:p>
@@ -2939,20 +2648,15 @@
               <a:rPr lang="fr-FR"/>
               <a:t>Modifiez le style du titre</a:t>
             </a:r>
-          </a:p>
-        </p:txBody>
-      </p:sp>
-      <p:sp>
-        <p:nvSpPr>
-          <p:cNvPr id="3" name="Espace réservé pour une image  2">
-            <a:extLst>
-              <a:ext uri="{FF2B5EF4-FFF2-40B4-BE49-F238E27FC236}">
-                <a16:creationId xmlns:a16="http://schemas.microsoft.com/office/drawing/2014/main" id="{ED5F4791-0764-A43A-ADA6-882545FCFE98}"/>
-              </a:ext>
-            </a:extLst>
-          </p:cNvPr>
-          <p:cNvSpPr>
-            <a:spLocks noGrp="1"/>
+            <a:endParaRPr lang="en-US" dirty="0"/>
+          </a:p>
+        </p:txBody>
+      </p:sp>
+      <p:sp>
+        <p:nvSpPr>
+          <p:cNvPr id="3" name="Picture Placeholder 2"/>
+          <p:cNvSpPr>
+            <a:spLocks noGrp="1" noChangeAspect="1"/>
           </p:cNvSpPr>
           <p:nvPr>
             <p:ph type="pic" idx="1"/>
@@ -2960,8 +2664,73 @@
         </p:nvSpPr>
         <p:spPr>
           <a:xfrm>
-            <a:off x="5183188" y="987425"/>
-            <a:ext cx="6172200" cy="4873625"/>
+            <a:off x="5183188" y="1814168"/>
+            <a:ext cx="6172200" cy="8954158"/>
+          </a:xfrm>
+        </p:spPr>
+        <p:txBody>
+          <a:bodyPr anchor="t"/>
+          <a:lstStyle>
+            <a:lvl1pPr marL="0" indent="0">
+              <a:buNone/>
+              <a:defRPr sz="4267"/>
+            </a:lvl1pPr>
+            <a:lvl2pPr marL="609585" indent="0">
+              <a:buNone/>
+              <a:defRPr sz="3733"/>
+            </a:lvl2pPr>
+            <a:lvl3pPr marL="1219170" indent="0">
+              <a:buNone/>
+              <a:defRPr sz="3200"/>
+            </a:lvl3pPr>
+            <a:lvl4pPr marL="1828754" indent="0">
+              <a:buNone/>
+              <a:defRPr sz="2667"/>
+            </a:lvl4pPr>
+            <a:lvl5pPr marL="2438339" indent="0">
+              <a:buNone/>
+              <a:defRPr sz="2667"/>
+            </a:lvl5pPr>
+            <a:lvl6pPr marL="3047924" indent="0">
+              <a:buNone/>
+              <a:defRPr sz="2667"/>
+            </a:lvl6pPr>
+            <a:lvl7pPr marL="3657509" indent="0">
+              <a:buNone/>
+              <a:defRPr sz="2667"/>
+            </a:lvl7pPr>
+            <a:lvl8pPr marL="4267093" indent="0">
+              <a:buNone/>
+              <a:defRPr sz="2667"/>
+            </a:lvl8pPr>
+            <a:lvl9pPr marL="4876678" indent="0">
+              <a:buNone/>
+              <a:defRPr sz="2667"/>
+            </a:lvl9pPr>
+          </a:lstStyle>
+          <a:p>
+            <a:r>
+              <a:rPr lang="fr-FR"/>
+              <a:t>Cliquez sur l'icône pour ajouter une image</a:t>
+            </a:r>
+            <a:endParaRPr lang="en-US" dirty="0"/>
+          </a:p>
+        </p:txBody>
+      </p:sp>
+      <p:sp>
+        <p:nvSpPr>
+          <p:cNvPr id="4" name="Text Placeholder 3"/>
+          <p:cNvSpPr>
+            <a:spLocks noGrp="1"/>
+          </p:cNvSpPr>
+          <p:nvPr>
+            <p:ph type="body" sz="half" idx="2"/>
+          </p:nvPr>
+        </p:nvSpPr>
+        <p:spPr>
+          <a:xfrm>
+            <a:off x="839788" y="3779996"/>
+            <a:ext cx="3932237" cy="7002911"/>
           </a:xfrm>
         </p:spPr>
         <p:txBody>
@@ -2969,109 +2738,42 @@
           <a:lstStyle>
             <a:lvl1pPr marL="0" indent="0">
               <a:buNone/>
-              <a:defRPr sz="3200"/>
+              <a:defRPr sz="2133"/>
             </a:lvl1pPr>
-            <a:lvl2pPr marL="457200" indent="0">
+            <a:lvl2pPr marL="609585" indent="0">
               <a:buNone/>
-              <a:defRPr sz="2800"/>
+              <a:defRPr sz="1867"/>
             </a:lvl2pPr>
-            <a:lvl3pPr marL="914400" indent="0">
+            <a:lvl3pPr marL="1219170" indent="0">
               <a:buNone/>
-              <a:defRPr sz="2400"/>
+              <a:defRPr sz="1600"/>
             </a:lvl3pPr>
-            <a:lvl4pPr marL="1371600" indent="0">
+            <a:lvl4pPr marL="1828754" indent="0">
               <a:buNone/>
-              <a:defRPr sz="2000"/>
+              <a:defRPr sz="1333"/>
             </a:lvl4pPr>
-            <a:lvl5pPr marL="1828800" indent="0">
+            <a:lvl5pPr marL="2438339" indent="0">
               <a:buNone/>
-              <a:defRPr sz="2000"/>
+              <a:defRPr sz="1333"/>
             </a:lvl5pPr>
-            <a:lvl6pPr marL="2286000" indent="0">
+            <a:lvl6pPr marL="3047924" indent="0">
               <a:buNone/>
-              <a:defRPr sz="2000"/>
+              <a:defRPr sz="1333"/>
             </a:lvl6pPr>
-            <a:lvl7pPr marL="2743200" indent="0">
+            <a:lvl7pPr marL="3657509" indent="0">
               <a:buNone/>
-              <a:defRPr sz="2000"/>
+              <a:defRPr sz="1333"/>
             </a:lvl7pPr>
-            <a:lvl8pPr marL="3200400" indent="0">
+            <a:lvl8pPr marL="4267093" indent="0">
               <a:buNone/>
-              <a:defRPr sz="2000"/>
+              <a:defRPr sz="1333"/>
             </a:lvl8pPr>
-            <a:lvl9pPr marL="3657600" indent="0">
+            <a:lvl9pPr marL="4876678" indent="0">
               <a:buNone/>
-              <a:defRPr sz="2000"/>
+              <a:defRPr sz="1333"/>
             </a:lvl9pPr>
           </a:lstStyle>
           <a:p>
-            <a:endParaRPr lang="fr-FR"/>
-          </a:p>
-        </p:txBody>
-      </p:sp>
-      <p:sp>
-        <p:nvSpPr>
-          <p:cNvPr id="4" name="Espace réservé du texte 3">
-            <a:extLst>
-              <a:ext uri="{FF2B5EF4-FFF2-40B4-BE49-F238E27FC236}">
-                <a16:creationId xmlns:a16="http://schemas.microsoft.com/office/drawing/2014/main" id="{0514B8C3-E38D-0B0B-A9A1-FF214B095769}"/>
-              </a:ext>
-            </a:extLst>
-          </p:cNvPr>
-          <p:cNvSpPr>
-            <a:spLocks noGrp="1"/>
-          </p:cNvSpPr>
-          <p:nvPr>
-            <p:ph type="body" sz="half" idx="2"/>
-          </p:nvPr>
-        </p:nvSpPr>
-        <p:spPr>
-          <a:xfrm>
-            <a:off x="839788" y="2057400"/>
-            <a:ext cx="3932237" cy="3811588"/>
-          </a:xfrm>
-        </p:spPr>
-        <p:txBody>
-          <a:bodyPr/>
-          <a:lstStyle>
-            <a:lvl1pPr marL="0" indent="0">
-              <a:buNone/>
-              <a:defRPr sz="1600"/>
-            </a:lvl1pPr>
-            <a:lvl2pPr marL="457200" indent="0">
-              <a:buNone/>
-              <a:defRPr sz="1400"/>
-            </a:lvl2pPr>
-            <a:lvl3pPr marL="914400" indent="0">
-              <a:buNone/>
-              <a:defRPr sz="1200"/>
-            </a:lvl3pPr>
-            <a:lvl4pPr marL="1371600" indent="0">
-              <a:buNone/>
-              <a:defRPr sz="1000"/>
-            </a:lvl4pPr>
-            <a:lvl5pPr marL="1828800" indent="0">
-              <a:buNone/>
-              <a:defRPr sz="1000"/>
-            </a:lvl5pPr>
-            <a:lvl6pPr marL="2286000" indent="0">
-              <a:buNone/>
-              <a:defRPr sz="1000"/>
-            </a:lvl6pPr>
-            <a:lvl7pPr marL="2743200" indent="0">
-              <a:buNone/>
-              <a:defRPr sz="1000"/>
-            </a:lvl7pPr>
-            <a:lvl8pPr marL="3200400" indent="0">
-              <a:buNone/>
-              <a:defRPr sz="1000"/>
-            </a:lvl8pPr>
-            <a:lvl9pPr marL="3657600" indent="0">
-              <a:buNone/>
-              <a:defRPr sz="1000"/>
-            </a:lvl9pPr>
-          </a:lstStyle>
-          <a:p>
             <a:pPr lvl="0"/>
             <a:r>
               <a:rPr lang="fr-FR"/>
@@ -3082,13 +2784,7 @@
       </p:sp>
       <p:sp>
         <p:nvSpPr>
-          <p:cNvPr id="5" name="Espace réservé de la date 4">
-            <a:extLst>
-              <a:ext uri="{FF2B5EF4-FFF2-40B4-BE49-F238E27FC236}">
-                <a16:creationId xmlns:a16="http://schemas.microsoft.com/office/drawing/2014/main" id="{0C6B95D4-DF52-05BC-3D32-B4A5D9C57FBA}"/>
-              </a:ext>
-            </a:extLst>
-          </p:cNvPr>
+          <p:cNvPr id="5" name="Date Placeholder 4"/>
           <p:cNvSpPr>
             <a:spLocks noGrp="1"/>
           </p:cNvSpPr>
@@ -3103,7 +2799,7 @@
           <a:p>
             <a:fld id="{275C4363-086D-4FE8-A7DC-CDDA1B0D8DEC}" type="datetimeFigureOut">
               <a:rPr lang="fr-FR" smtClean="0"/>
-              <a:t>29/07/2025</a:t>
+              <a:t>30/07/2025</a:t>
             </a:fld>
             <a:endParaRPr lang="fr-FR"/>
           </a:p>
@@ -3111,13 +2807,7 @@
       </p:sp>
       <p:sp>
         <p:nvSpPr>
-          <p:cNvPr id="6" name="Espace réservé du pied de page 5">
-            <a:extLst>
-              <a:ext uri="{FF2B5EF4-FFF2-40B4-BE49-F238E27FC236}">
-                <a16:creationId xmlns:a16="http://schemas.microsoft.com/office/drawing/2014/main" id="{C7FA4A13-F056-E53E-37BF-4EEEB37ACD3C}"/>
-              </a:ext>
-            </a:extLst>
-          </p:cNvPr>
+          <p:cNvPr id="6" name="Footer Placeholder 5"/>
           <p:cNvSpPr>
             <a:spLocks noGrp="1"/>
           </p:cNvSpPr>
@@ -3136,13 +2826,7 @@
       </p:sp>
       <p:sp>
         <p:nvSpPr>
-          <p:cNvPr id="7" name="Espace réservé du numéro de diapositive 6">
-            <a:extLst>
-              <a:ext uri="{FF2B5EF4-FFF2-40B4-BE49-F238E27FC236}">
-                <a16:creationId xmlns:a16="http://schemas.microsoft.com/office/drawing/2014/main" id="{208FA9A9-7245-45DB-BDEF-91DDA99CB6D2}"/>
-              </a:ext>
-            </a:extLst>
-          </p:cNvPr>
+          <p:cNvPr id="7" name="Slide Number Placeholder 6"/>
           <p:cNvSpPr>
             <a:spLocks noGrp="1"/>
           </p:cNvSpPr>
@@ -3166,7 +2850,7 @@
     </p:spTree>
     <p:extLst>
       <p:ext uri="{BB962C8B-B14F-4D97-AF65-F5344CB8AC3E}">
-        <p14:creationId xmlns:p14="http://schemas.microsoft.com/office/powerpoint/2010/main" val="2766936878"/>
+        <p14:creationId xmlns:p14="http://schemas.microsoft.com/office/powerpoint/2010/main" val="2499220983"/>
       </p:ext>
     </p:extLst>
   </p:cSld>
@@ -3200,13 +2884,7 @@
       </p:grpSpPr>
       <p:sp>
         <p:nvSpPr>
-          <p:cNvPr id="2" name="Espace réservé du titre 1">
-            <a:extLst>
-              <a:ext uri="{FF2B5EF4-FFF2-40B4-BE49-F238E27FC236}">
-                <a16:creationId xmlns:a16="http://schemas.microsoft.com/office/drawing/2014/main" id="{90ED4446-0ECE-A3F1-5E18-8725AA89F617}"/>
-              </a:ext>
-            </a:extLst>
-          </p:cNvPr>
+          <p:cNvPr id="2" name="Title Placeholder 1"/>
           <p:cNvSpPr>
             <a:spLocks noGrp="1"/>
           </p:cNvSpPr>
@@ -3216,8 +2894,8 @@
         </p:nvSpPr>
         <p:spPr>
           <a:xfrm>
-            <a:off x="838200" y="365125"/>
-            <a:ext cx="10515600" cy="1325563"/>
+            <a:off x="838200" y="670836"/>
+            <a:ext cx="10515600" cy="2435415"/>
           </a:xfrm>
           <a:prstGeom prst="rect">
             <a:avLst/>
@@ -3233,18 +2911,13 @@
               <a:rPr lang="fr-FR"/>
               <a:t>Modifiez le style du titre</a:t>
             </a:r>
-          </a:p>
-        </p:txBody>
-      </p:sp>
-      <p:sp>
-        <p:nvSpPr>
-          <p:cNvPr id="3" name="Espace réservé du texte 2">
-            <a:extLst>
-              <a:ext uri="{FF2B5EF4-FFF2-40B4-BE49-F238E27FC236}">
-                <a16:creationId xmlns:a16="http://schemas.microsoft.com/office/drawing/2014/main" id="{C8A6FE21-3257-C911-71EC-785B1339F5BA}"/>
-              </a:ext>
-            </a:extLst>
-          </p:cNvPr>
+            <a:endParaRPr lang="en-US" dirty="0"/>
+          </a:p>
+        </p:txBody>
+      </p:sp>
+      <p:sp>
+        <p:nvSpPr>
+          <p:cNvPr id="3" name="Text Placeholder 2"/>
           <p:cNvSpPr>
             <a:spLocks noGrp="1"/>
           </p:cNvSpPr>
@@ -3254,8 +2927,8 @@
         </p:nvSpPr>
         <p:spPr>
           <a:xfrm>
-            <a:off x="838200" y="1825625"/>
-            <a:ext cx="10515600" cy="4351338"/>
+            <a:off x="838200" y="3354163"/>
+            <a:ext cx="10515600" cy="7994577"/>
           </a:xfrm>
           <a:prstGeom prst="rect">
             <a:avLst/>
@@ -3300,18 +2973,13 @@
               <a:rPr lang="fr-FR"/>
               <a:t>Cinquième niveau</a:t>
             </a:r>
-          </a:p>
-        </p:txBody>
-      </p:sp>
-      <p:sp>
-        <p:nvSpPr>
-          <p:cNvPr id="4" name="Espace réservé de la date 3">
-            <a:extLst>
-              <a:ext uri="{FF2B5EF4-FFF2-40B4-BE49-F238E27FC236}">
-                <a16:creationId xmlns:a16="http://schemas.microsoft.com/office/drawing/2014/main" id="{B1D8605A-072B-1A1E-7115-EA3D8792A2C7}"/>
-              </a:ext>
-            </a:extLst>
-          </p:cNvPr>
+            <a:endParaRPr lang="en-US" dirty="0"/>
+          </a:p>
+        </p:txBody>
+      </p:sp>
+      <p:sp>
+        <p:nvSpPr>
+          <p:cNvPr id="4" name="Date Placeholder 3"/>
           <p:cNvSpPr>
             <a:spLocks noGrp="1"/>
           </p:cNvSpPr>
@@ -3321,8 +2989,8 @@
         </p:nvSpPr>
         <p:spPr>
           <a:xfrm>
-            <a:off x="838200" y="6356350"/>
-            <a:ext cx="2743200" cy="365125"/>
+            <a:off x="838200" y="11678325"/>
+            <a:ext cx="2743200" cy="670833"/>
           </a:xfrm>
           <a:prstGeom prst="rect">
             <a:avLst/>
@@ -3332,7 +3000,7 @@
           <a:bodyPr vert="horz" lIns="91440" tIns="45720" rIns="91440" bIns="45720" rtlCol="0" anchor="ctr"/>
           <a:lstStyle>
             <a:lvl1pPr algn="l">
-              <a:defRPr sz="1200">
+              <a:defRPr sz="1600">
                 <a:solidFill>
                   <a:schemeClr val="tx1">
                     <a:tint val="75000"/>
@@ -3344,7 +3012,7 @@
           <a:p>
             <a:fld id="{275C4363-086D-4FE8-A7DC-CDDA1B0D8DEC}" type="datetimeFigureOut">
               <a:rPr lang="fr-FR" smtClean="0"/>
-              <a:t>29/07/2025</a:t>
+              <a:t>30/07/2025</a:t>
             </a:fld>
             <a:endParaRPr lang="fr-FR"/>
           </a:p>
@@ -3352,13 +3020,7 @@
       </p:sp>
       <p:sp>
         <p:nvSpPr>
-          <p:cNvPr id="5" name="Espace réservé du pied de page 4">
-            <a:extLst>
-              <a:ext uri="{FF2B5EF4-FFF2-40B4-BE49-F238E27FC236}">
-                <a16:creationId xmlns:a16="http://schemas.microsoft.com/office/drawing/2014/main" id="{6BADCD45-E47B-01F3-6694-8F8AC4F1BBF8}"/>
-              </a:ext>
-            </a:extLst>
-          </p:cNvPr>
+          <p:cNvPr id="5" name="Footer Placeholder 4"/>
           <p:cNvSpPr>
             <a:spLocks noGrp="1"/>
           </p:cNvSpPr>
@@ -3368,8 +3030,8 @@
         </p:nvSpPr>
         <p:spPr>
           <a:xfrm>
-            <a:off x="4038600" y="6356350"/>
-            <a:ext cx="4114800" cy="365125"/>
+            <a:off x="4038600" y="11678325"/>
+            <a:ext cx="4114800" cy="670833"/>
           </a:xfrm>
           <a:prstGeom prst="rect">
             <a:avLst/>
@@ -3379,7 +3041,7 @@
           <a:bodyPr vert="horz" lIns="91440" tIns="45720" rIns="91440" bIns="45720" rtlCol="0" anchor="ctr"/>
           <a:lstStyle>
             <a:lvl1pPr algn="ctr">
-              <a:defRPr sz="1200">
+              <a:defRPr sz="1600">
                 <a:solidFill>
                   <a:schemeClr val="tx1">
                     <a:tint val="75000"/>
@@ -3395,13 +3057,7 @@
       </p:sp>
       <p:sp>
         <p:nvSpPr>
-          <p:cNvPr id="6" name="Espace réservé du numéro de diapositive 5">
-            <a:extLst>
-              <a:ext uri="{FF2B5EF4-FFF2-40B4-BE49-F238E27FC236}">
-                <a16:creationId xmlns:a16="http://schemas.microsoft.com/office/drawing/2014/main" id="{F62B2A5F-0B6D-72D3-432A-BA35D6007378}"/>
-              </a:ext>
-            </a:extLst>
-          </p:cNvPr>
+          <p:cNvPr id="6" name="Slide Number Placeholder 5"/>
           <p:cNvSpPr>
             <a:spLocks noGrp="1"/>
           </p:cNvSpPr>
@@ -3411,8 +3067,8 @@
         </p:nvSpPr>
         <p:spPr>
           <a:xfrm>
-            <a:off x="8610600" y="6356350"/>
-            <a:ext cx="2743200" cy="365125"/>
+            <a:off x="8610600" y="11678325"/>
+            <a:ext cx="2743200" cy="670833"/>
           </a:xfrm>
           <a:prstGeom prst="rect">
             <a:avLst/>
@@ -3422,7 +3078,7 @@
           <a:bodyPr vert="horz" lIns="91440" tIns="45720" rIns="91440" bIns="45720" rtlCol="0" anchor="ctr"/>
           <a:lstStyle>
             <a:lvl1pPr algn="r">
-              <a:defRPr sz="1200">
+              <a:defRPr sz="1600">
                 <a:solidFill>
                   <a:schemeClr val="tx1">
                     <a:tint val="75000"/>
@@ -3443,27 +3099,27 @@
     </p:spTree>
     <p:extLst>
       <p:ext uri="{BB962C8B-B14F-4D97-AF65-F5344CB8AC3E}">
-        <p14:creationId xmlns:p14="http://schemas.microsoft.com/office/powerpoint/2010/main" val="2790443067"/>
+        <p14:creationId xmlns:p14="http://schemas.microsoft.com/office/powerpoint/2010/main" val="1221052500"/>
       </p:ext>
     </p:extLst>
   </p:cSld>
   <p:clrMap bg1="lt1" tx1="dk1" bg2="lt2" tx2="dk2" accent1="accent1" accent2="accent2" accent3="accent3" accent4="accent4" accent5="accent5" accent6="accent6" hlink="hlink" folHlink="folHlink"/>
   <p:sldLayoutIdLst>
-    <p:sldLayoutId id="2147483649" r:id="rId1"/>
-    <p:sldLayoutId id="2147483650" r:id="rId2"/>
-    <p:sldLayoutId id="2147483651" r:id="rId3"/>
-    <p:sldLayoutId id="2147483652" r:id="rId4"/>
-    <p:sldLayoutId id="2147483653" r:id="rId5"/>
-    <p:sldLayoutId id="2147483654" r:id="rId6"/>
-    <p:sldLayoutId id="2147483655" r:id="rId7"/>
-    <p:sldLayoutId id="2147483656" r:id="rId8"/>
-    <p:sldLayoutId id="2147483657" r:id="rId9"/>
-    <p:sldLayoutId id="2147483658" r:id="rId10"/>
-    <p:sldLayoutId id="2147483659" r:id="rId11"/>
+    <p:sldLayoutId id="2147483661" r:id="rId1"/>
+    <p:sldLayoutId id="2147483662" r:id="rId2"/>
+    <p:sldLayoutId id="2147483663" r:id="rId3"/>
+    <p:sldLayoutId id="2147483664" r:id="rId4"/>
+    <p:sldLayoutId id="2147483665" r:id="rId5"/>
+    <p:sldLayoutId id="2147483666" r:id="rId6"/>
+    <p:sldLayoutId id="2147483667" r:id="rId7"/>
+    <p:sldLayoutId id="2147483668" r:id="rId8"/>
+    <p:sldLayoutId id="2147483669" r:id="rId9"/>
+    <p:sldLayoutId id="2147483670" r:id="rId10"/>
+    <p:sldLayoutId id="2147483671" r:id="rId11"/>
   </p:sldLayoutIdLst>
   <p:txStyles>
     <p:titleStyle>
-      <a:lvl1pPr algn="l" defTabSz="914400" rtl="0" eaLnBrk="1" latinLnBrk="0" hangingPunct="1">
+      <a:lvl1pPr algn="l" defTabSz="1219170" rtl="0" eaLnBrk="1" latinLnBrk="0" hangingPunct="1">
         <a:lnSpc>
           <a:spcPct val="90000"/>
         </a:lnSpc>
@@ -3471,7 +3127,7 @@
           <a:spcPct val="0"/>
         </a:spcBef>
         <a:buNone/>
-        <a:defRPr sz="4400" kern="1200">
+        <a:defRPr sz="5867" kern="1200">
           <a:solidFill>
             <a:schemeClr val="tx1"/>
           </a:solidFill>
@@ -3482,16 +3138,16 @@
       </a:lvl1pPr>
     </p:titleStyle>
     <p:bodyStyle>
-      <a:lvl1pPr marL="228600" indent="-228600" algn="l" defTabSz="914400" rtl="0" eaLnBrk="1" latinLnBrk="0" hangingPunct="1">
+      <a:lvl1pPr marL="304792" indent="-304792" algn="l" defTabSz="1219170" rtl="0" eaLnBrk="1" latinLnBrk="0" hangingPunct="1">
         <a:lnSpc>
           <a:spcPct val="90000"/>
         </a:lnSpc>
         <a:spcBef>
-          <a:spcPts val="1000"/>
+          <a:spcPts val="1333"/>
         </a:spcBef>
         <a:buFont typeface="Arial" panose="020B0604020202020204" pitchFamily="34" charset="0"/>
         <a:buChar char="•"/>
-        <a:defRPr sz="2800" kern="1200">
+        <a:defRPr sz="3733" kern="1200">
           <a:solidFill>
             <a:schemeClr val="tx1"/>
           </a:solidFill>
@@ -3500,12 +3156,48 @@
           <a:cs typeface="+mn-cs"/>
         </a:defRPr>
       </a:lvl1pPr>
-      <a:lvl2pPr marL="685800" indent="-228600" algn="l" defTabSz="914400" rtl="0" eaLnBrk="1" latinLnBrk="0" hangingPunct="1">
+      <a:lvl2pPr marL="914377" indent="-304792" algn="l" defTabSz="1219170" rtl="0" eaLnBrk="1" latinLnBrk="0" hangingPunct="1">
         <a:lnSpc>
           <a:spcPct val="90000"/>
         </a:lnSpc>
         <a:spcBef>
-          <a:spcPts val="500"/>
+          <a:spcPts val="667"/>
+        </a:spcBef>
+        <a:buFont typeface="Arial" panose="020B0604020202020204" pitchFamily="34" charset="0"/>
+        <a:buChar char="•"/>
+        <a:defRPr sz="3200" kern="1200">
+          <a:solidFill>
+            <a:schemeClr val="tx1"/>
+          </a:solidFill>
+          <a:latin typeface="+mn-lt"/>
+          <a:ea typeface="+mn-ea"/>
+          <a:cs typeface="+mn-cs"/>
+        </a:defRPr>
+      </a:lvl2pPr>
+      <a:lvl3pPr marL="1523962" indent="-304792" algn="l" defTabSz="1219170" rtl="0" eaLnBrk="1" latinLnBrk="0" hangingPunct="1">
+        <a:lnSpc>
+          <a:spcPct val="90000"/>
+        </a:lnSpc>
+        <a:spcBef>
+          <a:spcPts val="667"/>
+        </a:spcBef>
+        <a:buFont typeface="Arial" panose="020B0604020202020204" pitchFamily="34" charset="0"/>
+        <a:buChar char="•"/>
+        <a:defRPr sz="2667" kern="1200">
+          <a:solidFill>
+            <a:schemeClr val="tx1"/>
+          </a:solidFill>
+          <a:latin typeface="+mn-lt"/>
+          <a:ea typeface="+mn-ea"/>
+          <a:cs typeface="+mn-cs"/>
+        </a:defRPr>
+      </a:lvl3pPr>
+      <a:lvl4pPr marL="2133547" indent="-304792" algn="l" defTabSz="1219170" rtl="0" eaLnBrk="1" latinLnBrk="0" hangingPunct="1">
+        <a:lnSpc>
+          <a:spcPct val="90000"/>
+        </a:lnSpc>
+        <a:spcBef>
+          <a:spcPts val="667"/>
         </a:spcBef>
         <a:buFont typeface="Arial" panose="020B0604020202020204" pitchFamily="34" charset="0"/>
         <a:buChar char="•"/>
@@ -3517,53 +3209,17 @@
           <a:ea typeface="+mn-ea"/>
           <a:cs typeface="+mn-cs"/>
         </a:defRPr>
-      </a:lvl2pPr>
-      <a:lvl3pPr marL="1143000" indent="-228600" algn="l" defTabSz="914400" rtl="0" eaLnBrk="1" latinLnBrk="0" hangingPunct="1">
+      </a:lvl4pPr>
+      <a:lvl5pPr marL="2743131" indent="-304792" algn="l" defTabSz="1219170" rtl="0" eaLnBrk="1" latinLnBrk="0" hangingPunct="1">
         <a:lnSpc>
           <a:spcPct val="90000"/>
         </a:lnSpc>
         <a:spcBef>
-          <a:spcPts val="500"/>
+          <a:spcPts val="667"/>
         </a:spcBef>
         <a:buFont typeface="Arial" panose="020B0604020202020204" pitchFamily="34" charset="0"/>
         <a:buChar char="•"/>
-        <a:defRPr sz="2000" kern="1200">
-          <a:solidFill>
-            <a:schemeClr val="tx1"/>
-          </a:solidFill>
-          <a:latin typeface="+mn-lt"/>
-          <a:ea typeface="+mn-ea"/>
-          <a:cs typeface="+mn-cs"/>
-        </a:defRPr>
-      </a:lvl3pPr>
-      <a:lvl4pPr marL="1600200" indent="-228600" algn="l" defTabSz="914400" rtl="0" eaLnBrk="1" latinLnBrk="0" hangingPunct="1">
-        <a:lnSpc>
-          <a:spcPct val="90000"/>
-        </a:lnSpc>
-        <a:spcBef>
-          <a:spcPts val="500"/>
-        </a:spcBef>
-        <a:buFont typeface="Arial" panose="020B0604020202020204" pitchFamily="34" charset="0"/>
-        <a:buChar char="•"/>
-        <a:defRPr sz="1800" kern="1200">
-          <a:solidFill>
-            <a:schemeClr val="tx1"/>
-          </a:solidFill>
-          <a:latin typeface="+mn-lt"/>
-          <a:ea typeface="+mn-ea"/>
-          <a:cs typeface="+mn-cs"/>
-        </a:defRPr>
-      </a:lvl4pPr>
-      <a:lvl5pPr marL="2057400" indent="-228600" algn="l" defTabSz="914400" rtl="0" eaLnBrk="1" latinLnBrk="0" hangingPunct="1">
-        <a:lnSpc>
-          <a:spcPct val="90000"/>
-        </a:lnSpc>
-        <a:spcBef>
-          <a:spcPts val="500"/>
-        </a:spcBef>
-        <a:buFont typeface="Arial" panose="020B0604020202020204" pitchFamily="34" charset="0"/>
-        <a:buChar char="•"/>
-        <a:defRPr sz="1800" kern="1200">
+        <a:defRPr sz="2400" kern="1200">
           <a:solidFill>
             <a:schemeClr val="tx1"/>
           </a:solidFill>
@@ -3572,16 +3228,16 @@
           <a:cs typeface="+mn-cs"/>
         </a:defRPr>
       </a:lvl5pPr>
-      <a:lvl6pPr marL="2514600" indent="-228600" algn="l" defTabSz="914400" rtl="0" eaLnBrk="1" latinLnBrk="0" hangingPunct="1">
+      <a:lvl6pPr marL="3352716" indent="-304792" algn="l" defTabSz="1219170" rtl="0" eaLnBrk="1" latinLnBrk="0" hangingPunct="1">
         <a:lnSpc>
           <a:spcPct val="90000"/>
         </a:lnSpc>
         <a:spcBef>
-          <a:spcPts val="500"/>
+          <a:spcPts val="667"/>
         </a:spcBef>
         <a:buFont typeface="Arial" panose="020B0604020202020204" pitchFamily="34" charset="0"/>
         <a:buChar char="•"/>
-        <a:defRPr sz="1800" kern="1200">
+        <a:defRPr sz="2400" kern="1200">
           <a:solidFill>
             <a:schemeClr val="tx1"/>
           </a:solidFill>
@@ -3590,16 +3246,16 @@
           <a:cs typeface="+mn-cs"/>
         </a:defRPr>
       </a:lvl6pPr>
-      <a:lvl7pPr marL="2971800" indent="-228600" algn="l" defTabSz="914400" rtl="0" eaLnBrk="1" latinLnBrk="0" hangingPunct="1">
+      <a:lvl7pPr marL="3962301" indent="-304792" algn="l" defTabSz="1219170" rtl="0" eaLnBrk="1" latinLnBrk="0" hangingPunct="1">
         <a:lnSpc>
           <a:spcPct val="90000"/>
         </a:lnSpc>
         <a:spcBef>
-          <a:spcPts val="500"/>
+          <a:spcPts val="667"/>
         </a:spcBef>
         <a:buFont typeface="Arial" panose="020B0604020202020204" pitchFamily="34" charset="0"/>
         <a:buChar char="•"/>
-        <a:defRPr sz="1800" kern="1200">
+        <a:defRPr sz="2400" kern="1200">
           <a:solidFill>
             <a:schemeClr val="tx1"/>
           </a:solidFill>
@@ -3608,16 +3264,16 @@
           <a:cs typeface="+mn-cs"/>
         </a:defRPr>
       </a:lvl7pPr>
-      <a:lvl8pPr marL="3429000" indent="-228600" algn="l" defTabSz="914400" rtl="0" eaLnBrk="1" latinLnBrk="0" hangingPunct="1">
+      <a:lvl8pPr marL="4571886" indent="-304792" algn="l" defTabSz="1219170" rtl="0" eaLnBrk="1" latinLnBrk="0" hangingPunct="1">
         <a:lnSpc>
           <a:spcPct val="90000"/>
         </a:lnSpc>
         <a:spcBef>
-          <a:spcPts val="500"/>
+          <a:spcPts val="667"/>
         </a:spcBef>
         <a:buFont typeface="Arial" panose="020B0604020202020204" pitchFamily="34" charset="0"/>
         <a:buChar char="•"/>
-        <a:defRPr sz="1800" kern="1200">
+        <a:defRPr sz="2400" kern="1200">
           <a:solidFill>
             <a:schemeClr val="tx1"/>
           </a:solidFill>
@@ -3626,16 +3282,16 @@
           <a:cs typeface="+mn-cs"/>
         </a:defRPr>
       </a:lvl8pPr>
-      <a:lvl9pPr marL="3886200" indent="-228600" algn="l" defTabSz="914400" rtl="0" eaLnBrk="1" latinLnBrk="0" hangingPunct="1">
+      <a:lvl9pPr marL="5181470" indent="-304792" algn="l" defTabSz="1219170" rtl="0" eaLnBrk="1" latinLnBrk="0" hangingPunct="1">
         <a:lnSpc>
           <a:spcPct val="90000"/>
         </a:lnSpc>
         <a:spcBef>
-          <a:spcPts val="500"/>
+          <a:spcPts val="667"/>
         </a:spcBef>
         <a:buFont typeface="Arial" panose="020B0604020202020204" pitchFamily="34" charset="0"/>
         <a:buChar char="•"/>
-        <a:defRPr sz="1800" kern="1200">
+        <a:defRPr sz="2400" kern="1200">
           <a:solidFill>
             <a:schemeClr val="tx1"/>
           </a:solidFill>
@@ -3647,10 +3303,10 @@
     </p:bodyStyle>
     <p:otherStyle>
       <a:defPPr>
-        <a:defRPr lang="fr-FR"/>
+        <a:defRPr lang="en-US"/>
       </a:defPPr>
-      <a:lvl1pPr marL="0" algn="l" defTabSz="914400" rtl="0" eaLnBrk="1" latinLnBrk="0" hangingPunct="1">
-        <a:defRPr sz="1800" kern="1200">
+      <a:lvl1pPr marL="0" algn="l" defTabSz="1219170" rtl="0" eaLnBrk="1" latinLnBrk="0" hangingPunct="1">
+        <a:defRPr sz="2400" kern="1200">
           <a:solidFill>
             <a:schemeClr val="tx1"/>
           </a:solidFill>
@@ -3659,8 +3315,8 @@
           <a:cs typeface="+mn-cs"/>
         </a:defRPr>
       </a:lvl1pPr>
-      <a:lvl2pPr marL="457200" algn="l" defTabSz="914400" rtl="0" eaLnBrk="1" latinLnBrk="0" hangingPunct="1">
-        <a:defRPr sz="1800" kern="1200">
+      <a:lvl2pPr marL="609585" algn="l" defTabSz="1219170" rtl="0" eaLnBrk="1" latinLnBrk="0" hangingPunct="1">
+        <a:defRPr sz="2400" kern="1200">
           <a:solidFill>
             <a:schemeClr val="tx1"/>
           </a:solidFill>
@@ -3669,8 +3325,8 @@
           <a:cs typeface="+mn-cs"/>
         </a:defRPr>
       </a:lvl2pPr>
-      <a:lvl3pPr marL="914400" algn="l" defTabSz="914400" rtl="0" eaLnBrk="1" latinLnBrk="0" hangingPunct="1">
-        <a:defRPr sz="1800" kern="1200">
+      <a:lvl3pPr marL="1219170" algn="l" defTabSz="1219170" rtl="0" eaLnBrk="1" latinLnBrk="0" hangingPunct="1">
+        <a:defRPr sz="2400" kern="1200">
           <a:solidFill>
             <a:schemeClr val="tx1"/>
           </a:solidFill>
@@ -3679,8 +3335,8 @@
           <a:cs typeface="+mn-cs"/>
         </a:defRPr>
       </a:lvl3pPr>
-      <a:lvl4pPr marL="1371600" algn="l" defTabSz="914400" rtl="0" eaLnBrk="1" latinLnBrk="0" hangingPunct="1">
-        <a:defRPr sz="1800" kern="1200">
+      <a:lvl4pPr marL="1828754" algn="l" defTabSz="1219170" rtl="0" eaLnBrk="1" latinLnBrk="0" hangingPunct="1">
+        <a:defRPr sz="2400" kern="1200">
           <a:solidFill>
             <a:schemeClr val="tx1"/>
           </a:solidFill>
@@ -3689,8 +3345,8 @@
           <a:cs typeface="+mn-cs"/>
         </a:defRPr>
       </a:lvl4pPr>
-      <a:lvl5pPr marL="1828800" algn="l" defTabSz="914400" rtl="0" eaLnBrk="1" latinLnBrk="0" hangingPunct="1">
-        <a:defRPr sz="1800" kern="1200">
+      <a:lvl5pPr marL="2438339" algn="l" defTabSz="1219170" rtl="0" eaLnBrk="1" latinLnBrk="0" hangingPunct="1">
+        <a:defRPr sz="2400" kern="1200">
           <a:solidFill>
             <a:schemeClr val="tx1"/>
           </a:solidFill>
@@ -3699,8 +3355,8 @@
           <a:cs typeface="+mn-cs"/>
         </a:defRPr>
       </a:lvl5pPr>
-      <a:lvl6pPr marL="2286000" algn="l" defTabSz="914400" rtl="0" eaLnBrk="1" latinLnBrk="0" hangingPunct="1">
-        <a:defRPr sz="1800" kern="1200">
+      <a:lvl6pPr marL="3047924" algn="l" defTabSz="1219170" rtl="0" eaLnBrk="1" latinLnBrk="0" hangingPunct="1">
+        <a:defRPr sz="2400" kern="1200">
           <a:solidFill>
             <a:schemeClr val="tx1"/>
           </a:solidFill>
@@ -3709,8 +3365,8 @@
           <a:cs typeface="+mn-cs"/>
         </a:defRPr>
       </a:lvl6pPr>
-      <a:lvl7pPr marL="2743200" algn="l" defTabSz="914400" rtl="0" eaLnBrk="1" latinLnBrk="0" hangingPunct="1">
-        <a:defRPr sz="1800" kern="1200">
+      <a:lvl7pPr marL="3657509" algn="l" defTabSz="1219170" rtl="0" eaLnBrk="1" latinLnBrk="0" hangingPunct="1">
+        <a:defRPr sz="2400" kern="1200">
           <a:solidFill>
             <a:schemeClr val="tx1"/>
           </a:solidFill>
@@ -3719,8 +3375,8 @@
           <a:cs typeface="+mn-cs"/>
         </a:defRPr>
       </a:lvl7pPr>
-      <a:lvl8pPr marL="3200400" algn="l" defTabSz="914400" rtl="0" eaLnBrk="1" latinLnBrk="0" hangingPunct="1">
-        <a:defRPr sz="1800" kern="1200">
+      <a:lvl8pPr marL="4267093" algn="l" defTabSz="1219170" rtl="0" eaLnBrk="1" latinLnBrk="0" hangingPunct="1">
+        <a:defRPr sz="2400" kern="1200">
           <a:solidFill>
             <a:schemeClr val="tx1"/>
           </a:solidFill>
@@ -3729,8 +3385,8 @@
           <a:cs typeface="+mn-cs"/>
         </a:defRPr>
       </a:lvl8pPr>
-      <a:lvl9pPr marL="3657600" algn="l" defTabSz="914400" rtl="0" eaLnBrk="1" latinLnBrk="0" hangingPunct="1">
-        <a:defRPr sz="1800" kern="1200">
+      <a:lvl9pPr marL="4876678" algn="l" defTabSz="1219170" rtl="0" eaLnBrk="1" latinLnBrk="0" hangingPunct="1">
+        <a:defRPr sz="2400" kern="1200">
           <a:solidFill>
             <a:schemeClr val="tx1"/>
           </a:solidFill>
@@ -3774,254 +3430,99 @@
       </p:grpSpPr>
       <p:sp>
         <p:nvSpPr>
-          <p:cNvPr id="4" name="ZoneTexte 3">
+          <p:cNvPr id="19" name="Rectangle 18">
             <a:extLst>
               <a:ext uri="{FF2B5EF4-FFF2-40B4-BE49-F238E27FC236}">
-                <a16:creationId xmlns:a16="http://schemas.microsoft.com/office/drawing/2014/main" id="{6D9A3252-5BAF-6E7A-0D67-0F52C6739594}"/>
+                <a16:creationId xmlns:a16="http://schemas.microsoft.com/office/drawing/2014/main" id="{7DA3050F-63F4-DBFA-578D-973D15501DB3}"/>
               </a:ext>
             </a:extLst>
           </p:cNvPr>
-          <p:cNvSpPr txBox="1"/>
+          <p:cNvSpPr/>
           <p:nvPr/>
         </p:nvSpPr>
         <p:spPr>
           <a:xfrm>
-            <a:off x="9534308" y="2172278"/>
-            <a:ext cx="1440180" cy="408623"/>
-          </a:xfrm>
-          <a:prstGeom prst="roundRect">
-            <a:avLst/>
-          </a:prstGeom>
-          <a:solidFill>
-            <a:schemeClr val="accent5">
-              <a:lumMod val="60000"/>
-              <a:lumOff val="40000"/>
-            </a:schemeClr>
-          </a:solidFill>
-        </p:spPr>
-        <p:txBody>
-          <a:bodyPr wrap="square" rtlCol="0">
-            <a:spAutoFit/>
-          </a:bodyPr>
-          <a:lstStyle/>
-          <a:p>
-            <a:r>
-              <a:rPr lang="fr-FR" dirty="0"/>
-              <a:t>Fin du vote</a:t>
-            </a:r>
-          </a:p>
-        </p:txBody>
-      </p:sp>
-      <p:sp>
-        <p:nvSpPr>
-          <p:cNvPr id="5" name="ZoneTexte 4">
-            <a:extLst>
-              <a:ext uri="{FF2B5EF4-FFF2-40B4-BE49-F238E27FC236}">
-                <a16:creationId xmlns:a16="http://schemas.microsoft.com/office/drawing/2014/main" id="{74509625-7DB5-D800-DB79-69C36FF75198}"/>
-              </a:ext>
-            </a:extLst>
-          </p:cNvPr>
-          <p:cNvSpPr txBox="1"/>
-          <p:nvPr/>
-        </p:nvSpPr>
-        <p:spPr>
-          <a:xfrm>
-            <a:off x="9148522" y="3071455"/>
-            <a:ext cx="1905963" cy="715089"/>
-          </a:xfrm>
-          <a:prstGeom prst="roundRect">
-            <a:avLst/>
-          </a:prstGeom>
-          <a:solidFill>
-            <a:schemeClr val="accent5">
-              <a:lumMod val="60000"/>
-              <a:lumOff val="40000"/>
-            </a:schemeClr>
-          </a:solidFill>
-        </p:spPr>
-        <p:txBody>
-          <a:bodyPr wrap="square" rtlCol="0">
-            <a:spAutoFit/>
-          </a:bodyPr>
-          <a:lstStyle/>
-          <a:p>
-            <a:r>
-              <a:rPr lang="fr-FR" dirty="0"/>
-              <a:t>relance du vote</a:t>
-            </a:r>
-            <a:br>
-              <a:rPr lang="fr-FR" dirty="0"/>
-            </a:br>
-            <a:r>
-              <a:rPr lang="fr-FR" dirty="0"/>
-              <a:t>(n° vote)</a:t>
-            </a:r>
-          </a:p>
-        </p:txBody>
-      </p:sp>
-      <p:sp>
-        <p:nvSpPr>
-          <p:cNvPr id="6" name="ZoneTexte 5">
-            <a:extLst>
-              <a:ext uri="{FF2B5EF4-FFF2-40B4-BE49-F238E27FC236}">
-                <a16:creationId xmlns:a16="http://schemas.microsoft.com/office/drawing/2014/main" id="{79687EA7-FE46-A6F9-84C9-57E9FE51F90E}"/>
-              </a:ext>
-            </a:extLst>
-          </p:cNvPr>
-          <p:cNvSpPr txBox="1"/>
-          <p:nvPr/>
-        </p:nvSpPr>
-        <p:spPr>
-          <a:xfrm>
-            <a:off x="9534308" y="4277098"/>
-            <a:ext cx="1263014" cy="715089"/>
-          </a:xfrm>
-          <a:prstGeom prst="roundRect">
-            <a:avLst/>
-          </a:prstGeom>
-          <a:solidFill>
-            <a:schemeClr val="accent5">
-              <a:lumMod val="60000"/>
-              <a:lumOff val="40000"/>
-            </a:schemeClr>
-          </a:solidFill>
-        </p:spPr>
-        <p:txBody>
-          <a:bodyPr wrap="square" rtlCol="0">
-            <a:spAutoFit/>
-          </a:bodyPr>
-          <a:lstStyle/>
-          <a:p>
-            <a:r>
-              <a:rPr lang="fr-FR" dirty="0"/>
-              <a:t>Fin du scrutin</a:t>
-            </a:r>
-          </a:p>
-        </p:txBody>
-      </p:sp>
-      <p:sp>
-        <p:nvSpPr>
-          <p:cNvPr id="7" name="ZoneTexte 6">
-            <a:extLst>
-              <a:ext uri="{FF2B5EF4-FFF2-40B4-BE49-F238E27FC236}">
-                <a16:creationId xmlns:a16="http://schemas.microsoft.com/office/drawing/2014/main" id="{2F8700BD-7D46-06CA-2CB9-C5D7D43EA8CD}"/>
-              </a:ext>
-            </a:extLst>
-          </p:cNvPr>
-          <p:cNvSpPr txBox="1"/>
-          <p:nvPr/>
-        </p:nvSpPr>
-        <p:spPr>
-          <a:xfrm>
-            <a:off x="8800633" y="382590"/>
-            <a:ext cx="2601742" cy="1328023"/>
-          </a:xfrm>
-          <a:prstGeom prst="roundRect">
-            <a:avLst/>
-          </a:prstGeom>
-          <a:solidFill>
-            <a:schemeClr val="accent5">
-              <a:lumMod val="60000"/>
-              <a:lumOff val="40000"/>
-            </a:schemeClr>
-          </a:solidFill>
-        </p:spPr>
-        <p:txBody>
-          <a:bodyPr wrap="square" rtlCol="0">
-            <a:spAutoFit/>
-          </a:bodyPr>
-          <a:lstStyle/>
-          <a:p>
-            <a:r>
-              <a:rPr lang="fr-FR" dirty="0"/>
-              <a:t>Envoi du mail( relance pas </a:t>
-            </a:r>
-            <a:r>
-              <a:rPr lang="fr-FR" dirty="0" err="1"/>
-              <a:t>regenerer</a:t>
-            </a:r>
-            <a:r>
-              <a:rPr lang="fr-FR" dirty="0"/>
-              <a:t> code unique et recommence de suite)</a:t>
-            </a:r>
-          </a:p>
-        </p:txBody>
-      </p:sp>
-      <p:sp>
-        <p:nvSpPr>
-          <p:cNvPr id="8" name="ZoneTexte 7">
-            <a:extLst>
-              <a:ext uri="{FF2B5EF4-FFF2-40B4-BE49-F238E27FC236}">
-                <a16:creationId xmlns:a16="http://schemas.microsoft.com/office/drawing/2014/main" id="{FC04B9BF-2C70-1764-D944-F6B502FB06F1}"/>
-              </a:ext>
-            </a:extLst>
-          </p:cNvPr>
-          <p:cNvSpPr txBox="1"/>
-          <p:nvPr/>
-        </p:nvSpPr>
-        <p:spPr>
-          <a:xfrm>
-            <a:off x="6565937" y="1413305"/>
-            <a:ext cx="1211580" cy="369332"/>
+            <a:off x="252354" y="10162309"/>
+            <a:ext cx="11757871" cy="2265218"/>
           </a:xfrm>
           <a:prstGeom prst="rect">
             <a:avLst/>
           </a:prstGeom>
           <a:solidFill>
-            <a:schemeClr val="accent2">
-              <a:lumMod val="75000"/>
+            <a:srgbClr val="F9A959"/>
+          </a:solidFill>
+        </p:spPr>
+        <p:style>
+          <a:lnRef idx="2">
+            <a:schemeClr val="accent1">
+              <a:shade val="15000"/>
             </a:schemeClr>
-          </a:solidFill>
-        </p:spPr>
-        <p:txBody>
-          <a:bodyPr wrap="square" rtlCol="0">
-            <a:spAutoFit/>
-          </a:bodyPr>
-          <a:lstStyle/>
-          <a:p>
-            <a:r>
-              <a:rPr lang="fr-FR" dirty="0"/>
-              <a:t>Nb votants</a:t>
-            </a:r>
-          </a:p>
-        </p:txBody>
-      </p:sp>
-      <p:sp>
-        <p:nvSpPr>
-          <p:cNvPr id="9" name="ZoneTexte 8">
+          </a:lnRef>
+          <a:fillRef idx="1">
+            <a:schemeClr val="accent1"/>
+          </a:fillRef>
+          <a:effectRef idx="0">
+            <a:schemeClr val="accent1"/>
+          </a:effectRef>
+          <a:fontRef idx="minor">
+            <a:schemeClr val="lt1"/>
+          </a:fontRef>
+        </p:style>
+        <p:txBody>
+          <a:bodyPr rtlCol="0" anchor="ctr"/>
+          <a:lstStyle/>
+          <a:p>
+            <a:pPr algn="ctr"/>
+            <a:endParaRPr lang="fr-FR"/>
+          </a:p>
+        </p:txBody>
+      </p:sp>
+      <p:sp>
+        <p:nvSpPr>
+          <p:cNvPr id="14" name="Rectangle 13">
             <a:extLst>
               <a:ext uri="{FF2B5EF4-FFF2-40B4-BE49-F238E27FC236}">
-                <a16:creationId xmlns:a16="http://schemas.microsoft.com/office/drawing/2014/main" id="{60E7AF34-93F4-CE03-591A-5EBA2EBC975E}"/>
+                <a16:creationId xmlns:a16="http://schemas.microsoft.com/office/drawing/2014/main" id="{EFE139DC-415B-1800-1DAA-BEFEE40E730C}"/>
               </a:ext>
             </a:extLst>
           </p:cNvPr>
-          <p:cNvSpPr txBox="1"/>
+          <p:cNvSpPr/>
           <p:nvPr/>
         </p:nvSpPr>
         <p:spPr>
           <a:xfrm>
-            <a:off x="6096000" y="2709760"/>
-            <a:ext cx="1905962" cy="369332"/>
+            <a:off x="252354" y="7897091"/>
+            <a:ext cx="11757871" cy="2265218"/>
           </a:xfrm>
           <a:prstGeom prst="rect">
             <a:avLst/>
           </a:prstGeom>
           <a:solidFill>
-            <a:schemeClr val="accent2">
-              <a:lumMod val="75000"/>
+            <a:srgbClr val="70E2CF"/>
+          </a:solidFill>
+        </p:spPr>
+        <p:style>
+          <a:lnRef idx="2">
+            <a:schemeClr val="accent1">
+              <a:shade val="15000"/>
             </a:schemeClr>
-          </a:solidFill>
-        </p:spPr>
-        <p:txBody>
-          <a:bodyPr wrap="square" rtlCol="0">
-            <a:spAutoFit/>
-          </a:bodyPr>
-          <a:lstStyle/>
-          <a:p>
-            <a:r>
-              <a:rPr lang="fr-FR" dirty="0"/>
-              <a:t>Résultats vote</a:t>
-            </a:r>
+          </a:lnRef>
+          <a:fillRef idx="1">
+            <a:schemeClr val="accent1"/>
+          </a:fillRef>
+          <a:effectRef idx="0">
+            <a:schemeClr val="accent1"/>
+          </a:effectRef>
+          <a:fontRef idx="minor">
+            <a:schemeClr val="lt1"/>
+          </a:fontRef>
+        </p:style>
+        <p:txBody>
+          <a:bodyPr rtlCol="0" anchor="ctr"/>
+          <a:lstStyle/>
+          <a:p>
+            <a:pPr algn="ctr"/>
+            <a:endParaRPr lang="fr-FR"/>
           </a:p>
         </p:txBody>
       </p:sp>
@@ -4039,8 +3540,8 @@
         </p:nvSpPr>
         <p:spPr>
           <a:xfrm>
-            <a:off x="158118" y="125730"/>
-            <a:ext cx="11875764" cy="369332"/>
+            <a:off x="0" y="0"/>
+            <a:ext cx="12192000" cy="276999"/>
           </a:xfrm>
           <a:prstGeom prst="rect">
             <a:avLst/>
@@ -4053,9 +3554,8 @@
           </a:bodyPr>
           <a:lstStyle/>
           <a:p>
-            <a:pPr algn="ctr"/>
-            <a:r>
-              <a:rPr lang="fr-FR" dirty="0"/>
+            <a:r>
+              <a:rPr lang="fr-FR" sz="1200" dirty="0"/>
               <a:t>Dashboard admin</a:t>
             </a:r>
           </a:p>
@@ -4063,10 +3563,105 @@
       </p:sp>
       <p:sp>
         <p:nvSpPr>
-          <p:cNvPr id="12" name="ZoneTexte 11">
+          <p:cNvPr id="3" name="Rectangle 2">
             <a:extLst>
               <a:ext uri="{FF2B5EF4-FFF2-40B4-BE49-F238E27FC236}">
-                <a16:creationId xmlns:a16="http://schemas.microsoft.com/office/drawing/2014/main" id="{3B53D4C4-999A-E9AC-4A73-3D5A03A30952}"/>
+                <a16:creationId xmlns:a16="http://schemas.microsoft.com/office/drawing/2014/main" id="{CE39C151-D5CC-B8DF-1B57-825AAD3A5F1A}"/>
+              </a:ext>
+            </a:extLst>
+          </p:cNvPr>
+          <p:cNvSpPr/>
+          <p:nvPr/>
+        </p:nvSpPr>
+        <p:spPr>
+          <a:xfrm>
+            <a:off x="252354" y="1162050"/>
+            <a:ext cx="5843646" cy="6192000"/>
+          </a:xfrm>
+          <a:prstGeom prst="rect">
+            <a:avLst/>
+          </a:prstGeom>
+          <a:solidFill>
+            <a:srgbClr val="FFFF00"/>
+          </a:solidFill>
+        </p:spPr>
+        <p:style>
+          <a:lnRef idx="2">
+            <a:schemeClr val="accent1">
+              <a:shade val="15000"/>
+            </a:schemeClr>
+          </a:lnRef>
+          <a:fillRef idx="1">
+            <a:schemeClr val="accent1"/>
+          </a:fillRef>
+          <a:effectRef idx="0">
+            <a:schemeClr val="accent1"/>
+          </a:effectRef>
+          <a:fontRef idx="minor">
+            <a:schemeClr val="lt1"/>
+          </a:fontRef>
+        </p:style>
+        <p:txBody>
+          <a:bodyPr rtlCol="0" anchor="ctr"/>
+          <a:lstStyle/>
+          <a:p>
+            <a:pPr algn="ctr"/>
+            <a:endParaRPr lang="fr-FR"/>
+          </a:p>
+        </p:txBody>
+      </p:sp>
+      <p:sp>
+        <p:nvSpPr>
+          <p:cNvPr id="13" name="Rectangle 12">
+            <a:extLst>
+              <a:ext uri="{FF2B5EF4-FFF2-40B4-BE49-F238E27FC236}">
+                <a16:creationId xmlns:a16="http://schemas.microsoft.com/office/drawing/2014/main" id="{CE9A4BFB-A176-7BED-29B0-25499FB59026}"/>
+              </a:ext>
+            </a:extLst>
+          </p:cNvPr>
+          <p:cNvSpPr/>
+          <p:nvPr/>
+        </p:nvSpPr>
+        <p:spPr>
+          <a:xfrm>
+            <a:off x="6354292" y="1162050"/>
+            <a:ext cx="5655933" cy="6192000"/>
+          </a:xfrm>
+          <a:prstGeom prst="rect">
+            <a:avLst/>
+          </a:prstGeom>
+        </p:spPr>
+        <p:style>
+          <a:lnRef idx="2">
+            <a:schemeClr val="accent1">
+              <a:shade val="15000"/>
+            </a:schemeClr>
+          </a:lnRef>
+          <a:fillRef idx="1">
+            <a:schemeClr val="accent1"/>
+          </a:fillRef>
+          <a:effectRef idx="0">
+            <a:schemeClr val="accent1"/>
+          </a:effectRef>
+          <a:fontRef idx="minor">
+            <a:schemeClr val="lt1"/>
+          </a:fontRef>
+        </p:style>
+        <p:txBody>
+          <a:bodyPr rtlCol="0" anchor="ctr"/>
+          <a:lstStyle/>
+          <a:p>
+            <a:pPr algn="ctr"/>
+            <a:endParaRPr lang="fr-FR"/>
+          </a:p>
+        </p:txBody>
+      </p:sp>
+      <p:sp>
+        <p:nvSpPr>
+          <p:cNvPr id="24" name="ZoneTexte 23">
+            <a:extLst>
+              <a:ext uri="{FF2B5EF4-FFF2-40B4-BE49-F238E27FC236}">
+                <a16:creationId xmlns:a16="http://schemas.microsoft.com/office/drawing/2014/main" id="{7E761811-639A-9523-B24E-580BDB77E048}"/>
               </a:ext>
             </a:extLst>
           </p:cNvPr>
@@ -4075,22 +3670,13 @@
         </p:nvSpPr>
         <p:spPr>
           <a:xfrm>
-            <a:off x="318547" y="794075"/>
-            <a:ext cx="5224275" cy="5909310"/>
+            <a:off x="3926532" y="249677"/>
+            <a:ext cx="4338937" cy="369332"/>
           </a:xfrm>
           <a:prstGeom prst="rect">
             <a:avLst/>
           </a:prstGeom>
-          <a:solidFill>
-            <a:schemeClr val="accent6">
-              <a:lumMod val="75000"/>
-            </a:schemeClr>
-          </a:solidFill>
-          <a:ln>
-            <a:solidFill>
-              <a:schemeClr val="tx1"/>
-            </a:solidFill>
-          </a:ln>
+          <a:noFill/>
         </p:spPr>
         <p:txBody>
           <a:bodyPr wrap="square" rtlCol="0">
@@ -4100,77 +3686,17 @@
           <a:p>
             <a:r>
               <a:rPr lang="fr-FR" dirty="0"/>
-              <a:t>Formulaire</a:t>
-            </a:r>
-          </a:p>
-          <a:p>
-            <a:endParaRPr lang="fr-FR" dirty="0"/>
-          </a:p>
-          <a:p>
-            <a:endParaRPr lang="fr-FR" dirty="0"/>
-          </a:p>
-          <a:p>
-            <a:endParaRPr lang="fr-FR" dirty="0"/>
-          </a:p>
-          <a:p>
-            <a:endParaRPr lang="fr-FR" dirty="0"/>
-          </a:p>
-          <a:p>
-            <a:endParaRPr lang="fr-FR" dirty="0"/>
-          </a:p>
-          <a:p>
-            <a:endParaRPr lang="fr-FR" dirty="0"/>
-          </a:p>
-          <a:p>
-            <a:endParaRPr lang="fr-FR" dirty="0"/>
-          </a:p>
-          <a:p>
-            <a:endParaRPr lang="fr-FR" dirty="0"/>
-          </a:p>
-          <a:p>
-            <a:endParaRPr lang="fr-FR" dirty="0"/>
-          </a:p>
-          <a:p>
-            <a:endParaRPr lang="fr-FR" dirty="0"/>
-          </a:p>
-          <a:p>
-            <a:endParaRPr lang="fr-FR" dirty="0"/>
-          </a:p>
-          <a:p>
-            <a:endParaRPr lang="fr-FR" dirty="0"/>
-          </a:p>
-          <a:p>
-            <a:endParaRPr lang="fr-FR" dirty="0"/>
-          </a:p>
-          <a:p>
-            <a:endParaRPr lang="fr-FR" dirty="0"/>
-          </a:p>
-          <a:p>
-            <a:endParaRPr lang="fr-FR" dirty="0"/>
-          </a:p>
-          <a:p>
-            <a:endParaRPr lang="fr-FR" dirty="0"/>
-          </a:p>
-          <a:p>
-            <a:endParaRPr lang="fr-FR" dirty="0"/>
-          </a:p>
-          <a:p>
-            <a:endParaRPr lang="fr-FR" dirty="0"/>
-          </a:p>
-          <a:p>
-            <a:endParaRPr lang="fr-FR" dirty="0"/>
-          </a:p>
-          <a:p>
-            <a:endParaRPr lang="fr-FR" dirty="0"/>
-          </a:p>
-        </p:txBody>
-      </p:sp>
-      <p:sp>
-        <p:nvSpPr>
-          <p:cNvPr id="14" name="ZoneTexte 13">
+              <a:t>Création de session d’élection des délégués</a:t>
+            </a:r>
+          </a:p>
+        </p:txBody>
+      </p:sp>
+      <p:sp>
+        <p:nvSpPr>
+          <p:cNvPr id="2" name="ZoneTexte 1">
             <a:extLst>
               <a:ext uri="{FF2B5EF4-FFF2-40B4-BE49-F238E27FC236}">
-                <a16:creationId xmlns:a16="http://schemas.microsoft.com/office/drawing/2014/main" id="{D913B836-BDB7-7E0E-3518-02BC9E41BCA9}"/>
+                <a16:creationId xmlns:a16="http://schemas.microsoft.com/office/drawing/2014/main" id="{2CC9FEAF-992D-8CED-149A-6462E2FD0B7E}"/>
               </a:ext>
             </a:extLst>
           </p:cNvPr>
@@ -4179,53 +3705,33 @@
         </p:nvSpPr>
         <p:spPr>
           <a:xfrm>
-            <a:off x="318547" y="2684978"/>
-            <a:ext cx="5224275" cy="1477328"/>
+            <a:off x="8226989" y="3632106"/>
+            <a:ext cx="2121948" cy="369332"/>
           </a:xfrm>
           <a:prstGeom prst="rect">
             <a:avLst/>
           </a:prstGeom>
           <a:noFill/>
-          <a:ln>
-            <a:solidFill>
-              <a:schemeClr val="tx1"/>
-            </a:solidFill>
-          </a:ln>
-        </p:spPr>
-        <p:txBody>
-          <a:bodyPr wrap="square">
+        </p:spPr>
+        <p:txBody>
+          <a:bodyPr wrap="square" rtlCol="0">
             <a:spAutoFit/>
           </a:bodyPr>
           <a:lstStyle/>
           <a:p>
             <a:r>
               <a:rPr lang="fr-FR" dirty="0"/>
-              <a:t>stagiaires adresse mail </a:t>
-            </a:r>
-          </a:p>
-          <a:p>
-            <a:r>
-              <a:rPr lang="fr-FR" dirty="0"/>
-              <a:t>( génération code unique à l’envoi du mail)</a:t>
-            </a:r>
-          </a:p>
-          <a:p>
-            <a:endParaRPr lang="fr-FR" dirty="0"/>
-          </a:p>
-          <a:p>
-            <a:endParaRPr lang="fr-FR" dirty="0"/>
-          </a:p>
-          <a:p>
-            <a:endParaRPr lang="fr-FR" dirty="0"/>
-          </a:p>
-        </p:txBody>
-      </p:sp>
-      <p:sp>
-        <p:nvSpPr>
-          <p:cNvPr id="15" name="ZoneTexte 14">
+              <a:t>Liste des candidats</a:t>
+            </a:r>
+          </a:p>
+        </p:txBody>
+      </p:sp>
+      <p:sp>
+        <p:nvSpPr>
+          <p:cNvPr id="12" name="ZoneTexte 11">
             <a:extLst>
               <a:ext uri="{FF2B5EF4-FFF2-40B4-BE49-F238E27FC236}">
-                <a16:creationId xmlns:a16="http://schemas.microsoft.com/office/drawing/2014/main" id="{F354ED38-2AAB-0078-67F4-151149A1B8AE}"/>
+                <a16:creationId xmlns:a16="http://schemas.microsoft.com/office/drawing/2014/main" id="{1A6933D2-4DA7-1F53-2F14-5A782CB4C3EE}"/>
               </a:ext>
             </a:extLst>
           </p:cNvPr>
@@ -4234,17 +3740,13 @@
         </p:nvSpPr>
         <p:spPr>
           <a:xfrm>
-            <a:off x="6940856" y="5663122"/>
-            <a:ext cx="5069370" cy="923330"/>
+            <a:off x="1881250" y="3816772"/>
+            <a:ext cx="2045282" cy="369332"/>
           </a:xfrm>
           <a:prstGeom prst="rect">
             <a:avLst/>
           </a:prstGeom>
-          <a:solidFill>
-            <a:schemeClr val="accent2">
-              <a:lumMod val="75000"/>
-            </a:schemeClr>
-          </a:solidFill>
+          <a:noFill/>
         </p:spPr>
         <p:txBody>
           <a:bodyPr wrap="square" rtlCol="0">
@@ -4254,73 +3756,17 @@
           <a:p>
             <a:r>
               <a:rPr lang="fr-FR" dirty="0"/>
-              <a:t>Résultats final (</a:t>
-            </a:r>
-            <a:r>
-              <a:rPr lang="fr-FR" dirty="0" err="1"/>
-              <a:t>enr</a:t>
-            </a:r>
-            <a:r>
-              <a:rPr lang="fr-FR" dirty="0"/>
-              <a:t> </a:t>
-            </a:r>
-            <a:r>
-              <a:rPr lang="fr-FR" dirty="0" err="1"/>
-              <a:t>ds</a:t>
-            </a:r>
-            <a:r>
-              <a:rPr lang="fr-FR" dirty="0"/>
-              <a:t> </a:t>
-            </a:r>
-            <a:r>
-              <a:rPr lang="fr-FR" dirty="0" err="1"/>
-              <a:t>bdd</a:t>
-            </a:r>
-            <a:r>
-              <a:rPr lang="fr-FR" dirty="0"/>
-              <a:t> nom </a:t>
-            </a:r>
-            <a:r>
-              <a:rPr lang="fr-FR" dirty="0" err="1"/>
-              <a:t>prenom</a:t>
-            </a:r>
-            <a:r>
-              <a:rPr lang="fr-FR" dirty="0"/>
-              <a:t> candidat </a:t>
-            </a:r>
-            <a:r>
-              <a:rPr lang="fr-FR" dirty="0" err="1"/>
-              <a:t>elus</a:t>
-            </a:r>
-            <a:r>
-              <a:rPr lang="fr-FR" dirty="0"/>
-              <a:t> + suppression des données stagiaire </a:t>
-            </a:r>
-            <a:r>
-              <a:rPr lang="fr-FR" dirty="0" err="1"/>
-              <a:t>apres</a:t>
-            </a:r>
-            <a:r>
-              <a:rPr lang="fr-FR" dirty="0"/>
-              <a:t> </a:t>
-            </a:r>
-            <a:r>
-              <a:rPr lang="fr-FR" dirty="0" err="1"/>
-              <a:t>xtemps</a:t>
-            </a:r>
-            <a:r>
-              <a:rPr lang="fr-FR" dirty="0"/>
-              <a:t>)</a:t>
-            </a:r>
-          </a:p>
-        </p:txBody>
-      </p:sp>
-      <p:sp>
-        <p:nvSpPr>
-          <p:cNvPr id="2" name="ZoneTexte 1">
+              <a:t>Liste des Stagiaires</a:t>
+            </a:r>
+          </a:p>
+        </p:txBody>
+      </p:sp>
+      <p:sp>
+        <p:nvSpPr>
+          <p:cNvPr id="18" name="ZoneTexte 17">
             <a:extLst>
               <a:ext uri="{FF2B5EF4-FFF2-40B4-BE49-F238E27FC236}">
-                <a16:creationId xmlns:a16="http://schemas.microsoft.com/office/drawing/2014/main" id="{331CF11D-2BC7-4B93-9996-B33788804867}"/>
+                <a16:creationId xmlns:a16="http://schemas.microsoft.com/office/drawing/2014/main" id="{6B53CDB4-A34B-52CC-09B4-2EF79BA1CF14}"/>
               </a:ext>
             </a:extLst>
           </p:cNvPr>
@@ -4329,18 +3775,13 @@
         </p:nvSpPr>
         <p:spPr>
           <a:xfrm>
-            <a:off x="344165" y="4327684"/>
-            <a:ext cx="5191814" cy="2031325"/>
+            <a:off x="3879706" y="8239101"/>
+            <a:ext cx="4432588" cy="1354217"/>
           </a:xfrm>
           <a:prstGeom prst="rect">
             <a:avLst/>
           </a:prstGeom>
           <a:noFill/>
-          <a:ln>
-            <a:solidFill>
-              <a:schemeClr val="tx1"/>
-            </a:solidFill>
-          </a:ln>
         </p:spPr>
         <p:txBody>
           <a:bodyPr wrap="square" rtlCol="0">
@@ -4349,51 +3790,39 @@
           <a:lstStyle/>
           <a:p>
             <a:r>
-              <a:rPr lang="fr-FR" dirty="0"/>
-              <a:t>Formulaire scrutin </a:t>
-            </a:r>
-          </a:p>
-          <a:p>
-            <a:r>
-              <a:rPr lang="fr-FR" dirty="0"/>
-              <a:t>(notamment date heure)</a:t>
-            </a:r>
-          </a:p>
-          <a:p>
-            <a:r>
-              <a:rPr lang="fr-FR" dirty="0" err="1"/>
-              <a:t>Dxkdclfvbkjn</a:t>
-            </a:r>
-            <a:endParaRPr lang="fr-FR" dirty="0"/>
-          </a:p>
-          <a:p>
-            <a:r>
-              <a:rPr lang="fr-FR" dirty="0" err="1"/>
-              <a:t>Vxgdtkryty</a:t>
-            </a:r>
-            <a:endParaRPr lang="fr-FR" dirty="0"/>
-          </a:p>
-          <a:p>
-            <a:r>
-              <a:rPr lang="fr-FR" dirty="0" err="1"/>
-              <a:t>gvjbhk</a:t>
-            </a:r>
-            <a:endParaRPr lang="fr-FR" dirty="0"/>
-          </a:p>
-          <a:p>
-            <a:endParaRPr lang="fr-FR" dirty="0"/>
-          </a:p>
-          <a:p>
-            <a:endParaRPr lang="fr-FR" dirty="0"/>
-          </a:p>
-        </p:txBody>
-      </p:sp>
-      <p:sp>
-        <p:nvSpPr>
-          <p:cNvPr id="18" name="ZoneTexte 17">
+              <a:rPr lang="fr-FR" sz="1600" dirty="0"/>
+              <a:t>Fenêtre de visualisation des informations de vote : </a:t>
+            </a:r>
+          </a:p>
+          <a:p>
+            <a:endParaRPr lang="fr-FR" sz="1600" dirty="0"/>
+          </a:p>
+          <a:p>
+            <a:r>
+              <a:rPr lang="fr-FR" sz="1600" dirty="0"/>
+              <a:t>Nb Votants</a:t>
+            </a:r>
+          </a:p>
+          <a:p>
+            <a:r>
+              <a:rPr lang="fr-FR" sz="1600" dirty="0"/>
+              <a:t>Résultat des votes</a:t>
+            </a:r>
+          </a:p>
+          <a:p>
+            <a:r>
+              <a:rPr lang="fr-FR" sz="1600" dirty="0"/>
+              <a:t>Résultats finaux</a:t>
+            </a:r>
+          </a:p>
+        </p:txBody>
+      </p:sp>
+      <p:sp>
+        <p:nvSpPr>
+          <p:cNvPr id="25" name="ZoneTexte 24">
             <a:extLst>
               <a:ext uri="{FF2B5EF4-FFF2-40B4-BE49-F238E27FC236}">
-                <a16:creationId xmlns:a16="http://schemas.microsoft.com/office/drawing/2014/main" id="{3C20EE33-FA41-D569-90F5-EAC79C748BC7}"/>
+                <a16:creationId xmlns:a16="http://schemas.microsoft.com/office/drawing/2014/main" id="{952F840B-0FE0-2C5B-5CD4-B5B3F53732EE}"/>
               </a:ext>
             </a:extLst>
           </p:cNvPr>
@@ -4402,18 +3831,13 @@
         </p:nvSpPr>
         <p:spPr>
           <a:xfrm>
-            <a:off x="344165" y="1186888"/>
-            <a:ext cx="5224275" cy="3139321"/>
+            <a:off x="3774276" y="10633198"/>
+            <a:ext cx="4643447" cy="1323439"/>
           </a:xfrm>
           <a:prstGeom prst="rect">
             <a:avLst/>
           </a:prstGeom>
           <a:noFill/>
-          <a:ln>
-            <a:solidFill>
-              <a:schemeClr val="tx1"/>
-            </a:solidFill>
-          </a:ln>
         </p:spPr>
         <p:txBody>
           <a:bodyPr wrap="square" rtlCol="0">
@@ -4422,104 +3846,32 @@
           <a:lstStyle/>
           <a:p>
             <a:r>
-              <a:rPr lang="fr-FR" dirty="0"/>
-              <a:t>ajout candidat</a:t>
-            </a:r>
-          </a:p>
-          <a:p>
-            <a:r>
-              <a:rPr lang="fr-FR" dirty="0" err="1"/>
-              <a:t>Blabla</a:t>
-            </a:r>
-            <a:endParaRPr lang="fr-FR" dirty="0"/>
-          </a:p>
-          <a:p>
-            <a:r>
-              <a:rPr lang="fr-FR" dirty="0"/>
-              <a:t>Bla</a:t>
-            </a:r>
-          </a:p>
-          <a:p>
-            <a:r>
-              <a:rPr lang="fr-FR" dirty="0"/>
-              <a:t>Lb</a:t>
-            </a:r>
-          </a:p>
-          <a:p>
-            <a:r>
-              <a:rPr lang="fr-FR" dirty="0" err="1"/>
-              <a:t>labvyuegiufhi</a:t>
-            </a:r>
-            <a:endParaRPr lang="fr-FR" dirty="0"/>
-          </a:p>
-          <a:p>
-            <a:endParaRPr lang="fr-FR" dirty="0"/>
-          </a:p>
-          <a:p>
-            <a:endParaRPr lang="fr-FR" dirty="0"/>
-          </a:p>
-          <a:p>
-            <a:endParaRPr lang="fr-FR" dirty="0"/>
-          </a:p>
-          <a:p>
-            <a:r>
-              <a:rPr lang="fr-FR" dirty="0" err="1"/>
-              <a:t>Nbhgvfctrydtfulgyh</a:t>
-            </a:r>
-            <a:endParaRPr lang="fr-FR" dirty="0"/>
-          </a:p>
-          <a:p>
-            <a:r>
-              <a:rPr lang="fr-FR" dirty="0" err="1"/>
-              <a:t>Bvgcfrdtf</a:t>
-            </a:r>
-            <a:endParaRPr lang="fr-FR" dirty="0"/>
-          </a:p>
-          <a:p>
-            <a:r>
-              <a:rPr lang="fr-FR" dirty="0" err="1"/>
-              <a:t>ghuilj</a:t>
-            </a:r>
-            <a:endParaRPr lang="fr-FR" dirty="0"/>
-          </a:p>
-        </p:txBody>
-      </p:sp>
-      <p:sp>
-        <p:nvSpPr>
-          <p:cNvPr id="19" name="ZoneTexte 18">
-            <a:extLst>
-              <a:ext uri="{FF2B5EF4-FFF2-40B4-BE49-F238E27FC236}">
-                <a16:creationId xmlns:a16="http://schemas.microsoft.com/office/drawing/2014/main" id="{969468DD-535B-DE07-6997-580EE00AF9AB}"/>
-              </a:ext>
-            </a:extLst>
-          </p:cNvPr>
-          <p:cNvSpPr txBox="1"/>
-          <p:nvPr/>
-        </p:nvSpPr>
-        <p:spPr>
-          <a:xfrm>
-            <a:off x="531278" y="5848897"/>
-            <a:ext cx="1440180" cy="408623"/>
-          </a:xfrm>
-          <a:prstGeom prst="roundRect">
-            <a:avLst/>
-          </a:prstGeom>
-          <a:solidFill>
-            <a:schemeClr val="accent5">
-              <a:lumMod val="60000"/>
-              <a:lumOff val="40000"/>
-            </a:schemeClr>
-          </a:solidFill>
-        </p:spPr>
-        <p:txBody>
-          <a:bodyPr wrap="square" rtlCol="0">
-            <a:spAutoFit/>
-          </a:bodyPr>
-          <a:lstStyle/>
-          <a:p>
-            <a:r>
-              <a:rPr lang="fr-FR" dirty="0"/>
+              <a:rPr lang="fr-FR" sz="1600" dirty="0"/>
+              <a:t>Fenêtre de boutons de gestion des votes et scrutins :</a:t>
+            </a:r>
+          </a:p>
+          <a:p>
+            <a:r>
+              <a:rPr lang="fr-FR" sz="1600" dirty="0"/>
+              <a:t>Lancement du vote</a:t>
+            </a:r>
+          </a:p>
+          <a:p>
+            <a:r>
+              <a:rPr lang="fr-FR" sz="1600" dirty="0"/>
               <a:t>Fin du vote</a:t>
+            </a:r>
+          </a:p>
+          <a:p>
+            <a:r>
+              <a:rPr lang="fr-FR" sz="1600" dirty="0"/>
+              <a:t>Relance du vote (=&gt; Envoi du mail)</a:t>
+            </a:r>
+          </a:p>
+          <a:p>
+            <a:r>
+              <a:rPr lang="fr-FR" sz="1600" dirty="0"/>
+              <a:t>Fin du scrutin (=&gt; Envoi du mail)</a:t>
             </a:r>
           </a:p>
         </p:txBody>
@@ -4540,6 +3892,17 @@
 <file path=ppt/slides/slide2.xml><?xml version="1.0" encoding="utf-8"?>
 <p:sld xmlns:a="http://schemas.openxmlformats.org/drawingml/2006/main" xmlns:r="http://schemas.openxmlformats.org/officeDocument/2006/relationships" xmlns:p="http://schemas.openxmlformats.org/presentationml/2006/main">
   <p:cSld>
+    <p:bg>
+      <p:bgPr>
+        <a:solidFill>
+          <a:schemeClr val="accent4">
+            <a:lumMod val="20000"/>
+            <a:lumOff val="80000"/>
+          </a:schemeClr>
+        </a:solidFill>
+        <a:effectLst/>
+      </p:bgPr>
+    </p:bg>
     <p:spTree>
       <p:nvGrpSpPr>
         <p:cNvPr id="1" name=""/>
@@ -4556,10 +3919,10 @@
       </p:grpSpPr>
       <p:sp>
         <p:nvSpPr>
-          <p:cNvPr id="6" name="ZoneTexte 5">
+          <p:cNvPr id="2" name="ZoneTexte 1">
             <a:extLst>
               <a:ext uri="{FF2B5EF4-FFF2-40B4-BE49-F238E27FC236}">
-                <a16:creationId xmlns:a16="http://schemas.microsoft.com/office/drawing/2014/main" id="{1D7E264D-51A3-F678-10D4-B199B84ABA29}"/>
+                <a16:creationId xmlns:a16="http://schemas.microsoft.com/office/drawing/2014/main" id="{06297AA2-BBB9-B104-2CB0-931DEE3567E6}"/>
               </a:ext>
             </a:extLst>
           </p:cNvPr>
@@ -4569,7 +3932,7 @@
         <p:spPr>
           <a:xfrm>
             <a:off x="0" y="0"/>
-            <a:ext cx="2503170" cy="261610"/>
+            <a:ext cx="12192000" cy="369332"/>
           </a:xfrm>
           <a:prstGeom prst="rect">
             <a:avLst/>
@@ -4582,344 +3945,10 @@
           </a:bodyPr>
           <a:lstStyle/>
           <a:p>
-            <a:pPr algn="ctr"/>
-            <a:r>
-              <a:rPr lang="fr-FR" sz="1100" dirty="0"/>
-              <a:t>Contenu du mail demande de vote</a:t>
-            </a:r>
-          </a:p>
-        </p:txBody>
-      </p:sp>
-      <p:sp>
-        <p:nvSpPr>
-          <p:cNvPr id="7" name="ZoneTexte 6">
-            <a:extLst>
-              <a:ext uri="{FF2B5EF4-FFF2-40B4-BE49-F238E27FC236}">
-                <a16:creationId xmlns:a16="http://schemas.microsoft.com/office/drawing/2014/main" id="{767BD149-246A-42E4-308A-26D537C08CA8}"/>
-              </a:ext>
-            </a:extLst>
-          </p:cNvPr>
-          <p:cNvSpPr txBox="1"/>
-          <p:nvPr/>
-        </p:nvSpPr>
-        <p:spPr>
-          <a:xfrm>
-            <a:off x="116205" y="3687068"/>
-            <a:ext cx="11873864" cy="369332"/>
-          </a:xfrm>
-          <a:prstGeom prst="rect">
-            <a:avLst/>
-          </a:prstGeom>
-          <a:solidFill>
-            <a:schemeClr val="accent6">
-              <a:lumMod val="60000"/>
-              <a:lumOff val="40000"/>
-            </a:schemeClr>
-          </a:solidFill>
-          <a:ln>
-            <a:solidFill>
-              <a:schemeClr val="tx1"/>
-            </a:solidFill>
-          </a:ln>
-        </p:spPr>
-        <p:txBody>
-          <a:bodyPr wrap="square" rtlCol="0">
-            <a:spAutoFit/>
-          </a:bodyPr>
-          <a:lstStyle/>
-          <a:p>
             <a:r>
               <a:rPr lang="fr-FR" dirty="0"/>
-              <a:t>Informations de connexion : Date et heure du scrutin </a:t>
-            </a:r>
-          </a:p>
-        </p:txBody>
-      </p:sp>
-      <p:sp>
-        <p:nvSpPr>
-          <p:cNvPr id="8" name="ZoneTexte 7">
-            <a:extLst>
-              <a:ext uri="{FF2B5EF4-FFF2-40B4-BE49-F238E27FC236}">
-                <a16:creationId xmlns:a16="http://schemas.microsoft.com/office/drawing/2014/main" id="{47452072-A05F-878A-5044-7A5590CC9901}"/>
-              </a:ext>
-            </a:extLst>
-          </p:cNvPr>
-          <p:cNvSpPr txBox="1"/>
-          <p:nvPr/>
-        </p:nvSpPr>
-        <p:spPr>
-          <a:xfrm>
-            <a:off x="116205" y="640080"/>
-            <a:ext cx="11873865" cy="2031325"/>
-          </a:xfrm>
-          <a:prstGeom prst="rect">
-            <a:avLst/>
-          </a:prstGeom>
-          <a:solidFill>
-            <a:schemeClr val="accent5">
-              <a:lumMod val="60000"/>
-              <a:lumOff val="40000"/>
-            </a:schemeClr>
-          </a:solidFill>
-          <a:ln>
-            <a:solidFill>
-              <a:schemeClr val="tx1"/>
-            </a:solidFill>
-          </a:ln>
-        </p:spPr>
-        <p:txBody>
-          <a:bodyPr wrap="square" rtlCol="0">
-            <a:spAutoFit/>
-          </a:bodyPr>
-          <a:lstStyle/>
-          <a:p>
-            <a:r>
-              <a:rPr lang="fr-FR" dirty="0"/>
-              <a:t>Corps du mail</a:t>
-            </a:r>
-          </a:p>
-          <a:p>
-            <a:endParaRPr lang="fr-FR" dirty="0"/>
-          </a:p>
-          <a:p>
-            <a:endParaRPr lang="fr-FR" dirty="0"/>
-          </a:p>
-          <a:p>
-            <a:endParaRPr lang="fr-FR" dirty="0"/>
-          </a:p>
-          <a:p>
-            <a:endParaRPr lang="fr-FR" dirty="0"/>
-          </a:p>
-          <a:p>
-            <a:endParaRPr lang="fr-FR" dirty="0"/>
-          </a:p>
-          <a:p>
-            <a:r>
-              <a:rPr lang="fr-FR" dirty="0"/>
-              <a:t> </a:t>
-            </a:r>
-          </a:p>
-        </p:txBody>
-      </p:sp>
-      <p:sp>
-        <p:nvSpPr>
-          <p:cNvPr id="9" name="ZoneTexte 8">
-            <a:extLst>
-              <a:ext uri="{FF2B5EF4-FFF2-40B4-BE49-F238E27FC236}">
-                <a16:creationId xmlns:a16="http://schemas.microsoft.com/office/drawing/2014/main" id="{3EBC531B-E892-5204-3F75-E4C49794087F}"/>
-              </a:ext>
-            </a:extLst>
-          </p:cNvPr>
-          <p:cNvSpPr txBox="1"/>
-          <p:nvPr/>
-        </p:nvSpPr>
-        <p:spPr>
-          <a:xfrm>
-            <a:off x="116205" y="2671405"/>
-            <a:ext cx="11873865" cy="646331"/>
-          </a:xfrm>
-          <a:prstGeom prst="rect">
-            <a:avLst/>
-          </a:prstGeom>
-          <a:solidFill>
-            <a:srgbClr val="7030A0"/>
-          </a:solidFill>
-          <a:ln>
-            <a:solidFill>
-              <a:schemeClr val="tx1"/>
-            </a:solidFill>
-          </a:ln>
-        </p:spPr>
-        <p:txBody>
-          <a:bodyPr wrap="square" rtlCol="0">
-            <a:spAutoFit/>
-          </a:bodyPr>
-          <a:lstStyle/>
-          <a:p>
-            <a:r>
-              <a:rPr lang="fr-FR" u="sng" dirty="0"/>
-              <a:t>Lien vers apps de vote </a:t>
-            </a:r>
-          </a:p>
-          <a:p>
-            <a:endParaRPr lang="fr-FR" dirty="0"/>
-          </a:p>
-        </p:txBody>
-      </p:sp>
-      <p:sp>
-        <p:nvSpPr>
-          <p:cNvPr id="10" name="ZoneTexte 9">
-            <a:extLst>
-              <a:ext uri="{FF2B5EF4-FFF2-40B4-BE49-F238E27FC236}">
-                <a16:creationId xmlns:a16="http://schemas.microsoft.com/office/drawing/2014/main" id="{06FD4BD0-21CE-86AF-EC79-5715C4AEF93B}"/>
-              </a:ext>
-            </a:extLst>
-          </p:cNvPr>
-          <p:cNvSpPr txBox="1"/>
-          <p:nvPr/>
-        </p:nvSpPr>
-        <p:spPr>
-          <a:xfrm>
-            <a:off x="116205" y="3317736"/>
-            <a:ext cx="11873864" cy="369332"/>
-          </a:xfrm>
-          <a:prstGeom prst="rect">
-            <a:avLst/>
-          </a:prstGeom>
-          <a:solidFill>
-            <a:schemeClr val="accent4">
-              <a:lumMod val="60000"/>
-              <a:lumOff val="40000"/>
-            </a:schemeClr>
-          </a:solidFill>
-          <a:ln>
-            <a:solidFill>
-              <a:schemeClr val="tx1"/>
-            </a:solidFill>
-          </a:ln>
-        </p:spPr>
-        <p:txBody>
-          <a:bodyPr wrap="square" rtlCol="0">
-            <a:spAutoFit/>
-          </a:bodyPr>
-          <a:lstStyle/>
-          <a:p>
-            <a:r>
-              <a:rPr lang="fr-FR" dirty="0"/>
-              <a:t>Code unique </a:t>
-            </a:r>
-          </a:p>
-        </p:txBody>
-      </p:sp>
-      <p:sp>
-        <p:nvSpPr>
-          <p:cNvPr id="14" name="ZoneTexte 13">
-            <a:extLst>
-              <a:ext uri="{FF2B5EF4-FFF2-40B4-BE49-F238E27FC236}">
-                <a16:creationId xmlns:a16="http://schemas.microsoft.com/office/drawing/2014/main" id="{7CC5B887-1B85-E80A-EAFE-758DCA0D230C}"/>
-              </a:ext>
-            </a:extLst>
-          </p:cNvPr>
-          <p:cNvSpPr txBox="1"/>
-          <p:nvPr/>
-        </p:nvSpPr>
-        <p:spPr>
-          <a:xfrm>
-            <a:off x="116204" y="4056400"/>
-            <a:ext cx="11873865" cy="2031325"/>
-          </a:xfrm>
-          <a:prstGeom prst="rect">
-            <a:avLst/>
-          </a:prstGeom>
-          <a:solidFill>
-            <a:schemeClr val="accent5">
-              <a:lumMod val="60000"/>
-              <a:lumOff val="40000"/>
-            </a:schemeClr>
-          </a:solidFill>
-          <a:ln>
-            <a:solidFill>
-              <a:schemeClr val="tx1"/>
-            </a:solidFill>
-          </a:ln>
-        </p:spPr>
-        <p:txBody>
-          <a:bodyPr wrap="square" rtlCol="0">
-            <a:spAutoFit/>
-          </a:bodyPr>
-          <a:lstStyle/>
-          <a:p>
-            <a:r>
-              <a:rPr lang="fr-FR" dirty="0"/>
-              <a:t>Fin du mail</a:t>
-            </a:r>
-          </a:p>
-          <a:p>
-            <a:endParaRPr lang="fr-FR" dirty="0"/>
-          </a:p>
-          <a:p>
-            <a:endParaRPr lang="fr-FR" dirty="0"/>
-          </a:p>
-          <a:p>
-            <a:endParaRPr lang="fr-FR" dirty="0"/>
-          </a:p>
-          <a:p>
-            <a:endParaRPr lang="fr-FR" dirty="0"/>
-          </a:p>
-          <a:p>
-            <a:endParaRPr lang="fr-FR" dirty="0"/>
-          </a:p>
-          <a:p>
-            <a:r>
-              <a:rPr lang="fr-FR" dirty="0"/>
-              <a:t> </a:t>
-            </a:r>
-          </a:p>
-        </p:txBody>
-      </p:sp>
-    </p:spTree>
-    <p:extLst>
-      <p:ext uri="{BB962C8B-B14F-4D97-AF65-F5344CB8AC3E}">
-        <p14:creationId xmlns:p14="http://schemas.microsoft.com/office/powerpoint/2010/main" val="5476881"/>
-      </p:ext>
-    </p:extLst>
-  </p:cSld>
-  <p:clrMapOvr>
-    <a:masterClrMapping/>
-  </p:clrMapOvr>
-</p:sld>
-</file>
-
-<file path=ppt/slides/slide3.xml><?xml version="1.0" encoding="utf-8"?>
-<p:sld xmlns:a="http://schemas.openxmlformats.org/drawingml/2006/main" xmlns:r="http://schemas.openxmlformats.org/officeDocument/2006/relationships" xmlns:p="http://schemas.openxmlformats.org/presentationml/2006/main">
-  <p:cSld>
-    <p:spTree>
-      <p:nvGrpSpPr>
-        <p:cNvPr id="1" name=""/>
-        <p:cNvGrpSpPr/>
-        <p:nvPr/>
-      </p:nvGrpSpPr>
-      <p:grpSpPr>
-        <a:xfrm>
-          <a:off x="0" y="0"/>
-          <a:ext cx="0" cy="0"/>
-          <a:chOff x="0" y="0"/>
-          <a:chExt cx="0" cy="0"/>
-        </a:xfrm>
-      </p:grpSpPr>
-      <p:sp>
-        <p:nvSpPr>
-          <p:cNvPr id="2" name="ZoneTexte 1">
-            <a:extLst>
-              <a:ext uri="{FF2B5EF4-FFF2-40B4-BE49-F238E27FC236}">
-                <a16:creationId xmlns:a16="http://schemas.microsoft.com/office/drawing/2014/main" id="{A53B8FFA-3277-ADAF-F405-6951F64285B2}"/>
-              </a:ext>
-            </a:extLst>
-          </p:cNvPr>
-          <p:cNvSpPr txBox="1"/>
-          <p:nvPr/>
-        </p:nvSpPr>
-        <p:spPr>
-          <a:xfrm>
-            <a:off x="0" y="0"/>
-            <a:ext cx="937260" cy="261610"/>
-          </a:xfrm>
-          <a:prstGeom prst="rect">
-            <a:avLst/>
-          </a:prstGeom>
-          <a:noFill/>
-        </p:spPr>
-        <p:txBody>
-          <a:bodyPr wrap="square" rtlCol="0">
-            <a:spAutoFit/>
-          </a:bodyPr>
-          <a:lstStyle/>
-          <a:p>
-            <a:r>
-              <a:rPr lang="fr-FR" sz="1100" dirty="0"/>
-              <a:t>APP DE VOTE</a:t>
-            </a:r>
-            <a:endParaRPr lang="fr-FR" dirty="0"/>
+              <a:t>Modale Formulaire d’ajout de stagiaires avec ajout si candidat</a:t>
+            </a:r>
           </a:p>
         </p:txBody>
       </p:sp>
@@ -4928,7 +3957,7 @@
           <p:cNvPr id="3" name="Rectangle 2">
             <a:extLst>
               <a:ext uri="{FF2B5EF4-FFF2-40B4-BE49-F238E27FC236}">
-                <a16:creationId xmlns:a16="http://schemas.microsoft.com/office/drawing/2014/main" id="{CDDCA956-865B-FF32-55FE-6D6C314D762B}"/>
+                <a16:creationId xmlns:a16="http://schemas.microsoft.com/office/drawing/2014/main" id="{4281468D-A4CC-7136-8EBA-326CD6001F6D}"/>
               </a:ext>
             </a:extLst>
           </p:cNvPr>
@@ -4937,14 +3966,14 @@
         </p:nvSpPr>
         <p:spPr>
           <a:xfrm>
-            <a:off x="262890" y="502920"/>
-            <a:ext cx="11658600" cy="6057900"/>
+            <a:off x="1112520" y="4094004"/>
+            <a:ext cx="9966960" cy="4411980"/>
           </a:xfrm>
           <a:prstGeom prst="rect">
             <a:avLst/>
           </a:prstGeom>
           <a:solidFill>
-            <a:srgbClr val="00B0F0"/>
+            <a:srgbClr val="92D050"/>
           </a:solidFill>
         </p:spPr>
         <p:style>
@@ -4974,6 +4003,535 @@
       </p:sp>
       <p:sp>
         <p:nvSpPr>
+          <p:cNvPr id="13" name="ZoneTexte 12">
+            <a:extLst>
+              <a:ext uri="{FF2B5EF4-FFF2-40B4-BE49-F238E27FC236}">
+                <a16:creationId xmlns:a16="http://schemas.microsoft.com/office/drawing/2014/main" id="{FB02AA12-E663-DD09-EC1C-67EAC6E12A5D}"/>
+              </a:ext>
+            </a:extLst>
+          </p:cNvPr>
+          <p:cNvSpPr txBox="1"/>
+          <p:nvPr/>
+        </p:nvSpPr>
+        <p:spPr>
+          <a:xfrm>
+            <a:off x="3924300" y="5976829"/>
+            <a:ext cx="4343400" cy="646331"/>
+          </a:xfrm>
+          <a:prstGeom prst="rect">
+            <a:avLst/>
+          </a:prstGeom>
+          <a:noFill/>
+        </p:spPr>
+        <p:txBody>
+          <a:bodyPr wrap="square" rtlCol="0">
+            <a:spAutoFit/>
+          </a:bodyPr>
+          <a:lstStyle/>
+          <a:p>
+            <a:r>
+              <a:rPr lang="fr-FR" dirty="0"/>
+              <a:t>Formulaire informations stagiaires et définition candidats</a:t>
+            </a:r>
+          </a:p>
+        </p:txBody>
+      </p:sp>
+    </p:spTree>
+    <p:extLst>
+      <p:ext uri="{BB962C8B-B14F-4D97-AF65-F5344CB8AC3E}">
+        <p14:creationId xmlns:p14="http://schemas.microsoft.com/office/powerpoint/2010/main" val="2954101418"/>
+      </p:ext>
+    </p:extLst>
+  </p:cSld>
+  <p:clrMapOvr>
+    <a:masterClrMapping/>
+  </p:clrMapOvr>
+</p:sld>
+</file>
+
+<file path=ppt/slides/slide3.xml><?xml version="1.0" encoding="utf-8"?>
+<p:sld xmlns:a="http://schemas.openxmlformats.org/drawingml/2006/main" xmlns:r="http://schemas.openxmlformats.org/officeDocument/2006/relationships" xmlns:p="http://schemas.openxmlformats.org/presentationml/2006/main">
+  <p:cSld>
+    <p:bg>
+      <p:bgPr>
+        <a:solidFill>
+          <a:schemeClr val="accent4">
+            <a:lumMod val="20000"/>
+            <a:lumOff val="80000"/>
+          </a:schemeClr>
+        </a:solidFill>
+        <a:effectLst/>
+      </p:bgPr>
+    </p:bg>
+    <p:spTree>
+      <p:nvGrpSpPr>
+        <p:cNvPr id="1" name=""/>
+        <p:cNvGrpSpPr/>
+        <p:nvPr/>
+      </p:nvGrpSpPr>
+      <p:grpSpPr>
+        <a:xfrm>
+          <a:off x="0" y="0"/>
+          <a:ext cx="0" cy="0"/>
+          <a:chOff x="0" y="0"/>
+          <a:chExt cx="0" cy="0"/>
+        </a:xfrm>
+      </p:grpSpPr>
+      <p:sp>
+        <p:nvSpPr>
+          <p:cNvPr id="6" name="ZoneTexte 5">
+            <a:extLst>
+              <a:ext uri="{FF2B5EF4-FFF2-40B4-BE49-F238E27FC236}">
+                <a16:creationId xmlns:a16="http://schemas.microsoft.com/office/drawing/2014/main" id="{1D7E264D-51A3-F678-10D4-B199B84ABA29}"/>
+              </a:ext>
+            </a:extLst>
+          </p:cNvPr>
+          <p:cNvSpPr txBox="1"/>
+          <p:nvPr/>
+        </p:nvSpPr>
+        <p:spPr>
+          <a:xfrm>
+            <a:off x="0" y="0"/>
+            <a:ext cx="2503170" cy="261610"/>
+          </a:xfrm>
+          <a:prstGeom prst="rect">
+            <a:avLst/>
+          </a:prstGeom>
+          <a:noFill/>
+        </p:spPr>
+        <p:txBody>
+          <a:bodyPr wrap="square" rtlCol="0">
+            <a:spAutoFit/>
+          </a:bodyPr>
+          <a:lstStyle/>
+          <a:p>
+            <a:pPr algn="ctr"/>
+            <a:r>
+              <a:rPr lang="fr-FR" sz="1100" dirty="0"/>
+              <a:t>Contenu du mail demande de vote</a:t>
+            </a:r>
+          </a:p>
+        </p:txBody>
+      </p:sp>
+      <p:sp>
+        <p:nvSpPr>
+          <p:cNvPr id="7" name="ZoneTexte 6">
+            <a:extLst>
+              <a:ext uri="{FF2B5EF4-FFF2-40B4-BE49-F238E27FC236}">
+                <a16:creationId xmlns:a16="http://schemas.microsoft.com/office/drawing/2014/main" id="{767BD149-246A-42E4-308A-26D537C08CA8}"/>
+              </a:ext>
+            </a:extLst>
+          </p:cNvPr>
+          <p:cNvSpPr txBox="1"/>
+          <p:nvPr/>
+        </p:nvSpPr>
+        <p:spPr>
+          <a:xfrm>
+            <a:off x="159067" y="4794830"/>
+            <a:ext cx="11873864" cy="646331"/>
+          </a:xfrm>
+          <a:prstGeom prst="rect">
+            <a:avLst/>
+          </a:prstGeom>
+          <a:solidFill>
+            <a:schemeClr val="accent6">
+              <a:lumMod val="60000"/>
+              <a:lumOff val="40000"/>
+            </a:schemeClr>
+          </a:solidFill>
+          <a:ln>
+            <a:solidFill>
+              <a:schemeClr val="tx1"/>
+            </a:solidFill>
+          </a:ln>
+        </p:spPr>
+        <p:txBody>
+          <a:bodyPr wrap="square" rtlCol="0">
+            <a:spAutoFit/>
+          </a:bodyPr>
+          <a:lstStyle/>
+          <a:p>
+            <a:r>
+              <a:rPr lang="fr-FR" dirty="0"/>
+              <a:t>Informations de connexion : Date et heure du scrutin</a:t>
+            </a:r>
+          </a:p>
+          <a:p>
+            <a:r>
+              <a:rPr lang="fr-FR" dirty="0"/>
+              <a:t> </a:t>
+            </a:r>
+          </a:p>
+        </p:txBody>
+      </p:sp>
+      <p:sp>
+        <p:nvSpPr>
+          <p:cNvPr id="8" name="ZoneTexte 7">
+            <a:extLst>
+              <a:ext uri="{FF2B5EF4-FFF2-40B4-BE49-F238E27FC236}">
+                <a16:creationId xmlns:a16="http://schemas.microsoft.com/office/drawing/2014/main" id="{47452072-A05F-878A-5044-7A5590CC9901}"/>
+              </a:ext>
+            </a:extLst>
+          </p:cNvPr>
+          <p:cNvSpPr txBox="1"/>
+          <p:nvPr/>
+        </p:nvSpPr>
+        <p:spPr>
+          <a:xfrm>
+            <a:off x="159067" y="1193844"/>
+            <a:ext cx="11873865" cy="2585323"/>
+          </a:xfrm>
+          <a:prstGeom prst="rect">
+            <a:avLst/>
+          </a:prstGeom>
+          <a:solidFill>
+            <a:schemeClr val="accent5">
+              <a:lumMod val="60000"/>
+              <a:lumOff val="40000"/>
+            </a:schemeClr>
+          </a:solidFill>
+          <a:ln>
+            <a:solidFill>
+              <a:schemeClr val="tx1"/>
+            </a:solidFill>
+          </a:ln>
+        </p:spPr>
+        <p:txBody>
+          <a:bodyPr wrap="square" rtlCol="0">
+            <a:spAutoFit/>
+          </a:bodyPr>
+          <a:lstStyle/>
+          <a:p>
+            <a:r>
+              <a:rPr lang="fr-FR" dirty="0"/>
+              <a:t>Corps du mail</a:t>
+            </a:r>
+          </a:p>
+          <a:p>
+            <a:endParaRPr lang="fr-FR" dirty="0"/>
+          </a:p>
+          <a:p>
+            <a:r>
+              <a:rPr lang="fr-FR" dirty="0"/>
+              <a:t>Explications déroulé du vote</a:t>
+            </a:r>
+          </a:p>
+          <a:p>
+            <a:endParaRPr lang="fr-FR" dirty="0"/>
+          </a:p>
+          <a:p>
+            <a:endParaRPr lang="fr-FR" dirty="0"/>
+          </a:p>
+          <a:p>
+            <a:endParaRPr lang="fr-FR" dirty="0"/>
+          </a:p>
+          <a:p>
+            <a:endParaRPr lang="fr-FR" dirty="0"/>
+          </a:p>
+          <a:p>
+            <a:endParaRPr lang="fr-FR" dirty="0"/>
+          </a:p>
+          <a:p>
+            <a:r>
+              <a:rPr lang="fr-FR" dirty="0"/>
+              <a:t> </a:t>
+            </a:r>
+          </a:p>
+        </p:txBody>
+      </p:sp>
+      <p:sp>
+        <p:nvSpPr>
+          <p:cNvPr id="9" name="ZoneTexte 8">
+            <a:extLst>
+              <a:ext uri="{FF2B5EF4-FFF2-40B4-BE49-F238E27FC236}">
+                <a16:creationId xmlns:a16="http://schemas.microsoft.com/office/drawing/2014/main" id="{3EBC531B-E892-5204-3F75-E4C49794087F}"/>
+              </a:ext>
+            </a:extLst>
+          </p:cNvPr>
+          <p:cNvSpPr txBox="1"/>
+          <p:nvPr/>
+        </p:nvSpPr>
+        <p:spPr>
+          <a:xfrm>
+            <a:off x="159067" y="3225169"/>
+            <a:ext cx="11873865" cy="923330"/>
+          </a:xfrm>
+          <a:prstGeom prst="rect">
+            <a:avLst/>
+          </a:prstGeom>
+          <a:solidFill>
+            <a:srgbClr val="7030A0"/>
+          </a:solidFill>
+          <a:ln>
+            <a:solidFill>
+              <a:schemeClr val="tx1"/>
+            </a:solidFill>
+          </a:ln>
+        </p:spPr>
+        <p:txBody>
+          <a:bodyPr wrap="square" rtlCol="0">
+            <a:spAutoFit/>
+          </a:bodyPr>
+          <a:lstStyle/>
+          <a:p>
+            <a:r>
+              <a:rPr lang="fr-FR" u="sng" dirty="0"/>
+              <a:t>Lien vers apps de vote</a:t>
+            </a:r>
+          </a:p>
+          <a:p>
+            <a:r>
+              <a:rPr lang="fr-FR" u="sng" dirty="0"/>
+              <a:t> </a:t>
+            </a:r>
+          </a:p>
+          <a:p>
+            <a:endParaRPr lang="fr-FR" dirty="0"/>
+          </a:p>
+        </p:txBody>
+      </p:sp>
+      <p:sp>
+        <p:nvSpPr>
+          <p:cNvPr id="10" name="ZoneTexte 9">
+            <a:extLst>
+              <a:ext uri="{FF2B5EF4-FFF2-40B4-BE49-F238E27FC236}">
+                <a16:creationId xmlns:a16="http://schemas.microsoft.com/office/drawing/2014/main" id="{06FD4BD0-21CE-86AF-EC79-5715C4AEF93B}"/>
+              </a:ext>
+            </a:extLst>
+          </p:cNvPr>
+          <p:cNvSpPr txBox="1"/>
+          <p:nvPr/>
+        </p:nvSpPr>
+        <p:spPr>
+          <a:xfrm>
+            <a:off x="159067" y="4148499"/>
+            <a:ext cx="11873864" cy="646331"/>
+          </a:xfrm>
+          <a:prstGeom prst="rect">
+            <a:avLst/>
+          </a:prstGeom>
+          <a:solidFill>
+            <a:schemeClr val="accent4">
+              <a:lumMod val="60000"/>
+              <a:lumOff val="40000"/>
+            </a:schemeClr>
+          </a:solidFill>
+          <a:ln>
+            <a:solidFill>
+              <a:schemeClr val="tx1"/>
+            </a:solidFill>
+          </a:ln>
+        </p:spPr>
+        <p:txBody>
+          <a:bodyPr wrap="square" rtlCol="0">
+            <a:spAutoFit/>
+          </a:bodyPr>
+          <a:lstStyle/>
+          <a:p>
+            <a:r>
+              <a:rPr lang="fr-FR" dirty="0"/>
+              <a:t>Code unique</a:t>
+            </a:r>
+          </a:p>
+          <a:p>
+            <a:r>
+              <a:rPr lang="fr-FR" dirty="0"/>
+              <a:t> </a:t>
+            </a:r>
+          </a:p>
+        </p:txBody>
+      </p:sp>
+      <p:sp>
+        <p:nvSpPr>
+          <p:cNvPr id="14" name="ZoneTexte 13">
+            <a:extLst>
+              <a:ext uri="{FF2B5EF4-FFF2-40B4-BE49-F238E27FC236}">
+                <a16:creationId xmlns:a16="http://schemas.microsoft.com/office/drawing/2014/main" id="{7CC5B887-1B85-E80A-EAFE-758DCA0D230C}"/>
+              </a:ext>
+            </a:extLst>
+          </p:cNvPr>
+          <p:cNvSpPr txBox="1"/>
+          <p:nvPr/>
+        </p:nvSpPr>
+        <p:spPr>
+          <a:xfrm>
+            <a:off x="159067" y="5441162"/>
+            <a:ext cx="11873865" cy="2031325"/>
+          </a:xfrm>
+          <a:prstGeom prst="rect">
+            <a:avLst/>
+          </a:prstGeom>
+          <a:solidFill>
+            <a:schemeClr val="accent5">
+              <a:lumMod val="60000"/>
+              <a:lumOff val="40000"/>
+            </a:schemeClr>
+          </a:solidFill>
+          <a:ln>
+            <a:solidFill>
+              <a:schemeClr val="tx1"/>
+            </a:solidFill>
+          </a:ln>
+        </p:spPr>
+        <p:txBody>
+          <a:bodyPr wrap="square" rtlCol="0" anchor="b">
+            <a:spAutoFit/>
+          </a:bodyPr>
+          <a:lstStyle/>
+          <a:p>
+            <a:endParaRPr lang="fr-FR" dirty="0"/>
+          </a:p>
+          <a:p>
+            <a:endParaRPr lang="fr-FR" dirty="0"/>
+          </a:p>
+          <a:p>
+            <a:endParaRPr lang="fr-FR" dirty="0"/>
+          </a:p>
+          <a:p>
+            <a:endParaRPr lang="fr-FR" dirty="0"/>
+          </a:p>
+          <a:p>
+            <a:endParaRPr lang="fr-FR" dirty="0"/>
+          </a:p>
+          <a:p>
+            <a:endParaRPr lang="fr-FR" dirty="0"/>
+          </a:p>
+          <a:p>
+            <a:r>
+              <a:rPr lang="fr-FR" dirty="0"/>
+              <a:t>Fin du mail </a:t>
+            </a:r>
+          </a:p>
+        </p:txBody>
+      </p:sp>
+    </p:spTree>
+    <p:extLst>
+      <p:ext uri="{BB962C8B-B14F-4D97-AF65-F5344CB8AC3E}">
+        <p14:creationId xmlns:p14="http://schemas.microsoft.com/office/powerpoint/2010/main" val="5476881"/>
+      </p:ext>
+    </p:extLst>
+  </p:cSld>
+  <p:clrMapOvr>
+    <a:masterClrMapping/>
+  </p:clrMapOvr>
+</p:sld>
+</file>
+
+<file path=ppt/slides/slide4.xml><?xml version="1.0" encoding="utf-8"?>
+<p:sld xmlns:a="http://schemas.openxmlformats.org/drawingml/2006/main" xmlns:r="http://schemas.openxmlformats.org/officeDocument/2006/relationships" xmlns:p="http://schemas.openxmlformats.org/presentationml/2006/main">
+  <p:cSld>
+    <p:bg>
+      <p:bgPr>
+        <a:solidFill>
+          <a:schemeClr val="accent4">
+            <a:lumMod val="20000"/>
+            <a:lumOff val="80000"/>
+          </a:schemeClr>
+        </a:solidFill>
+        <a:effectLst/>
+      </p:bgPr>
+    </p:bg>
+    <p:spTree>
+      <p:nvGrpSpPr>
+        <p:cNvPr id="1" name=""/>
+        <p:cNvGrpSpPr/>
+        <p:nvPr/>
+      </p:nvGrpSpPr>
+      <p:grpSpPr>
+        <a:xfrm>
+          <a:off x="0" y="0"/>
+          <a:ext cx="0" cy="0"/>
+          <a:chOff x="0" y="0"/>
+          <a:chExt cx="0" cy="0"/>
+        </a:xfrm>
+      </p:grpSpPr>
+      <p:sp>
+        <p:nvSpPr>
+          <p:cNvPr id="2" name="ZoneTexte 1">
+            <a:extLst>
+              <a:ext uri="{FF2B5EF4-FFF2-40B4-BE49-F238E27FC236}">
+                <a16:creationId xmlns:a16="http://schemas.microsoft.com/office/drawing/2014/main" id="{A53B8FFA-3277-ADAF-F405-6951F64285B2}"/>
+              </a:ext>
+            </a:extLst>
+          </p:cNvPr>
+          <p:cNvSpPr txBox="1"/>
+          <p:nvPr/>
+        </p:nvSpPr>
+        <p:spPr>
+          <a:xfrm>
+            <a:off x="0" y="0"/>
+            <a:ext cx="937260" cy="261610"/>
+          </a:xfrm>
+          <a:prstGeom prst="rect">
+            <a:avLst/>
+          </a:prstGeom>
+          <a:noFill/>
+        </p:spPr>
+        <p:txBody>
+          <a:bodyPr wrap="square" rtlCol="0">
+            <a:spAutoFit/>
+          </a:bodyPr>
+          <a:lstStyle/>
+          <a:p>
+            <a:r>
+              <a:rPr lang="fr-FR" sz="1100" dirty="0"/>
+              <a:t>APP DE VOTE</a:t>
+            </a:r>
+            <a:endParaRPr lang="fr-FR" dirty="0"/>
+          </a:p>
+        </p:txBody>
+      </p:sp>
+      <p:sp>
+        <p:nvSpPr>
+          <p:cNvPr id="3" name="Rectangle 2">
+            <a:extLst>
+              <a:ext uri="{FF2B5EF4-FFF2-40B4-BE49-F238E27FC236}">
+                <a16:creationId xmlns:a16="http://schemas.microsoft.com/office/drawing/2014/main" id="{CDDCA956-865B-FF32-55FE-6D6C314D762B}"/>
+              </a:ext>
+            </a:extLst>
+          </p:cNvPr>
+          <p:cNvSpPr/>
+          <p:nvPr/>
+        </p:nvSpPr>
+        <p:spPr>
+          <a:xfrm>
+            <a:off x="262890" y="3373914"/>
+            <a:ext cx="11658600" cy="6057900"/>
+          </a:xfrm>
+          <a:prstGeom prst="rect">
+            <a:avLst/>
+          </a:prstGeom>
+          <a:solidFill>
+            <a:srgbClr val="7030A0"/>
+          </a:solidFill>
+        </p:spPr>
+        <p:style>
+          <a:lnRef idx="2">
+            <a:schemeClr val="accent1">
+              <a:shade val="15000"/>
+            </a:schemeClr>
+          </a:lnRef>
+          <a:fillRef idx="1">
+            <a:schemeClr val="accent1"/>
+          </a:fillRef>
+          <a:effectRef idx="0">
+            <a:schemeClr val="accent1"/>
+          </a:effectRef>
+          <a:fontRef idx="minor">
+            <a:schemeClr val="lt1"/>
+          </a:fontRef>
+        </p:style>
+        <p:txBody>
+          <a:bodyPr rtlCol="0" anchor="ctr"/>
+          <a:lstStyle/>
+          <a:p>
+            <a:pPr algn="ctr"/>
+            <a:endParaRPr lang="fr-FR"/>
+          </a:p>
+        </p:txBody>
+      </p:sp>
+      <p:sp>
+        <p:nvSpPr>
           <p:cNvPr id="4" name="ZoneTexte 3">
             <a:extLst>
               <a:ext uri="{FF2B5EF4-FFF2-40B4-BE49-F238E27FC236}">
@@ -4986,7 +4544,7 @@
         </p:nvSpPr>
         <p:spPr>
           <a:xfrm>
-            <a:off x="457200" y="1291590"/>
+            <a:off x="457200" y="4162585"/>
             <a:ext cx="11304270" cy="646331"/>
           </a:xfrm>
           <a:prstGeom prst="rect">
@@ -5018,23 +4576,7 @@
           <a:p>
             <a:r>
               <a:rPr lang="fr-FR" dirty="0"/>
-              <a:t>Adresse mail : </a:t>
-            </a:r>
-            <a:r>
-              <a:rPr lang="fr-FR" dirty="0" err="1"/>
-              <a:t>pre</a:t>
-            </a:r>
-            <a:r>
-              <a:rPr lang="fr-FR" dirty="0"/>
-              <a:t> remplit							Code unique :</a:t>
-            </a:r>
-            <a:r>
-              <a:rPr lang="fr-FR" dirty="0" err="1"/>
-              <a:t>pre</a:t>
-            </a:r>
-            <a:r>
-              <a:rPr lang="fr-FR" dirty="0"/>
-              <a:t> remplit</a:t>
+              <a:t>					</a:t>
             </a:r>
           </a:p>
         </p:txBody>
@@ -5053,7 +4595,7 @@
         </p:nvSpPr>
         <p:spPr>
           <a:xfrm>
-            <a:off x="440055" y="2174498"/>
+            <a:off x="440055" y="5045493"/>
             <a:ext cx="11304270" cy="3139321"/>
           </a:xfrm>
           <a:prstGeom prst="rect">
@@ -5128,8 +4670,8 @@
         </p:nvSpPr>
         <p:spPr>
           <a:xfrm>
-            <a:off x="9063990" y="5985748"/>
-            <a:ext cx="2697480" cy="369332"/>
+            <a:off x="9063990" y="8856742"/>
+            <a:ext cx="906487" cy="369332"/>
           </a:xfrm>
           <a:prstGeom prst="rect">
             <a:avLst/>
@@ -5151,7 +4693,7 @@
           <a:p>
             <a:r>
               <a:rPr lang="fr-FR" dirty="0"/>
-              <a:t>Cancel 		valider</a:t>
+              <a:t>Cancel</a:t>
             </a:r>
           </a:p>
         </p:txBody>
@@ -5170,8 +4712,8 @@
         </p:nvSpPr>
         <p:spPr>
           <a:xfrm>
-            <a:off x="685800" y="2875627"/>
-            <a:ext cx="1737360" cy="2031325"/>
+            <a:off x="685800" y="5746622"/>
+            <a:ext cx="1737360" cy="1477328"/>
           </a:xfrm>
           <a:prstGeom prst="rect">
             <a:avLst/>
@@ -5199,22 +4741,7 @@
           <a:p>
             <a:r>
               <a:rPr lang="fr-FR" dirty="0"/>
-              <a:t>Nom Equipe </a:t>
-            </a:r>
-          </a:p>
-          <a:p>
-            <a:endParaRPr lang="fr-FR" dirty="0"/>
-          </a:p>
-          <a:p>
-            <a:r>
-              <a:rPr lang="fr-FR" dirty="0"/>
-              <a:t>Nom délégué</a:t>
-            </a:r>
-          </a:p>
-          <a:p>
-            <a:r>
-              <a:rPr lang="fr-FR" dirty="0"/>
-              <a:t>Nom suppléant </a:t>
+              <a:t>Information candidats</a:t>
             </a:r>
           </a:p>
           <a:p>
@@ -5239,8 +4766,8 @@
         </p:nvSpPr>
         <p:spPr>
           <a:xfrm>
-            <a:off x="3741420" y="2851844"/>
-            <a:ext cx="1737360" cy="2031325"/>
+            <a:off x="3741420" y="5722839"/>
+            <a:ext cx="1737360" cy="1477328"/>
           </a:xfrm>
           <a:prstGeom prst="rect">
             <a:avLst/>
@@ -5268,22 +4795,7 @@
           <a:p>
             <a:r>
               <a:rPr lang="fr-FR" dirty="0"/>
-              <a:t>Nom Equipe </a:t>
-            </a:r>
-          </a:p>
-          <a:p>
-            <a:endParaRPr lang="fr-FR" dirty="0"/>
-          </a:p>
-          <a:p>
-            <a:r>
-              <a:rPr lang="fr-FR" dirty="0"/>
-              <a:t>Nom délègue</a:t>
-            </a:r>
-          </a:p>
-          <a:p>
-            <a:r>
-              <a:rPr lang="fr-FR" dirty="0"/>
-              <a:t>Nom suppléant </a:t>
+              <a:t>Information candidats</a:t>
             </a:r>
           </a:p>
           <a:p>
@@ -5308,8 +4820,8 @@
         </p:nvSpPr>
         <p:spPr>
           <a:xfrm>
-            <a:off x="6713222" y="2881760"/>
-            <a:ext cx="1737360" cy="2031325"/>
+            <a:off x="6713222" y="5752755"/>
+            <a:ext cx="1737360" cy="1477328"/>
           </a:xfrm>
           <a:prstGeom prst="rect">
             <a:avLst/>
@@ -5337,22 +4849,7 @@
           <a:p>
             <a:r>
               <a:rPr lang="fr-FR" dirty="0"/>
-              <a:t>Nom Equipe </a:t>
-            </a:r>
-          </a:p>
-          <a:p>
-            <a:endParaRPr lang="fr-FR" dirty="0"/>
-          </a:p>
-          <a:p>
-            <a:r>
-              <a:rPr lang="fr-FR" dirty="0"/>
-              <a:t>Nom délégué</a:t>
-            </a:r>
-          </a:p>
-          <a:p>
-            <a:r>
-              <a:rPr lang="fr-FR" dirty="0"/>
-              <a:t>Nom suppléant </a:t>
+              <a:t>Information candidats</a:t>
             </a:r>
           </a:p>
           <a:p>
@@ -5377,8 +4874,8 @@
         </p:nvSpPr>
         <p:spPr>
           <a:xfrm>
-            <a:off x="9755506" y="2851843"/>
-            <a:ext cx="1737360" cy="2031325"/>
+            <a:off x="9755506" y="5722838"/>
+            <a:ext cx="1737360" cy="1477328"/>
           </a:xfrm>
           <a:prstGeom prst="rect">
             <a:avLst/>
@@ -5406,25 +4903,7 @@
           <a:p>
             <a:r>
               <a:rPr lang="fr-FR" dirty="0"/>
-              <a:t>Nom Equipe</a:t>
-            </a:r>
-          </a:p>
-          <a:p>
-            <a:r>
-              <a:rPr lang="fr-FR" dirty="0"/>
-              <a:t> </a:t>
-            </a:r>
-          </a:p>
-          <a:p>
-            <a:r>
-              <a:rPr lang="fr-FR" dirty="0"/>
-              <a:t>Nom délégué</a:t>
-            </a:r>
-          </a:p>
-          <a:p>
-            <a:r>
-              <a:rPr lang="fr-FR" dirty="0"/>
-              <a:t>Nom suppléant </a:t>
+              <a:t>Information candidats</a:t>
             </a:r>
           </a:p>
           <a:p>
@@ -5449,7 +4928,7 @@
         </p:nvSpPr>
         <p:spPr>
           <a:xfrm>
-            <a:off x="468630" y="651510"/>
+            <a:off x="468630" y="3522504"/>
             <a:ext cx="11304270" cy="369332"/>
           </a:xfrm>
           <a:prstGeom prst="rect">
@@ -5474,6 +4953,51 @@
             <a:r>
               <a:rPr lang="fr-FR" dirty="0"/>
               <a:t>Nom et présentation de l’app</a:t>
+            </a:r>
+          </a:p>
+        </p:txBody>
+      </p:sp>
+      <p:sp>
+        <p:nvSpPr>
+          <p:cNvPr id="8" name="ZoneTexte 7">
+            <a:extLst>
+              <a:ext uri="{FF2B5EF4-FFF2-40B4-BE49-F238E27FC236}">
+                <a16:creationId xmlns:a16="http://schemas.microsoft.com/office/drawing/2014/main" id="{9BCE690D-08A9-21F5-3288-7AD41595D53A}"/>
+              </a:ext>
+            </a:extLst>
+          </p:cNvPr>
+          <p:cNvSpPr txBox="1"/>
+          <p:nvPr/>
+        </p:nvSpPr>
+        <p:spPr>
+          <a:xfrm>
+            <a:off x="10341805" y="8856742"/>
+            <a:ext cx="906487" cy="369332"/>
+          </a:xfrm>
+          <a:prstGeom prst="rect">
+            <a:avLst/>
+          </a:prstGeom>
+          <a:solidFill>
+            <a:schemeClr val="accent3">
+              <a:lumMod val="40000"/>
+              <a:lumOff val="60000"/>
+            </a:schemeClr>
+          </a:solidFill>
+          <a:ln>
+            <a:solidFill>
+              <a:schemeClr val="tx1"/>
+            </a:solidFill>
+          </a:ln>
+        </p:spPr>
+        <p:txBody>
+          <a:bodyPr wrap="square" rtlCol="0">
+            <a:spAutoFit/>
+          </a:bodyPr>
+          <a:lstStyle/>
+          <a:p>
+            <a:r>
+              <a:rPr lang="fr-FR" dirty="0"/>
+              <a:t>Valider</a:t>
             </a:r>
           </a:p>
         </p:txBody>
@@ -5491,9 +5015,20 @@
 </p:sld>
 </file>
 
-<file path=ppt/slides/slide4.xml><?xml version="1.0" encoding="utf-8"?>
+<file path=ppt/slides/slide5.xml><?xml version="1.0" encoding="utf-8"?>
 <p:sld xmlns:a="http://schemas.openxmlformats.org/drawingml/2006/main" xmlns:r="http://schemas.openxmlformats.org/officeDocument/2006/relationships" xmlns:p="http://schemas.openxmlformats.org/presentationml/2006/main">
   <p:cSld>
+    <p:bg>
+      <p:bgPr>
+        <a:solidFill>
+          <a:schemeClr val="accent4">
+            <a:lumMod val="20000"/>
+            <a:lumOff val="80000"/>
+          </a:schemeClr>
+        </a:solidFill>
+        <a:effectLst/>
+      </p:bgPr>
+    </p:bg>
     <p:spTree>
       <p:nvGrpSpPr>
         <p:cNvPr id="1" name="">
@@ -5552,48 +5087,6 @@
       </p:sp>
       <p:sp>
         <p:nvSpPr>
-          <p:cNvPr id="7" name="ZoneTexte 6">
-            <a:extLst>
-              <a:ext uri="{FF2B5EF4-FFF2-40B4-BE49-F238E27FC236}">
-                <a16:creationId xmlns:a16="http://schemas.microsoft.com/office/drawing/2014/main" id="{FDF2C0EE-D442-C795-2DBF-2510BD11989B}"/>
-              </a:ext>
-            </a:extLst>
-          </p:cNvPr>
-          <p:cNvSpPr txBox="1"/>
-          <p:nvPr/>
-        </p:nvSpPr>
-        <p:spPr>
-          <a:xfrm>
-            <a:off x="116205" y="3687068"/>
-            <a:ext cx="11873864" cy="369332"/>
-          </a:xfrm>
-          <a:prstGeom prst="rect">
-            <a:avLst/>
-          </a:prstGeom>
-          <a:solidFill>
-            <a:schemeClr val="accent6">
-              <a:lumMod val="60000"/>
-              <a:lumOff val="40000"/>
-            </a:schemeClr>
-          </a:solidFill>
-          <a:ln>
-            <a:solidFill>
-              <a:schemeClr val="tx1"/>
-            </a:solidFill>
-          </a:ln>
-        </p:spPr>
-        <p:txBody>
-          <a:bodyPr wrap="square" rtlCol="0">
-            <a:spAutoFit/>
-          </a:bodyPr>
-          <a:lstStyle/>
-          <a:p>
-            <a:endParaRPr lang="fr-FR" dirty="0"/>
-          </a:p>
-        </p:txBody>
-      </p:sp>
-      <p:sp>
-        <p:nvSpPr>
           <p:cNvPr id="8" name="ZoneTexte 7">
             <a:extLst>
               <a:ext uri="{FF2B5EF4-FFF2-40B4-BE49-F238E27FC236}">
@@ -5606,8 +5099,8 @@
         </p:nvSpPr>
         <p:spPr>
           <a:xfrm>
-            <a:off x="116205" y="640080"/>
-            <a:ext cx="11873865" cy="2031325"/>
+            <a:off x="116205" y="2957076"/>
+            <a:ext cx="11873865" cy="2585323"/>
           </a:xfrm>
           <a:prstGeom prst="rect">
             <a:avLst/>
@@ -5630,13 +5123,22 @@
           </a:bodyPr>
           <a:lstStyle/>
           <a:p>
+            <a:endParaRPr lang="fr-FR" dirty="0"/>
+          </a:p>
+          <a:p>
+            <a:endParaRPr lang="fr-FR" dirty="0"/>
+          </a:p>
+          <a:p>
             <a:r>
               <a:rPr lang="fr-FR" dirty="0"/>
               <a:t>Vote fait</a:t>
             </a:r>
           </a:p>
           <a:p>
-            <a:endParaRPr lang="fr-FR" dirty="0"/>
+            <a:r>
+              <a:rPr lang="fr-FR" dirty="0"/>
+              <a:t>Relance ou annonce des résultats</a:t>
+            </a:r>
           </a:p>
           <a:p>
             <a:endParaRPr lang="fr-FR" dirty="0"/>
@@ -5672,7 +5174,7 @@
         </p:nvSpPr>
         <p:spPr>
           <a:xfrm>
-            <a:off x="116205" y="2671405"/>
+            <a:off x="116206" y="5542399"/>
             <a:ext cx="11873865" cy="923330"/>
           </a:xfrm>
           <a:prstGeom prst="rect">
@@ -5723,8 +5225,8 @@
         </p:nvSpPr>
         <p:spPr>
           <a:xfrm>
-            <a:off x="116204" y="4056400"/>
-            <a:ext cx="11873865" cy="2031325"/>
+            <a:off x="116204" y="6465729"/>
+            <a:ext cx="11873865" cy="2308324"/>
           </a:xfrm>
           <a:prstGeom prst="rect">
             <a:avLst/>
@@ -5742,35 +5244,42 @@
           </a:ln>
         </p:spPr>
         <p:txBody>
-          <a:bodyPr wrap="square" rtlCol="0">
+          <a:bodyPr wrap="square" rtlCol="0" anchor="b">
             <a:spAutoFit/>
           </a:bodyPr>
           <a:lstStyle/>
           <a:p>
+            <a:pPr lvl="1"/>
+            <a:endParaRPr lang="fr-FR" dirty="0"/>
+          </a:p>
+          <a:p>
+            <a:pPr lvl="1"/>
+            <a:endParaRPr lang="fr-FR" dirty="0"/>
+          </a:p>
+          <a:p>
+            <a:pPr lvl="1"/>
+            <a:endParaRPr lang="fr-FR" dirty="0"/>
+          </a:p>
+          <a:p>
+            <a:pPr lvl="1"/>
+            <a:endParaRPr lang="fr-FR" dirty="0"/>
+          </a:p>
+          <a:p>
+            <a:pPr lvl="1"/>
+            <a:endParaRPr lang="fr-FR" dirty="0"/>
+          </a:p>
+          <a:p>
+            <a:pPr lvl="1"/>
+            <a:endParaRPr lang="fr-FR" dirty="0"/>
+          </a:p>
+          <a:p>
+            <a:pPr lvl="1"/>
+            <a:endParaRPr lang="fr-FR" dirty="0"/>
+          </a:p>
+          <a:p>
             <a:r>
               <a:rPr lang="fr-FR" dirty="0"/>
-              <a:t>Fin du mail</a:t>
-            </a:r>
-          </a:p>
-          <a:p>
-            <a:endParaRPr lang="fr-FR" dirty="0"/>
-          </a:p>
-          <a:p>
-            <a:endParaRPr lang="fr-FR" dirty="0"/>
-          </a:p>
-          <a:p>
-            <a:endParaRPr lang="fr-FR" dirty="0"/>
-          </a:p>
-          <a:p>
-            <a:endParaRPr lang="fr-FR" dirty="0"/>
-          </a:p>
-          <a:p>
-            <a:endParaRPr lang="fr-FR" dirty="0"/>
-          </a:p>
-          <a:p>
-            <a:r>
-              <a:rPr lang="fr-FR" dirty="0"/>
-              <a:t> </a:t>
+              <a:t>Fin du mail </a:t>
             </a:r>
           </a:p>
         </p:txBody>
@@ -5788,9 +5297,20 @@
 </p:sld>
 </file>
 
-<file path=ppt/slides/slide5.xml><?xml version="1.0" encoding="utf-8"?>
+<file path=ppt/slides/slide6.xml><?xml version="1.0" encoding="utf-8"?>
 <p:sld xmlns:a="http://schemas.openxmlformats.org/drawingml/2006/main" xmlns:r="http://schemas.openxmlformats.org/officeDocument/2006/relationships" xmlns:p="http://schemas.openxmlformats.org/presentationml/2006/main">
   <p:cSld>
+    <p:bg>
+      <p:bgPr>
+        <a:solidFill>
+          <a:schemeClr val="accent4">
+            <a:lumMod val="20000"/>
+            <a:lumOff val="80000"/>
+          </a:schemeClr>
+        </a:solidFill>
+        <a:effectLst/>
+      </p:bgPr>
+    </p:bg>
     <p:spTree>
       <p:nvGrpSpPr>
         <p:cNvPr id="1" name="">
@@ -5861,7 +5381,7 @@
         </p:nvSpPr>
         <p:spPr>
           <a:xfrm>
-            <a:off x="262890" y="502920"/>
+            <a:off x="262890" y="3373914"/>
             <a:ext cx="11658600" cy="6057900"/>
           </a:xfrm>
           <a:prstGeom prst="rect">
@@ -5910,8 +5430,8 @@
         </p:nvSpPr>
         <p:spPr>
           <a:xfrm>
-            <a:off x="457200" y="1291590"/>
-            <a:ext cx="11304270" cy="923330"/>
+            <a:off x="457200" y="4162584"/>
+            <a:ext cx="11304270" cy="646331"/>
           </a:xfrm>
           <a:prstGeom prst="rect">
             <a:avLst/>
@@ -5942,12 +5462,6 @@
           <a:p>
             <a:r>
               <a:rPr lang="fr-FR" dirty="0"/>
-              <a:t>Adresse mail : pré enregistré	non modifiable			 Code unique : pré remplit 	</a:t>
-            </a:r>
-          </a:p>
-          <a:p>
-            <a:r>
-              <a:rPr lang="fr-FR" dirty="0"/>
               <a:t>	</a:t>
             </a:r>
           </a:p>
@@ -5967,7 +5481,7 @@
         </p:nvSpPr>
         <p:spPr>
           <a:xfrm>
-            <a:off x="468630" y="2214920"/>
+            <a:off x="468630" y="5085915"/>
             <a:ext cx="11304270" cy="3693319"/>
           </a:xfrm>
           <a:prstGeom prst="rect">
@@ -5993,7 +5507,7 @@
             <a:pPr algn="ctr"/>
             <a:r>
               <a:rPr lang="fr-FR" dirty="0"/>
-              <a:t>Résultats des candidats </a:t>
+              <a:t>Liste des candidats pour nouveau tour  - ou Binôme gagnant</a:t>
             </a:r>
           </a:p>
           <a:p>
@@ -6048,8 +5562,8 @@
         </p:nvSpPr>
         <p:spPr>
           <a:xfrm>
-            <a:off x="685800" y="2875627"/>
-            <a:ext cx="1737360" cy="2031325"/>
+            <a:off x="685800" y="5746622"/>
+            <a:ext cx="1737360" cy="1754326"/>
           </a:xfrm>
           <a:prstGeom prst="rect">
             <a:avLst/>
@@ -6080,19 +5594,7 @@
           <a:p>
             <a:r>
               <a:rPr lang="fr-FR" dirty="0"/>
-              <a:t>Nom Equipe </a:t>
-            </a:r>
-          </a:p>
-          <a:p>
-            <a:r>
-              <a:rPr lang="fr-FR" dirty="0"/>
-              <a:t>Nom délégué</a:t>
-            </a:r>
-          </a:p>
-          <a:p>
-            <a:r>
-              <a:rPr lang="fr-FR" dirty="0"/>
-              <a:t>Nom suppléant </a:t>
+              <a:t>Informations candidats</a:t>
             </a:r>
           </a:p>
           <a:p>
@@ -6117,8 +5619,8 @@
         </p:nvSpPr>
         <p:spPr>
           <a:xfrm>
-            <a:off x="3741420" y="2851844"/>
-            <a:ext cx="1737360" cy="2031325"/>
+            <a:off x="3741420" y="5722839"/>
+            <a:ext cx="1737360" cy="1754326"/>
           </a:xfrm>
           <a:prstGeom prst="rect">
             <a:avLst/>
@@ -6149,19 +5651,7 @@
           <a:p>
             <a:r>
               <a:rPr lang="fr-FR" dirty="0"/>
-              <a:t>Nom Equipe </a:t>
-            </a:r>
-          </a:p>
-          <a:p>
-            <a:r>
-              <a:rPr lang="fr-FR" dirty="0"/>
-              <a:t>Nom délègue</a:t>
-            </a:r>
-          </a:p>
-          <a:p>
-            <a:r>
-              <a:rPr lang="fr-FR" dirty="0"/>
-              <a:t>Nom suppléant </a:t>
+              <a:t>Informations candidats</a:t>
             </a:r>
           </a:p>
           <a:p>
@@ -6186,8 +5676,8 @@
         </p:nvSpPr>
         <p:spPr>
           <a:xfrm>
-            <a:off x="6713222" y="2881760"/>
-            <a:ext cx="1737360" cy="2031325"/>
+            <a:off x="6713222" y="5752755"/>
+            <a:ext cx="1737360" cy="1754326"/>
           </a:xfrm>
           <a:prstGeom prst="rect">
             <a:avLst/>
@@ -6218,19 +5708,7 @@
           <a:p>
             <a:r>
               <a:rPr lang="fr-FR" dirty="0"/>
-              <a:t>Nom Equipe </a:t>
-            </a:r>
-          </a:p>
-          <a:p>
-            <a:r>
-              <a:rPr lang="fr-FR" dirty="0"/>
-              <a:t>Nom délégué</a:t>
-            </a:r>
-          </a:p>
-          <a:p>
-            <a:r>
-              <a:rPr lang="fr-FR" dirty="0"/>
-              <a:t>Nom suppléant </a:t>
+              <a:t>Informations candidats</a:t>
             </a:r>
           </a:p>
           <a:p>
@@ -6255,8 +5733,8 @@
         </p:nvSpPr>
         <p:spPr>
           <a:xfrm>
-            <a:off x="9755506" y="2851843"/>
-            <a:ext cx="1737360" cy="2031325"/>
+            <a:off x="9755506" y="5722838"/>
+            <a:ext cx="1737360" cy="1754326"/>
           </a:xfrm>
           <a:prstGeom prst="rect">
             <a:avLst/>
@@ -6287,19 +5765,7 @@
           <a:p>
             <a:r>
               <a:rPr lang="fr-FR" dirty="0"/>
-              <a:t>Nom Equipe </a:t>
-            </a:r>
-          </a:p>
-          <a:p>
-            <a:r>
-              <a:rPr lang="fr-FR" dirty="0"/>
-              <a:t>Nom délégué</a:t>
-            </a:r>
-          </a:p>
-          <a:p>
-            <a:r>
-              <a:rPr lang="fr-FR" dirty="0"/>
-              <a:t>Nom suppléant </a:t>
+              <a:t>Informations candidats</a:t>
             </a:r>
           </a:p>
           <a:p>
@@ -6324,7 +5790,7 @@
         </p:nvSpPr>
         <p:spPr>
           <a:xfrm>
-            <a:off x="468630" y="651510"/>
+            <a:off x="468630" y="3522504"/>
             <a:ext cx="11304270" cy="369332"/>
           </a:xfrm>
           <a:prstGeom prst="rect">
@@ -6367,7 +5833,7 @@
         </p:nvSpPr>
         <p:spPr>
           <a:xfrm>
-            <a:off x="937260" y="5068787"/>
+            <a:off x="937260" y="7939781"/>
             <a:ext cx="1230630" cy="369332"/>
           </a:xfrm>
           <a:prstGeom prst="rect">
@@ -6402,7 +5868,7 @@
         </p:nvSpPr>
         <p:spPr>
           <a:xfrm>
-            <a:off x="3994785" y="5006161"/>
+            <a:off x="3994785" y="7877155"/>
             <a:ext cx="1230630" cy="369332"/>
           </a:xfrm>
           <a:prstGeom prst="rect">
@@ -6437,7 +5903,7 @@
         </p:nvSpPr>
         <p:spPr>
           <a:xfrm>
-            <a:off x="6966587" y="5021119"/>
+            <a:off x="6966587" y="7892113"/>
             <a:ext cx="1230630" cy="369332"/>
           </a:xfrm>
           <a:prstGeom prst="rect">
@@ -6472,7 +5938,7 @@
         </p:nvSpPr>
         <p:spPr>
           <a:xfrm>
-            <a:off x="9938389" y="5006160"/>
+            <a:off x="9938389" y="7877154"/>
             <a:ext cx="1230630" cy="369332"/>
           </a:xfrm>
           <a:prstGeom prst="rect">
@@ -6507,7 +5973,7 @@
         </p:nvSpPr>
         <p:spPr>
           <a:xfrm>
-            <a:off x="6297930" y="47506"/>
+            <a:off x="6297930" y="2918500"/>
             <a:ext cx="5977890" cy="369332"/>
           </a:xfrm>
           <a:prstGeom prst="rect">
@@ -6544,7 +6010,7 @@
 <file path=ppt/theme/theme1.xml><?xml version="1.0" encoding="utf-8"?>
 <a:theme xmlns:a="http://schemas.openxmlformats.org/drawingml/2006/main" name="Thème Office">
   <a:themeElements>
-    <a:clrScheme name="Office">
+    <a:clrScheme name="Thème Office">
       <a:dk1>
         <a:sysClr val="windowText" lastClr="000000"/>
       </a:dk1>
@@ -6582,7 +6048,7 @@
         <a:srgbClr val="954F72"/>
       </a:folHlink>
     </a:clrScheme>
-    <a:fontScheme name="Office">
+    <a:fontScheme name="Thème Office">
       <a:majorFont>
         <a:latin typeface="Calibri Light" panose="020F0302020204030204"/>
         <a:ea typeface=""/>
@@ -6617,23 +6083,6 @@
         <a:font script="Viet" typeface="Times New Roman"/>
         <a:font script="Uigh" typeface="Microsoft Uighur"/>
         <a:font script="Geor" typeface="Sylfaen"/>
-        <a:font script="Armn" typeface="Arial"/>
-        <a:font script="Bugi" typeface="Leelawadee UI"/>
-        <a:font script="Bopo" typeface="Microsoft JhengHei"/>
-        <a:font script="Java" typeface="Javanese Text"/>
-        <a:font script="Lisu" typeface="Segoe UI"/>
-        <a:font script="Mymr" typeface="Myanmar Text"/>
-        <a:font script="Nkoo" typeface="Ebrima"/>
-        <a:font script="Olck" typeface="Nirmala UI"/>
-        <a:font script="Osma" typeface="Ebrima"/>
-        <a:font script="Phag" typeface="Phagspa"/>
-        <a:font script="Syrn" typeface="Estrangelo Edessa"/>
-        <a:font script="Syrj" typeface="Estrangelo Edessa"/>
-        <a:font script="Syre" typeface="Estrangelo Edessa"/>
-        <a:font script="Sora" typeface="Nirmala UI"/>
-        <a:font script="Tale" typeface="Microsoft Tai Le"/>
-        <a:font script="Talu" typeface="Microsoft New Tai Lue"/>
-        <a:font script="Tfng" typeface="Ebrima"/>
       </a:majorFont>
       <a:minorFont>
         <a:latin typeface="Calibri" panose="020F0502020204030204"/>
@@ -6669,26 +6118,9 @@
         <a:font script="Viet" typeface="Arial"/>
         <a:font script="Uigh" typeface="Microsoft Uighur"/>
         <a:font script="Geor" typeface="Sylfaen"/>
-        <a:font script="Armn" typeface="Arial"/>
-        <a:font script="Bugi" typeface="Leelawadee UI"/>
-        <a:font script="Bopo" typeface="Microsoft JhengHei"/>
-        <a:font script="Java" typeface="Javanese Text"/>
-        <a:font script="Lisu" typeface="Segoe UI"/>
-        <a:font script="Mymr" typeface="Myanmar Text"/>
-        <a:font script="Nkoo" typeface="Ebrima"/>
-        <a:font script="Olck" typeface="Nirmala UI"/>
-        <a:font script="Osma" typeface="Ebrima"/>
-        <a:font script="Phag" typeface="Phagspa"/>
-        <a:font script="Syrn" typeface="Estrangelo Edessa"/>
-        <a:font script="Syrj" typeface="Estrangelo Edessa"/>
-        <a:font script="Syre" typeface="Estrangelo Edessa"/>
-        <a:font script="Sora" typeface="Nirmala UI"/>
-        <a:font script="Tale" typeface="Microsoft Tai Le"/>
-        <a:font script="Talu" typeface="Microsoft New Tai Lue"/>
-        <a:font script="Tfng" typeface="Ebrima"/>
       </a:minorFont>
     </a:fontScheme>
-    <a:fmtScheme name="Office">
+    <a:fmtScheme name="Thème Office">
       <a:fillStyleLst>
         <a:solidFill>
           <a:schemeClr val="phClr"/>
@@ -6830,7 +6262,7 @@
   <a:extraClrSchemeLst/>
   <a:extLst>
     <a:ext uri="{05A4C25C-085E-4340-85A3-A5531E510DB2}">
-      <thm15:themeFamily xmlns:thm15="http://schemas.microsoft.com/office/thememl/2012/main" name="Office Theme" id="{62F939B6-93AF-4DB8-9C6B-D6C7DFDC589F}" vid="{4A3C46E8-61CC-4603-A589-7422A47A8E4A}"/>
+      <thm15:themeFamily xmlns:thm15="http://schemas.microsoft.com/office/thememl/2012/main" name="Office 2013 - 2022 Theme" id="{62F939B6-93AF-4DB8-9C6B-D6C7DFDC589F}" vid="{4A3C46E8-61CC-4603-A589-7422A47A8E4A}"/>
     </a:ext>
   </a:extLst>
 </a:theme>
